--- a/Discrete and Quantum Fourier Transforms.pptx
+++ b/Discrete and Quantum Fourier Transforms.pptx
@@ -12,10 +12,11 @@
     <p:sldId id="259" r:id="rId6"/>
     <p:sldId id="260" r:id="rId7"/>
     <p:sldId id="262" r:id="rId8"/>
-    <p:sldId id="266" r:id="rId9"/>
-    <p:sldId id="263" r:id="rId10"/>
-    <p:sldId id="264" r:id="rId11"/>
+    <p:sldId id="268" r:id="rId9"/>
+    <p:sldId id="266" r:id="rId10"/>
+    <p:sldId id="263" r:id="rId11"/>
     <p:sldId id="261" r:id="rId12"/>
+    <p:sldId id="267" r:id="rId13"/>
   </p:sldIdLst>
   <p:sldSz cx="12192000" cy="6858000"/>
   <p:notesSz cx="6858000" cy="9144000"/>
@@ -269,7 +270,7 @@
           <a:p>
             <a:fld id="{7E2F4663-F038-4D74-840C-7263EE5EB644}" type="datetimeFigureOut">
               <a:rPr lang="en-US" smtClean="0"/>
-              <a:t>4/10/2022</a:t>
+              <a:t>4/28/2022</a:t>
             </a:fld>
             <a:endParaRPr lang="en-US"/>
           </a:p>
@@ -467,7 +468,7 @@
           <a:p>
             <a:fld id="{7E2F4663-F038-4D74-840C-7263EE5EB644}" type="datetimeFigureOut">
               <a:rPr lang="en-US" smtClean="0"/>
-              <a:t>4/10/2022</a:t>
+              <a:t>4/28/2022</a:t>
             </a:fld>
             <a:endParaRPr lang="en-US"/>
           </a:p>
@@ -675,7 +676,7 @@
           <a:p>
             <a:fld id="{7E2F4663-F038-4D74-840C-7263EE5EB644}" type="datetimeFigureOut">
               <a:rPr lang="en-US" smtClean="0"/>
-              <a:t>4/10/2022</a:t>
+              <a:t>4/28/2022</a:t>
             </a:fld>
             <a:endParaRPr lang="en-US"/>
           </a:p>
@@ -873,7 +874,7 @@
           <a:p>
             <a:fld id="{7E2F4663-F038-4D74-840C-7263EE5EB644}" type="datetimeFigureOut">
               <a:rPr lang="en-US" smtClean="0"/>
-              <a:t>4/10/2022</a:t>
+              <a:t>4/28/2022</a:t>
             </a:fld>
             <a:endParaRPr lang="en-US"/>
           </a:p>
@@ -1148,7 +1149,7 @@
           <a:p>
             <a:fld id="{7E2F4663-F038-4D74-840C-7263EE5EB644}" type="datetimeFigureOut">
               <a:rPr lang="en-US" smtClean="0"/>
-              <a:t>4/10/2022</a:t>
+              <a:t>4/28/2022</a:t>
             </a:fld>
             <a:endParaRPr lang="en-US"/>
           </a:p>
@@ -1413,7 +1414,7 @@
           <a:p>
             <a:fld id="{7E2F4663-F038-4D74-840C-7263EE5EB644}" type="datetimeFigureOut">
               <a:rPr lang="en-US" smtClean="0"/>
-              <a:t>4/10/2022</a:t>
+              <a:t>4/28/2022</a:t>
             </a:fld>
             <a:endParaRPr lang="en-US"/>
           </a:p>
@@ -1825,7 +1826,7 @@
           <a:p>
             <a:fld id="{7E2F4663-F038-4D74-840C-7263EE5EB644}" type="datetimeFigureOut">
               <a:rPr lang="en-US" smtClean="0"/>
-              <a:t>4/10/2022</a:t>
+              <a:t>4/28/2022</a:t>
             </a:fld>
             <a:endParaRPr lang="en-US"/>
           </a:p>
@@ -1966,7 +1967,7 @@
           <a:p>
             <a:fld id="{7E2F4663-F038-4D74-840C-7263EE5EB644}" type="datetimeFigureOut">
               <a:rPr lang="en-US" smtClean="0"/>
-              <a:t>4/10/2022</a:t>
+              <a:t>4/28/2022</a:t>
             </a:fld>
             <a:endParaRPr lang="en-US"/>
           </a:p>
@@ -2079,7 +2080,7 @@
           <a:p>
             <a:fld id="{7E2F4663-F038-4D74-840C-7263EE5EB644}" type="datetimeFigureOut">
               <a:rPr lang="en-US" smtClean="0"/>
-              <a:t>4/10/2022</a:t>
+              <a:t>4/28/2022</a:t>
             </a:fld>
             <a:endParaRPr lang="en-US"/>
           </a:p>
@@ -2390,7 +2391,7 @@
           <a:p>
             <a:fld id="{7E2F4663-F038-4D74-840C-7263EE5EB644}" type="datetimeFigureOut">
               <a:rPr lang="en-US" smtClean="0"/>
-              <a:t>4/10/2022</a:t>
+              <a:t>4/28/2022</a:t>
             </a:fld>
             <a:endParaRPr lang="en-US"/>
           </a:p>
@@ -2678,7 +2679,7 @@
           <a:p>
             <a:fld id="{7E2F4663-F038-4D74-840C-7263EE5EB644}" type="datetimeFigureOut">
               <a:rPr lang="en-US" smtClean="0"/>
-              <a:t>4/10/2022</a:t>
+              <a:t>4/28/2022</a:t>
             </a:fld>
             <a:endParaRPr lang="en-US"/>
           </a:p>
@@ -2919,7 +2920,7 @@
           <a:p>
             <a:fld id="{7E2F4663-F038-4D74-840C-7263EE5EB644}" type="datetimeFigureOut">
               <a:rPr lang="en-US" smtClean="0"/>
-              <a:t>4/10/2022</a:t>
+              <a:t>4/28/2022</a:t>
             </a:fld>
             <a:endParaRPr lang="en-US"/>
           </a:p>
@@ -3427,7 +3428,7 @@
           <p:cNvPr id="2" name="Title 1">
             <a:extLst>
               <a:ext uri="{FF2B5EF4-FFF2-40B4-BE49-F238E27FC236}">
-                <a16:creationId xmlns:a16="http://schemas.microsoft.com/office/drawing/2014/main" id="{6AACE279-8E22-4DCA-84A1-AD8FD319CB96}"/>
+                <a16:creationId xmlns:a16="http://schemas.microsoft.com/office/drawing/2014/main" id="{BF1C6982-38AC-41D7-8919-4801309BD8B6}"/>
               </a:ext>
             </a:extLst>
           </p:cNvPr>
@@ -3445,7 +3446,7 @@
           <a:p>
             <a:r>
               <a:rPr lang="en-US" dirty="0"/>
-              <a:t>Grover’s Algorithm</a:t>
+              <a:t>Shor’s Algorithm</a:t>
             </a:r>
           </a:p>
         </p:txBody>
@@ -3455,7 +3456,7 @@
           <p:cNvPr id="3" name="Content Placeholder 2">
             <a:extLst>
               <a:ext uri="{FF2B5EF4-FFF2-40B4-BE49-F238E27FC236}">
-                <a16:creationId xmlns:a16="http://schemas.microsoft.com/office/drawing/2014/main" id="{8212021F-3423-4DCE-A73D-CFC289434D00}"/>
+                <a16:creationId xmlns:a16="http://schemas.microsoft.com/office/drawing/2014/main" id="{B6364E1C-1EDD-403F-B1EB-E7D0BAFB602E}"/>
               </a:ext>
             </a:extLst>
           </p:cNvPr>
@@ -3468,23 +3469,776 @@
         </p:nvSpPr>
         <p:spPr/>
         <p:txBody>
-          <a:bodyPr/>
+          <a:bodyPr>
+            <a:normAutofit lnSpcReduction="10000"/>
+          </a:bodyPr>
           <a:lstStyle/>
           <a:p>
-            <a:endParaRPr lang="en-US"/>
+            <a:r>
+              <a:rPr lang="en-US" dirty="0"/>
+              <a:t>Factorization of Primes</a:t>
+            </a:r>
+          </a:p>
+          <a:p>
+            <a:pPr lvl="1"/>
+            <a:r>
+              <a:rPr lang="en-US" dirty="0"/>
+              <a:t>For General n</a:t>
+            </a:r>
+            <a:r>
+              <a:rPr lang="en-US" b="1" i="0" dirty="0">
+                <a:solidFill>
+                  <a:srgbClr val="202124"/>
+                </a:solidFill>
+                <a:effectLst/>
+                <a:latin typeface="Roboto" panose="02000000000000000000" pitchFamily="2" charset="0"/>
+              </a:rPr>
+              <a:t> ∃ </a:t>
+            </a:r>
+            <a:r>
+              <a:rPr lang="en-US" b="1" i="0" dirty="0">
+                <a:solidFill>
+                  <a:srgbClr val="202122"/>
+                </a:solidFill>
+                <a:effectLst/>
+                <a:latin typeface="Nimbus Roman No9 L"/>
+              </a:rPr>
+              <a:t>Z</a:t>
+            </a:r>
+            <a:endParaRPr lang="en-US" dirty="0"/>
+          </a:p>
+          <a:p>
+            <a:r>
+              <a:rPr lang="en-US" dirty="0"/>
+              <a:t>Bounded Quantum Poly. Time</a:t>
+            </a:r>
+          </a:p>
+          <a:p>
+            <a:pPr lvl="1"/>
+            <a:r>
+              <a:rPr lang="en-US" dirty="0"/>
+              <a:t>Subset of P!</a:t>
+            </a:r>
+          </a:p>
+          <a:p>
+            <a:r>
+              <a:rPr lang="en-US" dirty="0"/>
+              <a:t>Simplified Circuit Logic</a:t>
+            </a:r>
+          </a:p>
+          <a:p>
+            <a:pPr lvl="1"/>
+            <a:r>
+              <a:rPr lang="en-US" dirty="0"/>
+              <a:t>Classical Circuit</a:t>
+            </a:r>
+          </a:p>
+          <a:p>
+            <a:pPr lvl="2"/>
+            <a:r>
+              <a:rPr lang="en-US" dirty="0"/>
+              <a:t>Pick Random # </a:t>
+            </a:r>
+          </a:p>
+          <a:p>
+            <a:pPr lvl="2"/>
+            <a:r>
+              <a:rPr lang="en-US" dirty="0"/>
+              <a:t>Find GCD (That is Non-Trivial)</a:t>
+            </a:r>
+          </a:p>
+          <a:p>
+            <a:pPr lvl="1"/>
+            <a:r>
+              <a:rPr lang="en-US" dirty="0"/>
+              <a:t>Quantum Circuit</a:t>
+            </a:r>
+          </a:p>
+          <a:p>
+            <a:pPr lvl="2"/>
+            <a:r>
+              <a:rPr lang="en-US" dirty="0"/>
+              <a:t>Find U and a from Classical Circuit  </a:t>
+            </a:r>
+          </a:p>
+          <a:p>
+            <a:pPr lvl="2"/>
+            <a:r>
+              <a:rPr lang="en-US" dirty="0"/>
+              <a:t>Check Period </a:t>
+            </a:r>
+          </a:p>
+          <a:p>
+            <a:pPr lvl="2"/>
+            <a:r>
+              <a:rPr lang="en-US" dirty="0"/>
+              <a:t>Obtain Factors from Modular Decomposition of Period</a:t>
+            </a:r>
+          </a:p>
+          <a:p>
+            <a:endParaRPr lang="en-US" dirty="0"/>
+          </a:p>
+        </p:txBody>
+      </p:sp>
+      <p:pic>
+        <p:nvPicPr>
+          <p:cNvPr id="3074" name="Picture 2">
+            <a:extLst>
+              <a:ext uri="{FF2B5EF4-FFF2-40B4-BE49-F238E27FC236}">
+                <a16:creationId xmlns:a16="http://schemas.microsoft.com/office/drawing/2014/main" id="{DC1006CE-C48B-4CF1-B02F-5BE76EC62F5B}"/>
+              </a:ext>
+            </a:extLst>
+          </p:cNvPr>
+          <p:cNvPicPr>
+            <a:picLocks noChangeAspect="1" noChangeArrowheads="1"/>
+          </p:cNvPicPr>
+          <p:nvPr/>
+        </p:nvPicPr>
+        <p:blipFill>
+          <a:blip r:embed="rId2">
+            <a:extLst>
+              <a:ext uri="{28A0092B-C50C-407E-A947-70E740481C1C}">
+                <a14:useLocalDpi xmlns:a14="http://schemas.microsoft.com/office/drawing/2010/main" val="0"/>
+              </a:ext>
+            </a:extLst>
+          </a:blip>
+          <a:srcRect/>
+          <a:stretch>
+            <a:fillRect/>
+          </a:stretch>
+        </p:blipFill>
+        <p:spPr bwMode="auto">
+          <a:xfrm>
+            <a:off x="5676405" y="463135"/>
+            <a:ext cx="6216329" cy="2204854"/>
+          </a:xfrm>
+          <a:prstGeom prst="rect">
+            <a:avLst/>
+          </a:prstGeom>
+          <a:noFill/>
+          <a:extLst>
+            <a:ext uri="{909E8E84-426E-40DD-AFC4-6F175D3DCCD1}">
+              <a14:hiddenFill xmlns:a14="http://schemas.microsoft.com/office/drawing/2010/main">
+                <a:solidFill>
+                  <a:srgbClr val="FFFFFF"/>
+                </a:solidFill>
+              </a14:hiddenFill>
+            </a:ext>
+          </a:extLst>
+        </p:spPr>
+      </p:pic>
+      <p:sp>
+        <p:nvSpPr>
+          <p:cNvPr id="4" name="TextBox 3">
+            <a:extLst>
+              <a:ext uri="{FF2B5EF4-FFF2-40B4-BE49-F238E27FC236}">
+                <a16:creationId xmlns:a16="http://schemas.microsoft.com/office/drawing/2014/main" id="{3FED4869-845D-4FE1-B589-656D3307F6A0}"/>
+              </a:ext>
+            </a:extLst>
+          </p:cNvPr>
+          <p:cNvSpPr txBox="1"/>
+          <p:nvPr/>
+        </p:nvSpPr>
+        <p:spPr>
+          <a:xfrm>
+            <a:off x="7579624" y="2802926"/>
+            <a:ext cx="2409890" cy="369332"/>
+          </a:xfrm>
+          <a:prstGeom prst="rect">
+            <a:avLst/>
+          </a:prstGeom>
+          <a:noFill/>
+        </p:spPr>
+        <p:txBody>
+          <a:bodyPr wrap="none" rtlCol="0">
+            <a:spAutoFit/>
+          </a:bodyPr>
+          <a:lstStyle/>
+          <a:p>
+            <a:r>
+              <a:rPr lang="en-US" dirty="0"/>
+              <a:t>Shor’s Quantum Circuit </a:t>
+            </a:r>
           </a:p>
         </p:txBody>
       </p:sp>
     </p:spTree>
     <p:extLst>
       <p:ext uri="{BB962C8B-B14F-4D97-AF65-F5344CB8AC3E}">
-        <p14:creationId xmlns:p14="http://schemas.microsoft.com/office/powerpoint/2010/main" val="1494396174"/>
+        <p14:creationId xmlns:p14="http://schemas.microsoft.com/office/powerpoint/2010/main" val="4165188779"/>
       </p:ext>
     </p:extLst>
   </p:cSld>
   <p:clrMapOvr>
     <a:masterClrMapping/>
   </p:clrMapOvr>
+  <p:timing>
+    <p:tnLst>
+      <p:par>
+        <p:cTn id="1" dur="indefinite" restart="never" nodeType="tmRoot">
+          <p:childTnLst>
+            <p:seq concurrent="1" nextAc="seek">
+              <p:cTn id="2" dur="indefinite" nodeType="mainSeq">
+                <p:childTnLst>
+                  <p:par>
+                    <p:cTn id="3" fill="hold">
+                      <p:stCondLst>
+                        <p:cond delay="indefinite"/>
+                      </p:stCondLst>
+                      <p:childTnLst>
+                        <p:par>
+                          <p:cTn id="4" fill="hold">
+                            <p:stCondLst>
+                              <p:cond delay="0"/>
+                            </p:stCondLst>
+                            <p:childTnLst>
+                              <p:par>
+                                <p:cTn id="5" presetID="1" presetClass="entr" presetSubtype="0" fill="hold" nodeType="clickEffect">
+                                  <p:stCondLst>
+                                    <p:cond delay="0"/>
+                                  </p:stCondLst>
+                                  <p:childTnLst>
+                                    <p:set>
+                                      <p:cBhvr>
+                                        <p:cTn id="6" dur="1" fill="hold">
+                                          <p:stCondLst>
+                                            <p:cond delay="0"/>
+                                          </p:stCondLst>
+                                        </p:cTn>
+                                        <p:tgtEl>
+                                          <p:spTgt spid="3">
+                                            <p:txEl>
+                                              <p:pRg st="0" end="0"/>
+                                            </p:txEl>
+                                          </p:spTgt>
+                                        </p:tgtEl>
+                                        <p:attrNameLst>
+                                          <p:attrName>style.visibility</p:attrName>
+                                        </p:attrNameLst>
+                                      </p:cBhvr>
+                                      <p:to>
+                                        <p:strVal val="visible"/>
+                                      </p:to>
+                                    </p:set>
+                                  </p:childTnLst>
+                                </p:cTn>
+                              </p:par>
+                              <p:par>
+                                <p:cTn id="7" presetID="1" presetClass="entr" presetSubtype="0" fill="hold" nodeType="withEffect">
+                                  <p:stCondLst>
+                                    <p:cond delay="0"/>
+                                  </p:stCondLst>
+                                  <p:childTnLst>
+                                    <p:set>
+                                      <p:cBhvr>
+                                        <p:cTn id="8" dur="1" fill="hold">
+                                          <p:stCondLst>
+                                            <p:cond delay="0"/>
+                                          </p:stCondLst>
+                                        </p:cTn>
+                                        <p:tgtEl>
+                                          <p:spTgt spid="3">
+                                            <p:txEl>
+                                              <p:pRg st="1" end="1"/>
+                                            </p:txEl>
+                                          </p:spTgt>
+                                        </p:tgtEl>
+                                        <p:attrNameLst>
+                                          <p:attrName>style.visibility</p:attrName>
+                                        </p:attrNameLst>
+                                      </p:cBhvr>
+                                      <p:to>
+                                        <p:strVal val="visible"/>
+                                      </p:to>
+                                    </p:set>
+                                  </p:childTnLst>
+                                </p:cTn>
+                              </p:par>
+                            </p:childTnLst>
+                          </p:cTn>
+                        </p:par>
+                      </p:childTnLst>
+                    </p:cTn>
+                  </p:par>
+                  <p:par>
+                    <p:cTn id="9" fill="hold">
+                      <p:stCondLst>
+                        <p:cond delay="indefinite"/>
+                      </p:stCondLst>
+                      <p:childTnLst>
+                        <p:par>
+                          <p:cTn id="10" fill="hold">
+                            <p:stCondLst>
+                              <p:cond delay="0"/>
+                            </p:stCondLst>
+                            <p:childTnLst>
+                              <p:par>
+                                <p:cTn id="11" presetID="1" presetClass="entr" presetSubtype="0" fill="hold" nodeType="clickEffect">
+                                  <p:stCondLst>
+                                    <p:cond delay="0"/>
+                                  </p:stCondLst>
+                                  <p:childTnLst>
+                                    <p:set>
+                                      <p:cBhvr>
+                                        <p:cTn id="12" dur="1" fill="hold">
+                                          <p:stCondLst>
+                                            <p:cond delay="0"/>
+                                          </p:stCondLst>
+                                        </p:cTn>
+                                        <p:tgtEl>
+                                          <p:spTgt spid="3074"/>
+                                        </p:tgtEl>
+                                        <p:attrNameLst>
+                                          <p:attrName>style.visibility</p:attrName>
+                                        </p:attrNameLst>
+                                      </p:cBhvr>
+                                      <p:to>
+                                        <p:strVal val="visible"/>
+                                      </p:to>
+                                    </p:set>
+                                  </p:childTnLst>
+                                </p:cTn>
+                              </p:par>
+                              <p:par>
+                                <p:cTn id="13" presetID="1" presetClass="entr" presetSubtype="0" fill="hold" grpId="0" nodeType="withEffect">
+                                  <p:stCondLst>
+                                    <p:cond delay="0"/>
+                                  </p:stCondLst>
+                                  <p:childTnLst>
+                                    <p:set>
+                                      <p:cBhvr>
+                                        <p:cTn id="14" dur="1" fill="hold">
+                                          <p:stCondLst>
+                                            <p:cond delay="0"/>
+                                          </p:stCondLst>
+                                        </p:cTn>
+                                        <p:tgtEl>
+                                          <p:spTgt spid="4"/>
+                                        </p:tgtEl>
+                                        <p:attrNameLst>
+                                          <p:attrName>style.visibility</p:attrName>
+                                        </p:attrNameLst>
+                                      </p:cBhvr>
+                                      <p:to>
+                                        <p:strVal val="visible"/>
+                                      </p:to>
+                                    </p:set>
+                                  </p:childTnLst>
+                                </p:cTn>
+                              </p:par>
+                            </p:childTnLst>
+                          </p:cTn>
+                        </p:par>
+                      </p:childTnLst>
+                    </p:cTn>
+                  </p:par>
+                  <p:par>
+                    <p:cTn id="15" fill="hold">
+                      <p:stCondLst>
+                        <p:cond delay="indefinite"/>
+                      </p:stCondLst>
+                      <p:childTnLst>
+                        <p:par>
+                          <p:cTn id="16" fill="hold">
+                            <p:stCondLst>
+                              <p:cond delay="0"/>
+                            </p:stCondLst>
+                            <p:childTnLst>
+                              <p:par>
+                                <p:cTn id="17" presetID="1" presetClass="entr" presetSubtype="0" fill="hold" nodeType="clickEffect">
+                                  <p:stCondLst>
+                                    <p:cond delay="0"/>
+                                  </p:stCondLst>
+                                  <p:childTnLst>
+                                    <p:set>
+                                      <p:cBhvr>
+                                        <p:cTn id="18" dur="1" fill="hold">
+                                          <p:stCondLst>
+                                            <p:cond delay="0"/>
+                                          </p:stCondLst>
+                                        </p:cTn>
+                                        <p:tgtEl>
+                                          <p:spTgt spid="3">
+                                            <p:txEl>
+                                              <p:pRg st="2" end="2"/>
+                                            </p:txEl>
+                                          </p:spTgt>
+                                        </p:tgtEl>
+                                        <p:attrNameLst>
+                                          <p:attrName>style.visibility</p:attrName>
+                                        </p:attrNameLst>
+                                      </p:cBhvr>
+                                      <p:to>
+                                        <p:strVal val="visible"/>
+                                      </p:to>
+                                    </p:set>
+                                  </p:childTnLst>
+                                </p:cTn>
+                              </p:par>
+                              <p:par>
+                                <p:cTn id="19" presetID="1" presetClass="entr" presetSubtype="0" fill="hold" nodeType="withEffect">
+                                  <p:stCondLst>
+                                    <p:cond delay="0"/>
+                                  </p:stCondLst>
+                                  <p:childTnLst>
+                                    <p:set>
+                                      <p:cBhvr>
+                                        <p:cTn id="20" dur="1" fill="hold">
+                                          <p:stCondLst>
+                                            <p:cond delay="0"/>
+                                          </p:stCondLst>
+                                        </p:cTn>
+                                        <p:tgtEl>
+                                          <p:spTgt spid="3">
+                                            <p:txEl>
+                                              <p:pRg st="3" end="3"/>
+                                            </p:txEl>
+                                          </p:spTgt>
+                                        </p:tgtEl>
+                                        <p:attrNameLst>
+                                          <p:attrName>style.visibility</p:attrName>
+                                        </p:attrNameLst>
+                                      </p:cBhvr>
+                                      <p:to>
+                                        <p:strVal val="visible"/>
+                                      </p:to>
+                                    </p:set>
+                                  </p:childTnLst>
+                                </p:cTn>
+                              </p:par>
+                            </p:childTnLst>
+                          </p:cTn>
+                        </p:par>
+                      </p:childTnLst>
+                    </p:cTn>
+                  </p:par>
+                  <p:par>
+                    <p:cTn id="21" fill="hold">
+                      <p:stCondLst>
+                        <p:cond delay="indefinite"/>
+                      </p:stCondLst>
+                      <p:childTnLst>
+                        <p:par>
+                          <p:cTn id="22" fill="hold">
+                            <p:stCondLst>
+                              <p:cond delay="0"/>
+                            </p:stCondLst>
+                            <p:childTnLst>
+                              <p:par>
+                                <p:cTn id="23" presetID="1" presetClass="entr" presetSubtype="0" fill="hold" nodeType="clickEffect">
+                                  <p:stCondLst>
+                                    <p:cond delay="0"/>
+                                  </p:stCondLst>
+                                  <p:childTnLst>
+                                    <p:set>
+                                      <p:cBhvr>
+                                        <p:cTn id="24" dur="1" fill="hold">
+                                          <p:stCondLst>
+                                            <p:cond delay="0"/>
+                                          </p:stCondLst>
+                                        </p:cTn>
+                                        <p:tgtEl>
+                                          <p:spTgt spid="3">
+                                            <p:txEl>
+                                              <p:pRg st="4" end="4"/>
+                                            </p:txEl>
+                                          </p:spTgt>
+                                        </p:tgtEl>
+                                        <p:attrNameLst>
+                                          <p:attrName>style.visibility</p:attrName>
+                                        </p:attrNameLst>
+                                      </p:cBhvr>
+                                      <p:to>
+                                        <p:strVal val="visible"/>
+                                      </p:to>
+                                    </p:set>
+                                  </p:childTnLst>
+                                </p:cTn>
+                              </p:par>
+                            </p:childTnLst>
+                          </p:cTn>
+                        </p:par>
+                      </p:childTnLst>
+                    </p:cTn>
+                  </p:par>
+                  <p:par>
+                    <p:cTn id="25" fill="hold">
+                      <p:stCondLst>
+                        <p:cond delay="indefinite"/>
+                      </p:stCondLst>
+                      <p:childTnLst>
+                        <p:par>
+                          <p:cTn id="26" fill="hold">
+                            <p:stCondLst>
+                              <p:cond delay="0"/>
+                            </p:stCondLst>
+                            <p:childTnLst>
+                              <p:par>
+                                <p:cTn id="27" presetID="1" presetClass="entr" presetSubtype="0" fill="hold" nodeType="clickEffect">
+                                  <p:stCondLst>
+                                    <p:cond delay="0"/>
+                                  </p:stCondLst>
+                                  <p:childTnLst>
+                                    <p:set>
+                                      <p:cBhvr>
+                                        <p:cTn id="28" dur="1" fill="hold">
+                                          <p:stCondLst>
+                                            <p:cond delay="0"/>
+                                          </p:stCondLst>
+                                        </p:cTn>
+                                        <p:tgtEl>
+                                          <p:spTgt spid="3">
+                                            <p:txEl>
+                                              <p:pRg st="5" end="5"/>
+                                            </p:txEl>
+                                          </p:spTgt>
+                                        </p:tgtEl>
+                                        <p:attrNameLst>
+                                          <p:attrName>style.visibility</p:attrName>
+                                        </p:attrNameLst>
+                                      </p:cBhvr>
+                                      <p:to>
+                                        <p:strVal val="visible"/>
+                                      </p:to>
+                                    </p:set>
+                                  </p:childTnLst>
+                                </p:cTn>
+                              </p:par>
+                              <p:par>
+                                <p:cTn id="29" presetID="1" presetClass="entr" presetSubtype="0" fill="hold" nodeType="withEffect">
+                                  <p:stCondLst>
+                                    <p:cond delay="0"/>
+                                  </p:stCondLst>
+                                  <p:childTnLst>
+                                    <p:set>
+                                      <p:cBhvr>
+                                        <p:cTn id="30" dur="1" fill="hold">
+                                          <p:stCondLst>
+                                            <p:cond delay="0"/>
+                                          </p:stCondLst>
+                                        </p:cTn>
+                                        <p:tgtEl>
+                                          <p:spTgt spid="3">
+                                            <p:txEl>
+                                              <p:pRg st="6" end="6"/>
+                                            </p:txEl>
+                                          </p:spTgt>
+                                        </p:tgtEl>
+                                        <p:attrNameLst>
+                                          <p:attrName>style.visibility</p:attrName>
+                                        </p:attrNameLst>
+                                      </p:cBhvr>
+                                      <p:to>
+                                        <p:strVal val="visible"/>
+                                      </p:to>
+                                    </p:set>
+                                  </p:childTnLst>
+                                </p:cTn>
+                              </p:par>
+                              <p:par>
+                                <p:cTn id="31" presetID="1" presetClass="entr" presetSubtype="0" fill="hold" nodeType="withEffect">
+                                  <p:stCondLst>
+                                    <p:cond delay="0"/>
+                                  </p:stCondLst>
+                                  <p:childTnLst>
+                                    <p:set>
+                                      <p:cBhvr>
+                                        <p:cTn id="32" dur="1" fill="hold">
+                                          <p:stCondLst>
+                                            <p:cond delay="0"/>
+                                          </p:stCondLst>
+                                        </p:cTn>
+                                        <p:tgtEl>
+                                          <p:spTgt spid="3">
+                                            <p:txEl>
+                                              <p:pRg st="7" end="7"/>
+                                            </p:txEl>
+                                          </p:spTgt>
+                                        </p:tgtEl>
+                                        <p:attrNameLst>
+                                          <p:attrName>style.visibility</p:attrName>
+                                        </p:attrNameLst>
+                                      </p:cBhvr>
+                                      <p:to>
+                                        <p:strVal val="visible"/>
+                                      </p:to>
+                                    </p:set>
+                                  </p:childTnLst>
+                                </p:cTn>
+                              </p:par>
+                            </p:childTnLst>
+                          </p:cTn>
+                        </p:par>
+                      </p:childTnLst>
+                    </p:cTn>
+                  </p:par>
+                  <p:par>
+                    <p:cTn id="33" fill="hold">
+                      <p:stCondLst>
+                        <p:cond delay="indefinite"/>
+                      </p:stCondLst>
+                      <p:childTnLst>
+                        <p:par>
+                          <p:cTn id="34" fill="hold">
+                            <p:stCondLst>
+                              <p:cond delay="0"/>
+                            </p:stCondLst>
+                            <p:childTnLst>
+                              <p:par>
+                                <p:cTn id="35" presetID="1" presetClass="entr" presetSubtype="0" fill="hold" nodeType="clickEffect">
+                                  <p:stCondLst>
+                                    <p:cond delay="0"/>
+                                  </p:stCondLst>
+                                  <p:childTnLst>
+                                    <p:set>
+                                      <p:cBhvr>
+                                        <p:cTn id="36" dur="1" fill="hold">
+                                          <p:stCondLst>
+                                            <p:cond delay="0"/>
+                                          </p:stCondLst>
+                                        </p:cTn>
+                                        <p:tgtEl>
+                                          <p:spTgt spid="3">
+                                            <p:txEl>
+                                              <p:pRg st="8" end="8"/>
+                                            </p:txEl>
+                                          </p:spTgt>
+                                        </p:tgtEl>
+                                        <p:attrNameLst>
+                                          <p:attrName>style.visibility</p:attrName>
+                                        </p:attrNameLst>
+                                      </p:cBhvr>
+                                      <p:to>
+                                        <p:strVal val="visible"/>
+                                      </p:to>
+                                    </p:set>
+                                  </p:childTnLst>
+                                </p:cTn>
+                              </p:par>
+                              <p:par>
+                                <p:cTn id="37" presetID="1" presetClass="entr" presetSubtype="0" fill="hold" nodeType="withEffect">
+                                  <p:stCondLst>
+                                    <p:cond delay="0"/>
+                                  </p:stCondLst>
+                                  <p:childTnLst>
+                                    <p:set>
+                                      <p:cBhvr>
+                                        <p:cTn id="38" dur="1" fill="hold">
+                                          <p:stCondLst>
+                                            <p:cond delay="0"/>
+                                          </p:stCondLst>
+                                        </p:cTn>
+                                        <p:tgtEl>
+                                          <p:spTgt spid="3">
+                                            <p:txEl>
+                                              <p:pRg st="9" end="9"/>
+                                            </p:txEl>
+                                          </p:spTgt>
+                                        </p:tgtEl>
+                                        <p:attrNameLst>
+                                          <p:attrName>style.visibility</p:attrName>
+                                        </p:attrNameLst>
+                                      </p:cBhvr>
+                                      <p:to>
+                                        <p:strVal val="visible"/>
+                                      </p:to>
+                                    </p:set>
+                                  </p:childTnLst>
+                                </p:cTn>
+                              </p:par>
+                              <p:par>
+                                <p:cTn id="39" presetID="1" presetClass="entr" presetSubtype="0" fill="hold" nodeType="withEffect">
+                                  <p:stCondLst>
+                                    <p:cond delay="0"/>
+                                  </p:stCondLst>
+                                  <p:childTnLst>
+                                    <p:set>
+                                      <p:cBhvr>
+                                        <p:cTn id="40" dur="1" fill="hold">
+                                          <p:stCondLst>
+                                            <p:cond delay="0"/>
+                                          </p:stCondLst>
+                                        </p:cTn>
+                                        <p:tgtEl>
+                                          <p:spTgt spid="3">
+                                            <p:txEl>
+                                              <p:pRg st="10" end="10"/>
+                                            </p:txEl>
+                                          </p:spTgt>
+                                        </p:tgtEl>
+                                        <p:attrNameLst>
+                                          <p:attrName>style.visibility</p:attrName>
+                                        </p:attrNameLst>
+                                      </p:cBhvr>
+                                      <p:to>
+                                        <p:strVal val="visible"/>
+                                      </p:to>
+                                    </p:set>
+                                  </p:childTnLst>
+                                </p:cTn>
+                              </p:par>
+                              <p:par>
+                                <p:cTn id="41" presetID="1" presetClass="entr" presetSubtype="0" fill="hold" nodeType="withEffect">
+                                  <p:stCondLst>
+                                    <p:cond delay="0"/>
+                                  </p:stCondLst>
+                                  <p:childTnLst>
+                                    <p:set>
+                                      <p:cBhvr>
+                                        <p:cTn id="42" dur="1" fill="hold">
+                                          <p:stCondLst>
+                                            <p:cond delay="0"/>
+                                          </p:stCondLst>
+                                        </p:cTn>
+                                        <p:tgtEl>
+                                          <p:spTgt spid="3">
+                                            <p:txEl>
+                                              <p:pRg st="11" end="11"/>
+                                            </p:txEl>
+                                          </p:spTgt>
+                                        </p:tgtEl>
+                                        <p:attrNameLst>
+                                          <p:attrName>style.visibility</p:attrName>
+                                        </p:attrNameLst>
+                                      </p:cBhvr>
+                                      <p:to>
+                                        <p:strVal val="visible"/>
+                                      </p:to>
+                                    </p:set>
+                                  </p:childTnLst>
+                                </p:cTn>
+                              </p:par>
+                            </p:childTnLst>
+                          </p:cTn>
+                        </p:par>
+                      </p:childTnLst>
+                    </p:cTn>
+                  </p:par>
+                </p:childTnLst>
+              </p:cTn>
+              <p:prevCondLst>
+                <p:cond evt="onPrev" delay="0">
+                  <p:tgtEl>
+                    <p:sldTgt/>
+                  </p:tgtEl>
+                </p:cond>
+              </p:prevCondLst>
+              <p:nextCondLst>
+                <p:cond evt="onNext" delay="0">
+                  <p:tgtEl>
+                    <p:sldTgt/>
+                  </p:tgtEl>
+                </p:cond>
+              </p:nextCondLst>
+            </p:seq>
+          </p:childTnLst>
+        </p:cTn>
+      </p:par>
+    </p:tnLst>
+    <p:bldLst>
+      <p:bldP spid="4" grpId="0"/>
+    </p:bldLst>
+  </p:timing>
 </p:sld>
 </file>
 
@@ -3554,7 +4308,20 @@
           <a:bodyPr/>
           <a:lstStyle/>
           <a:p>
-            <a:endParaRPr lang="en-US"/>
+            <a:r>
+              <a:rPr lang="en-US" dirty="0"/>
+              <a:t>Wave Analysis! (Griffiths 9.1)</a:t>
+            </a:r>
+          </a:p>
+          <a:p>
+            <a:pPr lvl="1"/>
+            <a:r>
+              <a:rPr lang="en-US" dirty="0"/>
+              <a:t>Fourier Transforms (pg. 388) </a:t>
+            </a:r>
+          </a:p>
+          <a:p>
+            <a:endParaRPr lang="en-US" dirty="0"/>
           </a:p>
         </p:txBody>
       </p:sp>
@@ -3562,6 +4329,64 @@
     <p:extLst>
       <p:ext uri="{BB962C8B-B14F-4D97-AF65-F5344CB8AC3E}">
         <p14:creationId xmlns:p14="http://schemas.microsoft.com/office/powerpoint/2010/main" val="3923972240"/>
+      </p:ext>
+    </p:extLst>
+  </p:cSld>
+  <p:clrMapOvr>
+    <a:masterClrMapping/>
+  </p:clrMapOvr>
+</p:sld>
+</file>
+
+<file path=ppt/slides/slide12.xml><?xml version="1.0" encoding="utf-8"?>
+<p:sld xmlns:a="http://schemas.openxmlformats.org/drawingml/2006/main" xmlns:r="http://schemas.openxmlformats.org/officeDocument/2006/relationships" xmlns:p="http://schemas.openxmlformats.org/presentationml/2006/main">
+  <p:cSld>
+    <p:spTree>
+      <p:nvGrpSpPr>
+        <p:cNvPr id="1" name=""/>
+        <p:cNvGrpSpPr/>
+        <p:nvPr/>
+      </p:nvGrpSpPr>
+      <p:grpSpPr>
+        <a:xfrm>
+          <a:off x="0" y="0"/>
+          <a:ext cx="0" cy="0"/>
+          <a:chOff x="0" y="0"/>
+          <a:chExt cx="0" cy="0"/>
+        </a:xfrm>
+      </p:grpSpPr>
+      <p:sp>
+        <p:nvSpPr>
+          <p:cNvPr id="2" name="Title 1">
+            <a:extLst>
+              <a:ext uri="{FF2B5EF4-FFF2-40B4-BE49-F238E27FC236}">
+                <a16:creationId xmlns:a16="http://schemas.microsoft.com/office/drawing/2014/main" id="{50D02B52-9CA2-42FC-BACA-68926E0A2872}"/>
+              </a:ext>
+            </a:extLst>
+          </p:cNvPr>
+          <p:cNvSpPr>
+            <a:spLocks noGrp="1"/>
+          </p:cNvSpPr>
+          <p:nvPr>
+            <p:ph type="title"/>
+          </p:nvPr>
+        </p:nvSpPr>
+        <p:spPr/>
+        <p:txBody>
+          <a:bodyPr/>
+          <a:lstStyle/>
+          <a:p>
+            <a:r>
+              <a:rPr lang="en-US" dirty="0"/>
+              <a:t>Questions?</a:t>
+            </a:r>
+          </a:p>
+        </p:txBody>
+      </p:sp>
+    </p:spTree>
+    <p:extLst>
+      <p:ext uri="{BB962C8B-B14F-4D97-AF65-F5344CB8AC3E}">
+        <p14:creationId xmlns:p14="http://schemas.microsoft.com/office/powerpoint/2010/main" val="1603333970"/>
       </p:ext>
     </p:extLst>
   </p:cSld>
@@ -3701,6 +4526,263 @@
   <p:clrMapOvr>
     <a:masterClrMapping/>
   </p:clrMapOvr>
+  <p:timing>
+    <p:tnLst>
+      <p:par>
+        <p:cTn id="1" dur="indefinite" restart="never" nodeType="tmRoot">
+          <p:childTnLst>
+            <p:seq concurrent="1" nextAc="seek">
+              <p:cTn id="2" dur="indefinite" nodeType="mainSeq">
+                <p:childTnLst>
+                  <p:par>
+                    <p:cTn id="3" fill="hold">
+                      <p:stCondLst>
+                        <p:cond delay="indefinite"/>
+                      </p:stCondLst>
+                      <p:childTnLst>
+                        <p:par>
+                          <p:cTn id="4" fill="hold">
+                            <p:stCondLst>
+                              <p:cond delay="0"/>
+                            </p:stCondLst>
+                            <p:childTnLst>
+                              <p:par>
+                                <p:cTn id="5" presetID="1" presetClass="entr" presetSubtype="0" fill="hold" nodeType="clickEffect">
+                                  <p:stCondLst>
+                                    <p:cond delay="0"/>
+                                  </p:stCondLst>
+                                  <p:childTnLst>
+                                    <p:set>
+                                      <p:cBhvr>
+                                        <p:cTn id="6" dur="1" fill="hold">
+                                          <p:stCondLst>
+                                            <p:cond delay="0"/>
+                                          </p:stCondLst>
+                                        </p:cTn>
+                                        <p:tgtEl>
+                                          <p:spTgt spid="3">
+                                            <p:txEl>
+                                              <p:pRg st="0" end="0"/>
+                                            </p:txEl>
+                                          </p:spTgt>
+                                        </p:tgtEl>
+                                        <p:attrNameLst>
+                                          <p:attrName>style.visibility</p:attrName>
+                                        </p:attrNameLst>
+                                      </p:cBhvr>
+                                      <p:to>
+                                        <p:strVal val="visible"/>
+                                      </p:to>
+                                    </p:set>
+                                  </p:childTnLst>
+                                </p:cTn>
+                              </p:par>
+                            </p:childTnLst>
+                          </p:cTn>
+                        </p:par>
+                      </p:childTnLst>
+                    </p:cTn>
+                  </p:par>
+                  <p:par>
+                    <p:cTn id="7" fill="hold">
+                      <p:stCondLst>
+                        <p:cond delay="indefinite"/>
+                      </p:stCondLst>
+                      <p:childTnLst>
+                        <p:par>
+                          <p:cTn id="8" fill="hold">
+                            <p:stCondLst>
+                              <p:cond delay="0"/>
+                            </p:stCondLst>
+                            <p:childTnLst>
+                              <p:par>
+                                <p:cTn id="9" presetID="1" presetClass="entr" presetSubtype="0" fill="hold" nodeType="clickEffect">
+                                  <p:stCondLst>
+                                    <p:cond delay="0"/>
+                                  </p:stCondLst>
+                                  <p:childTnLst>
+                                    <p:set>
+                                      <p:cBhvr>
+                                        <p:cTn id="10" dur="1" fill="hold">
+                                          <p:stCondLst>
+                                            <p:cond delay="0"/>
+                                          </p:stCondLst>
+                                        </p:cTn>
+                                        <p:tgtEl>
+                                          <p:spTgt spid="3">
+                                            <p:txEl>
+                                              <p:pRg st="2" end="2"/>
+                                            </p:txEl>
+                                          </p:spTgt>
+                                        </p:tgtEl>
+                                        <p:attrNameLst>
+                                          <p:attrName>style.visibility</p:attrName>
+                                        </p:attrNameLst>
+                                      </p:cBhvr>
+                                      <p:to>
+                                        <p:strVal val="visible"/>
+                                      </p:to>
+                                    </p:set>
+                                  </p:childTnLst>
+                                </p:cTn>
+                              </p:par>
+                            </p:childTnLst>
+                          </p:cTn>
+                        </p:par>
+                      </p:childTnLst>
+                    </p:cTn>
+                  </p:par>
+                  <p:par>
+                    <p:cTn id="11" fill="hold">
+                      <p:stCondLst>
+                        <p:cond delay="indefinite"/>
+                      </p:stCondLst>
+                      <p:childTnLst>
+                        <p:par>
+                          <p:cTn id="12" fill="hold">
+                            <p:stCondLst>
+                              <p:cond delay="0"/>
+                            </p:stCondLst>
+                            <p:childTnLst>
+                              <p:par>
+                                <p:cTn id="13" presetID="1" presetClass="entr" presetSubtype="0" fill="hold" nodeType="clickEffect">
+                                  <p:stCondLst>
+                                    <p:cond delay="0"/>
+                                  </p:stCondLst>
+                                  <p:childTnLst>
+                                    <p:set>
+                                      <p:cBhvr>
+                                        <p:cTn id="14" dur="1" fill="hold">
+                                          <p:stCondLst>
+                                            <p:cond delay="0"/>
+                                          </p:stCondLst>
+                                        </p:cTn>
+                                        <p:tgtEl>
+                                          <p:spTgt spid="3">
+                                            <p:txEl>
+                                              <p:pRg st="4" end="4"/>
+                                            </p:txEl>
+                                          </p:spTgt>
+                                        </p:tgtEl>
+                                        <p:attrNameLst>
+                                          <p:attrName>style.visibility</p:attrName>
+                                        </p:attrNameLst>
+                                      </p:cBhvr>
+                                      <p:to>
+                                        <p:strVal val="visible"/>
+                                      </p:to>
+                                    </p:set>
+                                  </p:childTnLst>
+                                </p:cTn>
+                              </p:par>
+                              <p:par>
+                                <p:cTn id="15" presetID="1" presetClass="entr" presetSubtype="0" fill="hold" nodeType="withEffect">
+                                  <p:stCondLst>
+                                    <p:cond delay="0"/>
+                                  </p:stCondLst>
+                                  <p:childTnLst>
+                                    <p:set>
+                                      <p:cBhvr>
+                                        <p:cTn id="16" dur="1" fill="hold">
+                                          <p:stCondLst>
+                                            <p:cond delay="0"/>
+                                          </p:stCondLst>
+                                        </p:cTn>
+                                        <p:tgtEl>
+                                          <p:spTgt spid="3">
+                                            <p:txEl>
+                                              <p:pRg st="5" end="5"/>
+                                            </p:txEl>
+                                          </p:spTgt>
+                                        </p:tgtEl>
+                                        <p:attrNameLst>
+                                          <p:attrName>style.visibility</p:attrName>
+                                        </p:attrNameLst>
+                                      </p:cBhvr>
+                                      <p:to>
+                                        <p:strVal val="visible"/>
+                                      </p:to>
+                                    </p:set>
+                                  </p:childTnLst>
+                                </p:cTn>
+                              </p:par>
+                            </p:childTnLst>
+                          </p:cTn>
+                        </p:par>
+                      </p:childTnLst>
+                    </p:cTn>
+                  </p:par>
+                  <p:par>
+                    <p:cTn id="17" fill="hold">
+                      <p:stCondLst>
+                        <p:cond delay="indefinite"/>
+                      </p:stCondLst>
+                      <p:childTnLst>
+                        <p:par>
+                          <p:cTn id="18" fill="hold">
+                            <p:stCondLst>
+                              <p:cond delay="0"/>
+                            </p:stCondLst>
+                            <p:childTnLst>
+                              <p:par>
+                                <p:cTn id="19" presetID="1" presetClass="entr" presetSubtype="0" fill="hold" nodeType="clickEffect">
+                                  <p:stCondLst>
+                                    <p:cond delay="0"/>
+                                  </p:stCondLst>
+                                  <p:childTnLst>
+                                    <p:set>
+                                      <p:cBhvr>
+                                        <p:cTn id="20" dur="1" fill="hold">
+                                          <p:stCondLst>
+                                            <p:cond delay="0"/>
+                                          </p:stCondLst>
+                                        </p:cTn>
+                                        <p:tgtEl>
+                                          <p:spTgt spid="3">
+                                            <p:txEl>
+                                              <p:pRg st="6" end="6"/>
+                                            </p:txEl>
+                                          </p:spTgt>
+                                        </p:tgtEl>
+                                        <p:attrNameLst>
+                                          <p:attrName>style.visibility</p:attrName>
+                                        </p:attrNameLst>
+                                      </p:cBhvr>
+                                      <p:to>
+                                        <p:strVal val="visible"/>
+                                      </p:to>
+                                    </p:set>
+                                  </p:childTnLst>
+                                </p:cTn>
+                              </p:par>
+                            </p:childTnLst>
+                          </p:cTn>
+                        </p:par>
+                      </p:childTnLst>
+                    </p:cTn>
+                  </p:par>
+                </p:childTnLst>
+              </p:cTn>
+              <p:prevCondLst>
+                <p:cond evt="onPrev" delay="0">
+                  <p:tgtEl>
+                    <p:sldTgt/>
+                  </p:tgtEl>
+                </p:cond>
+              </p:prevCondLst>
+              <p:nextCondLst>
+                <p:cond evt="onNext" delay="0">
+                  <p:tgtEl>
+                    <p:sldTgt/>
+                  </p:tgtEl>
+                </p:cond>
+              </p:nextCondLst>
+            </p:seq>
+          </p:childTnLst>
+        </p:cTn>
+      </p:par>
+    </p:tnLst>
+  </p:timing>
 </p:sld>
 </file>
 
@@ -3744,7 +4826,7 @@
           <a:p>
             <a:r>
               <a:rPr lang="en-US" dirty="0"/>
-              <a:t>Classic Fourier Transform</a:t>
+              <a:t>Classic Fourier Series</a:t>
             </a:r>
           </a:p>
         </p:txBody>
@@ -3765,12 +4847,277 @@
             <p:ph idx="1"/>
           </p:nvPr>
         </p:nvSpPr>
-        <p:spPr/>
+        <p:spPr>
+          <a:xfrm>
+            <a:off x="838200" y="1825625"/>
+            <a:ext cx="7047016" cy="4351338"/>
+          </a:xfrm>
+        </p:spPr>
         <p:txBody>
           <a:bodyPr/>
           <a:lstStyle/>
           <a:p>
-            <a:endParaRPr lang="en-US"/>
+            <a:r>
+              <a:rPr lang="en-US" dirty="0"/>
+              <a:t>Sin(x) and Cos(x) Approximation</a:t>
+            </a:r>
+          </a:p>
+          <a:p>
+            <a:r>
+              <a:rPr lang="en-US" dirty="0"/>
+              <a:t>More Sinusoidal f(x)’s, More Accurate </a:t>
+            </a:r>
+          </a:p>
+          <a:p>
+            <a:r>
+              <a:rPr lang="en-US" dirty="0"/>
+              <a:t>Fourier Transform</a:t>
+            </a:r>
+          </a:p>
+          <a:p>
+            <a:pPr lvl="1"/>
+            <a:r>
+              <a:rPr lang="en-US" dirty="0"/>
+              <a:t>Time to Frequency Domain </a:t>
+            </a:r>
+          </a:p>
+          <a:p>
+            <a:r>
+              <a:rPr lang="en-US" dirty="0"/>
+              <a:t>Complications</a:t>
+            </a:r>
+          </a:p>
+          <a:p>
+            <a:pPr lvl="1"/>
+            <a:r>
+              <a:rPr lang="en-US" dirty="0"/>
+              <a:t>Only for Periodic (all x’s)</a:t>
+            </a:r>
+          </a:p>
+          <a:p>
+            <a:pPr lvl="1"/>
+            <a:r>
+              <a:rPr lang="en-US" dirty="0"/>
+              <a:t>Around a Point for All f(x)’s</a:t>
+            </a:r>
+          </a:p>
+        </p:txBody>
+      </p:sp>
+      <p:pic>
+        <p:nvPicPr>
+          <p:cNvPr id="5" name="Picture 4">
+            <a:extLst>
+              <a:ext uri="{FF2B5EF4-FFF2-40B4-BE49-F238E27FC236}">
+                <a16:creationId xmlns:a16="http://schemas.microsoft.com/office/drawing/2014/main" id="{014E5D15-56FF-4035-AA12-F618AF475FCD}"/>
+              </a:ext>
+            </a:extLst>
+          </p:cNvPr>
+          <p:cNvPicPr>
+            <a:picLocks noChangeAspect="1"/>
+          </p:cNvPicPr>
+          <p:nvPr/>
+        </p:nvPicPr>
+        <p:blipFill>
+          <a:blip r:embed="rId2"/>
+          <a:stretch>
+            <a:fillRect/>
+          </a:stretch>
+        </p:blipFill>
+        <p:spPr>
+          <a:xfrm>
+            <a:off x="7036228" y="637677"/>
+            <a:ext cx="4135159" cy="559969"/>
+          </a:xfrm>
+          <a:prstGeom prst="rect">
+            <a:avLst/>
+          </a:prstGeom>
+        </p:spPr>
+      </p:pic>
+      <p:pic>
+        <p:nvPicPr>
+          <p:cNvPr id="1026" name="Picture 2">
+            <a:extLst>
+              <a:ext uri="{FF2B5EF4-FFF2-40B4-BE49-F238E27FC236}">
+                <a16:creationId xmlns:a16="http://schemas.microsoft.com/office/drawing/2014/main" id="{9469F758-F32B-4BA1-8FBC-2D9D1ED88358}"/>
+              </a:ext>
+            </a:extLst>
+          </p:cNvPr>
+          <p:cNvPicPr>
+            <a:picLocks noChangeAspect="1" noChangeArrowheads="1"/>
+          </p:cNvPicPr>
+          <p:nvPr/>
+        </p:nvPicPr>
+        <p:blipFill>
+          <a:blip r:embed="rId3">
+            <a:extLst>
+              <a:ext uri="{28A0092B-C50C-407E-A947-70E740481C1C}">
+                <a14:useLocalDpi xmlns:a14="http://schemas.microsoft.com/office/drawing/2010/main" val="0"/>
+              </a:ext>
+            </a:extLst>
+          </a:blip>
+          <a:srcRect/>
+          <a:stretch>
+            <a:fillRect/>
+          </a:stretch>
+        </p:blipFill>
+        <p:spPr bwMode="auto">
+          <a:xfrm>
+            <a:off x="8548570" y="2237754"/>
+            <a:ext cx="1830444" cy="3255462"/>
+          </a:xfrm>
+          <a:prstGeom prst="rect">
+            <a:avLst/>
+          </a:prstGeom>
+          <a:noFill/>
+          <a:extLst>
+            <a:ext uri="{909E8E84-426E-40DD-AFC4-6F175D3DCCD1}">
+              <a14:hiddenFill xmlns:a14="http://schemas.microsoft.com/office/drawing/2010/main">
+                <a:solidFill>
+                  <a:srgbClr val="FFFFFF"/>
+                </a:solidFill>
+              </a14:hiddenFill>
+            </a:ext>
+          </a:extLst>
+        </p:spPr>
+      </p:pic>
+      <p:sp>
+        <p:nvSpPr>
+          <p:cNvPr id="6" name="TextBox 5">
+            <a:extLst>
+              <a:ext uri="{FF2B5EF4-FFF2-40B4-BE49-F238E27FC236}">
+                <a16:creationId xmlns:a16="http://schemas.microsoft.com/office/drawing/2014/main" id="{B57CEAA7-1875-423D-8DFF-017959FD3B5E}"/>
+              </a:ext>
+            </a:extLst>
+          </p:cNvPr>
+          <p:cNvSpPr txBox="1"/>
+          <p:nvPr/>
+        </p:nvSpPr>
+        <p:spPr>
+          <a:xfrm>
+            <a:off x="7289757" y="1219578"/>
+            <a:ext cx="3996864" cy="369332"/>
+          </a:xfrm>
+          <a:prstGeom prst="rect">
+            <a:avLst/>
+          </a:prstGeom>
+          <a:noFill/>
+        </p:spPr>
+        <p:txBody>
+          <a:bodyPr wrap="square" rtlCol="0">
+            <a:spAutoFit/>
+          </a:bodyPr>
+          <a:lstStyle/>
+          <a:p>
+            <a:r>
+              <a:rPr lang="en-US" dirty="0"/>
+              <a:t>General Equation of a Fourier Series</a:t>
+            </a:r>
+          </a:p>
+        </p:txBody>
+      </p:sp>
+      <p:sp>
+        <p:nvSpPr>
+          <p:cNvPr id="7" name="TextBox 6">
+            <a:extLst>
+              <a:ext uri="{FF2B5EF4-FFF2-40B4-BE49-F238E27FC236}">
+                <a16:creationId xmlns:a16="http://schemas.microsoft.com/office/drawing/2014/main" id="{677BE110-683E-4921-8A93-E85991326224}"/>
+              </a:ext>
+            </a:extLst>
+          </p:cNvPr>
+          <p:cNvSpPr txBox="1"/>
+          <p:nvPr/>
+        </p:nvSpPr>
+        <p:spPr>
+          <a:xfrm>
+            <a:off x="8391130" y="5596360"/>
+            <a:ext cx="2145323" cy="369332"/>
+          </a:xfrm>
+          <a:prstGeom prst="rect">
+            <a:avLst/>
+          </a:prstGeom>
+          <a:noFill/>
+        </p:spPr>
+        <p:txBody>
+          <a:bodyPr wrap="square" rtlCol="0">
+            <a:spAutoFit/>
+          </a:bodyPr>
+          <a:lstStyle/>
+          <a:p>
+            <a:r>
+              <a:rPr lang="en-US" dirty="0"/>
+              <a:t>F.S. of Square Wave</a:t>
+            </a:r>
+          </a:p>
+        </p:txBody>
+      </p:sp>
+      <p:sp>
+        <p:nvSpPr>
+          <p:cNvPr id="8" name="TextBox 7">
+            <a:extLst>
+              <a:ext uri="{FF2B5EF4-FFF2-40B4-BE49-F238E27FC236}">
+                <a16:creationId xmlns:a16="http://schemas.microsoft.com/office/drawing/2014/main" id="{2050F145-B081-4B9F-8DD2-D59078076461}"/>
+              </a:ext>
+            </a:extLst>
+          </p:cNvPr>
+          <p:cNvSpPr txBox="1"/>
+          <p:nvPr/>
+        </p:nvSpPr>
+        <p:spPr>
+          <a:xfrm>
+            <a:off x="7985862" y="2464455"/>
+            <a:ext cx="562708" cy="2862322"/>
+          </a:xfrm>
+          <a:prstGeom prst="rect">
+            <a:avLst/>
+          </a:prstGeom>
+          <a:noFill/>
+        </p:spPr>
+        <p:txBody>
+          <a:bodyPr wrap="square" rtlCol="0">
+            <a:spAutoFit/>
+          </a:bodyPr>
+          <a:lstStyle/>
+          <a:p>
+            <a:r>
+              <a:rPr lang="en-US" dirty="0"/>
+              <a:t>S_1</a:t>
+            </a:r>
+          </a:p>
+          <a:p>
+            <a:endParaRPr lang="en-US" dirty="0"/>
+          </a:p>
+          <a:p>
+            <a:endParaRPr lang="en-US" dirty="0"/>
+          </a:p>
+          <a:p>
+            <a:r>
+              <a:rPr lang="en-US" dirty="0"/>
+              <a:t>S_2</a:t>
+            </a:r>
+          </a:p>
+          <a:p>
+            <a:endParaRPr lang="en-US" dirty="0"/>
+          </a:p>
+          <a:p>
+            <a:endParaRPr lang="en-US" dirty="0"/>
+          </a:p>
+          <a:p>
+            <a:r>
+              <a:rPr lang="en-US" dirty="0"/>
+              <a:t>S_3</a:t>
+            </a:r>
+          </a:p>
+          <a:p>
+            <a:endParaRPr lang="en-US" dirty="0"/>
+          </a:p>
+          <a:p>
+            <a:endParaRPr lang="en-US" dirty="0"/>
+          </a:p>
+          <a:p>
+            <a:r>
+              <a:rPr lang="en-US" dirty="0"/>
+              <a:t>S_4</a:t>
+            </a:r>
           </a:p>
         </p:txBody>
       </p:sp>
@@ -3784,6 +5131,501 @@
   <p:clrMapOvr>
     <a:masterClrMapping/>
   </p:clrMapOvr>
+  <p:timing>
+    <p:tnLst>
+      <p:par>
+        <p:cTn id="1" dur="indefinite" restart="never" nodeType="tmRoot">
+          <p:childTnLst>
+            <p:seq concurrent="1" nextAc="seek">
+              <p:cTn id="2" dur="indefinite" nodeType="mainSeq">
+                <p:childTnLst>
+                  <p:par>
+                    <p:cTn id="3" fill="hold">
+                      <p:stCondLst>
+                        <p:cond delay="indefinite"/>
+                      </p:stCondLst>
+                      <p:childTnLst>
+                        <p:par>
+                          <p:cTn id="4" fill="hold">
+                            <p:stCondLst>
+                              <p:cond delay="0"/>
+                            </p:stCondLst>
+                            <p:childTnLst>
+                              <p:par>
+                                <p:cTn id="5" presetID="1" presetClass="entr" presetSubtype="0" fill="hold" nodeType="clickEffect">
+                                  <p:stCondLst>
+                                    <p:cond delay="0"/>
+                                  </p:stCondLst>
+                                  <p:childTnLst>
+                                    <p:set>
+                                      <p:cBhvr>
+                                        <p:cTn id="6" dur="1" fill="hold">
+                                          <p:stCondLst>
+                                            <p:cond delay="0"/>
+                                          </p:stCondLst>
+                                        </p:cTn>
+                                        <p:tgtEl>
+                                          <p:spTgt spid="5"/>
+                                        </p:tgtEl>
+                                        <p:attrNameLst>
+                                          <p:attrName>style.visibility</p:attrName>
+                                        </p:attrNameLst>
+                                      </p:cBhvr>
+                                      <p:to>
+                                        <p:strVal val="visible"/>
+                                      </p:to>
+                                    </p:set>
+                                  </p:childTnLst>
+                                </p:cTn>
+                              </p:par>
+                              <p:par>
+                                <p:cTn id="7" presetID="1" presetClass="entr" presetSubtype="0" fill="hold" grpId="0" nodeType="withEffect">
+                                  <p:stCondLst>
+                                    <p:cond delay="0"/>
+                                  </p:stCondLst>
+                                  <p:childTnLst>
+                                    <p:set>
+                                      <p:cBhvr>
+                                        <p:cTn id="8" dur="1" fill="hold">
+                                          <p:stCondLst>
+                                            <p:cond delay="0"/>
+                                          </p:stCondLst>
+                                        </p:cTn>
+                                        <p:tgtEl>
+                                          <p:spTgt spid="6"/>
+                                        </p:tgtEl>
+                                        <p:attrNameLst>
+                                          <p:attrName>style.visibility</p:attrName>
+                                        </p:attrNameLst>
+                                      </p:cBhvr>
+                                      <p:to>
+                                        <p:strVal val="visible"/>
+                                      </p:to>
+                                    </p:set>
+                                  </p:childTnLst>
+                                </p:cTn>
+                              </p:par>
+                            </p:childTnLst>
+                          </p:cTn>
+                        </p:par>
+                      </p:childTnLst>
+                    </p:cTn>
+                  </p:par>
+                  <p:par>
+                    <p:cTn id="9" fill="hold">
+                      <p:stCondLst>
+                        <p:cond delay="indefinite"/>
+                      </p:stCondLst>
+                      <p:childTnLst>
+                        <p:par>
+                          <p:cTn id="10" fill="hold">
+                            <p:stCondLst>
+                              <p:cond delay="0"/>
+                            </p:stCondLst>
+                            <p:childTnLst>
+                              <p:par>
+                                <p:cTn id="11" presetID="1" presetClass="entr" presetSubtype="0" fill="hold" nodeType="clickEffect">
+                                  <p:stCondLst>
+                                    <p:cond delay="0"/>
+                                  </p:stCondLst>
+                                  <p:childTnLst>
+                                    <p:set>
+                                      <p:cBhvr>
+                                        <p:cTn id="12" dur="1" fill="hold">
+                                          <p:stCondLst>
+                                            <p:cond delay="0"/>
+                                          </p:stCondLst>
+                                        </p:cTn>
+                                        <p:tgtEl>
+                                          <p:spTgt spid="3">
+                                            <p:txEl>
+                                              <p:pRg st="0" end="0"/>
+                                            </p:txEl>
+                                          </p:spTgt>
+                                        </p:tgtEl>
+                                        <p:attrNameLst>
+                                          <p:attrName>style.visibility</p:attrName>
+                                        </p:attrNameLst>
+                                      </p:cBhvr>
+                                      <p:to>
+                                        <p:strVal val="visible"/>
+                                      </p:to>
+                                    </p:set>
+                                  </p:childTnLst>
+                                </p:cTn>
+                              </p:par>
+                            </p:childTnLst>
+                          </p:cTn>
+                        </p:par>
+                      </p:childTnLst>
+                    </p:cTn>
+                  </p:par>
+                  <p:par>
+                    <p:cTn id="13" fill="hold">
+                      <p:stCondLst>
+                        <p:cond delay="indefinite"/>
+                      </p:stCondLst>
+                      <p:childTnLst>
+                        <p:par>
+                          <p:cTn id="14" fill="hold">
+                            <p:stCondLst>
+                              <p:cond delay="0"/>
+                            </p:stCondLst>
+                            <p:childTnLst>
+                              <p:par>
+                                <p:cTn id="15" presetID="1" presetClass="entr" presetSubtype="0" fill="hold" nodeType="clickEffect">
+                                  <p:stCondLst>
+                                    <p:cond delay="0"/>
+                                  </p:stCondLst>
+                                  <p:childTnLst>
+                                    <p:set>
+                                      <p:cBhvr>
+                                        <p:cTn id="16" dur="1" fill="hold">
+                                          <p:stCondLst>
+                                            <p:cond delay="0"/>
+                                          </p:stCondLst>
+                                        </p:cTn>
+                                        <p:tgtEl>
+                                          <p:spTgt spid="3">
+                                            <p:txEl>
+                                              <p:pRg st="1" end="1"/>
+                                            </p:txEl>
+                                          </p:spTgt>
+                                        </p:tgtEl>
+                                        <p:attrNameLst>
+                                          <p:attrName>style.visibility</p:attrName>
+                                        </p:attrNameLst>
+                                      </p:cBhvr>
+                                      <p:to>
+                                        <p:strVal val="visible"/>
+                                      </p:to>
+                                    </p:set>
+                                  </p:childTnLst>
+                                </p:cTn>
+                              </p:par>
+                            </p:childTnLst>
+                          </p:cTn>
+                        </p:par>
+                      </p:childTnLst>
+                    </p:cTn>
+                  </p:par>
+                  <p:par>
+                    <p:cTn id="17" fill="hold">
+                      <p:stCondLst>
+                        <p:cond delay="indefinite"/>
+                      </p:stCondLst>
+                      <p:childTnLst>
+                        <p:par>
+                          <p:cTn id="18" fill="hold">
+                            <p:stCondLst>
+                              <p:cond delay="0"/>
+                            </p:stCondLst>
+                            <p:childTnLst>
+                              <p:par>
+                                <p:cTn id="19" presetID="1" presetClass="entr" presetSubtype="0" fill="hold" nodeType="clickEffect">
+                                  <p:stCondLst>
+                                    <p:cond delay="0"/>
+                                  </p:stCondLst>
+                                  <p:childTnLst>
+                                    <p:set>
+                                      <p:cBhvr>
+                                        <p:cTn id="20" dur="1" fill="hold">
+                                          <p:stCondLst>
+                                            <p:cond delay="0"/>
+                                          </p:stCondLst>
+                                        </p:cTn>
+                                        <p:tgtEl>
+                                          <p:spTgt spid="1026"/>
+                                        </p:tgtEl>
+                                        <p:attrNameLst>
+                                          <p:attrName>style.visibility</p:attrName>
+                                        </p:attrNameLst>
+                                      </p:cBhvr>
+                                      <p:to>
+                                        <p:strVal val="visible"/>
+                                      </p:to>
+                                    </p:set>
+                                  </p:childTnLst>
+                                </p:cTn>
+                              </p:par>
+                              <p:par>
+                                <p:cTn id="21" presetID="1" presetClass="entr" presetSubtype="0" fill="hold" grpId="0" nodeType="withEffect">
+                                  <p:stCondLst>
+                                    <p:cond delay="0"/>
+                                  </p:stCondLst>
+                                  <p:childTnLst>
+                                    <p:set>
+                                      <p:cBhvr>
+                                        <p:cTn id="22" dur="1" fill="hold">
+                                          <p:stCondLst>
+                                            <p:cond delay="0"/>
+                                          </p:stCondLst>
+                                        </p:cTn>
+                                        <p:tgtEl>
+                                          <p:spTgt spid="7"/>
+                                        </p:tgtEl>
+                                        <p:attrNameLst>
+                                          <p:attrName>style.visibility</p:attrName>
+                                        </p:attrNameLst>
+                                      </p:cBhvr>
+                                      <p:to>
+                                        <p:strVal val="visible"/>
+                                      </p:to>
+                                    </p:set>
+                                  </p:childTnLst>
+                                </p:cTn>
+                              </p:par>
+                              <p:par>
+                                <p:cTn id="23" presetID="1" presetClass="entr" presetSubtype="0" fill="hold" grpId="0" nodeType="withEffect">
+                                  <p:stCondLst>
+                                    <p:cond delay="0"/>
+                                  </p:stCondLst>
+                                  <p:childTnLst>
+                                    <p:set>
+                                      <p:cBhvr>
+                                        <p:cTn id="24" dur="1" fill="hold">
+                                          <p:stCondLst>
+                                            <p:cond delay="0"/>
+                                          </p:stCondLst>
+                                        </p:cTn>
+                                        <p:tgtEl>
+                                          <p:spTgt spid="8"/>
+                                        </p:tgtEl>
+                                        <p:attrNameLst>
+                                          <p:attrName>style.visibility</p:attrName>
+                                        </p:attrNameLst>
+                                      </p:cBhvr>
+                                      <p:to>
+                                        <p:strVal val="visible"/>
+                                      </p:to>
+                                    </p:set>
+                                  </p:childTnLst>
+                                </p:cTn>
+                              </p:par>
+                            </p:childTnLst>
+                          </p:cTn>
+                        </p:par>
+                      </p:childTnLst>
+                    </p:cTn>
+                  </p:par>
+                  <p:par>
+                    <p:cTn id="25" fill="hold">
+                      <p:stCondLst>
+                        <p:cond delay="indefinite"/>
+                      </p:stCondLst>
+                      <p:childTnLst>
+                        <p:par>
+                          <p:cTn id="26" fill="hold">
+                            <p:stCondLst>
+                              <p:cond delay="0"/>
+                            </p:stCondLst>
+                            <p:childTnLst>
+                              <p:par>
+                                <p:cTn id="27" presetID="1" presetClass="entr" presetSubtype="0" fill="hold" nodeType="clickEffect">
+                                  <p:stCondLst>
+                                    <p:cond delay="0"/>
+                                  </p:stCondLst>
+                                  <p:childTnLst>
+                                    <p:set>
+                                      <p:cBhvr>
+                                        <p:cTn id="28" dur="1" fill="hold">
+                                          <p:stCondLst>
+                                            <p:cond delay="0"/>
+                                          </p:stCondLst>
+                                        </p:cTn>
+                                        <p:tgtEl>
+                                          <p:spTgt spid="3">
+                                            <p:txEl>
+                                              <p:pRg st="2" end="2"/>
+                                            </p:txEl>
+                                          </p:spTgt>
+                                        </p:tgtEl>
+                                        <p:attrNameLst>
+                                          <p:attrName>style.visibility</p:attrName>
+                                        </p:attrNameLst>
+                                      </p:cBhvr>
+                                      <p:to>
+                                        <p:strVal val="visible"/>
+                                      </p:to>
+                                    </p:set>
+                                  </p:childTnLst>
+                                </p:cTn>
+                              </p:par>
+                              <p:par>
+                                <p:cTn id="29" presetID="1" presetClass="entr" presetSubtype="0" fill="hold" nodeType="withEffect">
+                                  <p:stCondLst>
+                                    <p:cond delay="0"/>
+                                  </p:stCondLst>
+                                  <p:childTnLst>
+                                    <p:set>
+                                      <p:cBhvr>
+                                        <p:cTn id="30" dur="1" fill="hold">
+                                          <p:stCondLst>
+                                            <p:cond delay="0"/>
+                                          </p:stCondLst>
+                                        </p:cTn>
+                                        <p:tgtEl>
+                                          <p:spTgt spid="3">
+                                            <p:txEl>
+                                              <p:pRg st="3" end="3"/>
+                                            </p:txEl>
+                                          </p:spTgt>
+                                        </p:tgtEl>
+                                        <p:attrNameLst>
+                                          <p:attrName>style.visibility</p:attrName>
+                                        </p:attrNameLst>
+                                      </p:cBhvr>
+                                      <p:to>
+                                        <p:strVal val="visible"/>
+                                      </p:to>
+                                    </p:set>
+                                  </p:childTnLst>
+                                </p:cTn>
+                              </p:par>
+                            </p:childTnLst>
+                          </p:cTn>
+                        </p:par>
+                      </p:childTnLst>
+                    </p:cTn>
+                  </p:par>
+                  <p:par>
+                    <p:cTn id="31" fill="hold">
+                      <p:stCondLst>
+                        <p:cond delay="indefinite"/>
+                      </p:stCondLst>
+                      <p:childTnLst>
+                        <p:par>
+                          <p:cTn id="32" fill="hold">
+                            <p:stCondLst>
+                              <p:cond delay="0"/>
+                            </p:stCondLst>
+                            <p:childTnLst>
+                              <p:par>
+                                <p:cTn id="33" presetID="1" presetClass="entr" presetSubtype="0" fill="hold" nodeType="clickEffect">
+                                  <p:stCondLst>
+                                    <p:cond delay="0"/>
+                                  </p:stCondLst>
+                                  <p:childTnLst>
+                                    <p:set>
+                                      <p:cBhvr>
+                                        <p:cTn id="34" dur="1" fill="hold">
+                                          <p:stCondLst>
+                                            <p:cond delay="0"/>
+                                          </p:stCondLst>
+                                        </p:cTn>
+                                        <p:tgtEl>
+                                          <p:spTgt spid="3">
+                                            <p:txEl>
+                                              <p:pRg st="4" end="4"/>
+                                            </p:txEl>
+                                          </p:spTgt>
+                                        </p:tgtEl>
+                                        <p:attrNameLst>
+                                          <p:attrName>style.visibility</p:attrName>
+                                        </p:attrNameLst>
+                                      </p:cBhvr>
+                                      <p:to>
+                                        <p:strVal val="visible"/>
+                                      </p:to>
+                                    </p:set>
+                                  </p:childTnLst>
+                                </p:cTn>
+                              </p:par>
+                              <p:par>
+                                <p:cTn id="35" presetID="1" presetClass="entr" presetSubtype="0" fill="hold" nodeType="withEffect">
+                                  <p:stCondLst>
+                                    <p:cond delay="0"/>
+                                  </p:stCondLst>
+                                  <p:childTnLst>
+                                    <p:set>
+                                      <p:cBhvr>
+                                        <p:cTn id="36" dur="1" fill="hold">
+                                          <p:stCondLst>
+                                            <p:cond delay="0"/>
+                                          </p:stCondLst>
+                                        </p:cTn>
+                                        <p:tgtEl>
+                                          <p:spTgt spid="3">
+                                            <p:txEl>
+                                              <p:pRg st="5" end="5"/>
+                                            </p:txEl>
+                                          </p:spTgt>
+                                        </p:tgtEl>
+                                        <p:attrNameLst>
+                                          <p:attrName>style.visibility</p:attrName>
+                                        </p:attrNameLst>
+                                      </p:cBhvr>
+                                      <p:to>
+                                        <p:strVal val="visible"/>
+                                      </p:to>
+                                    </p:set>
+                                  </p:childTnLst>
+                                </p:cTn>
+                              </p:par>
+                              <p:par>
+                                <p:cTn id="37" presetID="1" presetClass="entr" presetSubtype="0" fill="hold" nodeType="withEffect">
+                                  <p:stCondLst>
+                                    <p:cond delay="0"/>
+                                  </p:stCondLst>
+                                  <p:childTnLst>
+                                    <p:set>
+                                      <p:cBhvr>
+                                        <p:cTn id="38" dur="1" fill="hold">
+                                          <p:stCondLst>
+                                            <p:cond delay="0"/>
+                                          </p:stCondLst>
+                                        </p:cTn>
+                                        <p:tgtEl>
+                                          <p:spTgt spid="3">
+                                            <p:txEl>
+                                              <p:pRg st="6" end="6"/>
+                                            </p:txEl>
+                                          </p:spTgt>
+                                        </p:tgtEl>
+                                        <p:attrNameLst>
+                                          <p:attrName>style.visibility</p:attrName>
+                                        </p:attrNameLst>
+                                      </p:cBhvr>
+                                      <p:to>
+                                        <p:strVal val="visible"/>
+                                      </p:to>
+                                    </p:set>
+                                  </p:childTnLst>
+                                </p:cTn>
+                              </p:par>
+                            </p:childTnLst>
+                          </p:cTn>
+                        </p:par>
+                      </p:childTnLst>
+                    </p:cTn>
+                  </p:par>
+                </p:childTnLst>
+              </p:cTn>
+              <p:prevCondLst>
+                <p:cond evt="onPrev" delay="0">
+                  <p:tgtEl>
+                    <p:sldTgt/>
+                  </p:tgtEl>
+                </p:cond>
+              </p:prevCondLst>
+              <p:nextCondLst>
+                <p:cond evt="onNext" delay="0">
+                  <p:tgtEl>
+                    <p:sldTgt/>
+                  </p:tgtEl>
+                </p:cond>
+              </p:nextCondLst>
+            </p:seq>
+          </p:childTnLst>
+        </p:cTn>
+      </p:par>
+    </p:tnLst>
+    <p:bldLst>
+      <p:bldP spid="6" grpId="0"/>
+      <p:bldP spid="7" grpId="0"/>
+      <p:bldP spid="8" grpId="0"/>
+    </p:bldLst>
+  </p:timing>
 </p:sld>
 </file>
 
@@ -3853,10 +5695,199 @@
           <a:bodyPr/>
           <a:lstStyle/>
           <a:p>
-            <a:endParaRPr lang="en-US"/>
-          </a:p>
-        </p:txBody>
-      </p:sp>
+            <a:r>
+              <a:rPr lang="en-US" dirty="0"/>
+              <a:t>Variations on Fourier Transform</a:t>
+            </a:r>
+          </a:p>
+          <a:p>
+            <a:r>
+              <a:rPr lang="en-US" dirty="0"/>
+              <a:t>Discrete Fourier Transform</a:t>
+            </a:r>
+          </a:p>
+          <a:p>
+            <a:pPr lvl="1"/>
+            <a:r>
+              <a:rPr lang="en-US" dirty="0"/>
+              <a:t>Exactly as the Name Says</a:t>
+            </a:r>
+          </a:p>
+          <a:p>
+            <a:pPr lvl="1"/>
+            <a:r>
+              <a:rPr lang="en-US" dirty="0"/>
+              <a:t>Sampling Rate </a:t>
+            </a:r>
+          </a:p>
+          <a:p>
+            <a:r>
+              <a:rPr lang="en-US" dirty="0"/>
+              <a:t>Quantum Fourier Transform</a:t>
+            </a:r>
+          </a:p>
+          <a:p>
+            <a:pPr lvl="1"/>
+            <a:r>
+              <a:rPr lang="en-US" dirty="0"/>
+              <a:t>Quantum Analog </a:t>
+            </a:r>
+          </a:p>
+          <a:p>
+            <a:pPr lvl="1"/>
+            <a:r>
+              <a:rPr lang="en-US" dirty="0"/>
+              <a:t>Same but Qubits, not Vectors </a:t>
+            </a:r>
+          </a:p>
+          <a:p>
+            <a:pPr lvl="1"/>
+            <a:endParaRPr lang="en-US" dirty="0"/>
+          </a:p>
+        </p:txBody>
+      </p:sp>
+      <p:pic>
+        <p:nvPicPr>
+          <p:cNvPr id="2050" name="Picture 2">
+            <a:extLst>
+              <a:ext uri="{FF2B5EF4-FFF2-40B4-BE49-F238E27FC236}">
+                <a16:creationId xmlns:a16="http://schemas.microsoft.com/office/drawing/2014/main" id="{D23B1C0B-048A-4DBF-94D1-53D67256AFB3}"/>
+              </a:ext>
+            </a:extLst>
+          </p:cNvPr>
+          <p:cNvPicPr>
+            <a:picLocks noChangeAspect="1" noChangeArrowheads="1"/>
+          </p:cNvPicPr>
+          <p:nvPr/>
+        </p:nvPicPr>
+        <p:blipFill>
+          <a:blip r:embed="rId2">
+            <a:extLst>
+              <a:ext uri="{28A0092B-C50C-407E-A947-70E740481C1C}">
+                <a14:useLocalDpi xmlns:a14="http://schemas.microsoft.com/office/drawing/2010/main" val="0"/>
+              </a:ext>
+            </a:extLst>
+          </a:blip>
+          <a:srcRect/>
+          <a:stretch>
+            <a:fillRect/>
+          </a:stretch>
+        </p:blipFill>
+        <p:spPr bwMode="auto">
+          <a:xfrm>
+            <a:off x="6488552" y="1567048"/>
+            <a:ext cx="5143492" cy="3061856"/>
+          </a:xfrm>
+          <a:prstGeom prst="rect">
+            <a:avLst/>
+          </a:prstGeom>
+          <a:noFill/>
+          <a:extLst>
+            <a:ext uri="{909E8E84-426E-40DD-AFC4-6F175D3DCCD1}">
+              <a14:hiddenFill xmlns:a14="http://schemas.microsoft.com/office/drawing/2010/main">
+                <a:solidFill>
+                  <a:srgbClr val="FFFFFF"/>
+                </a:solidFill>
+              </a14:hiddenFill>
+            </a:ext>
+          </a:extLst>
+        </p:spPr>
+      </p:pic>
+      <p:sp>
+        <p:nvSpPr>
+          <p:cNvPr id="4" name="TextBox 3">
+            <a:extLst>
+              <a:ext uri="{FF2B5EF4-FFF2-40B4-BE49-F238E27FC236}">
+                <a16:creationId xmlns:a16="http://schemas.microsoft.com/office/drawing/2014/main" id="{90CDF78A-42D0-4D50-87A1-DF25E6874E03}"/>
+              </a:ext>
+            </a:extLst>
+          </p:cNvPr>
+          <p:cNvSpPr txBox="1"/>
+          <p:nvPr/>
+        </p:nvSpPr>
+        <p:spPr>
+          <a:xfrm>
+            <a:off x="7483456" y="4759883"/>
+            <a:ext cx="3153684" cy="369332"/>
+          </a:xfrm>
+          <a:prstGeom prst="rect">
+            <a:avLst/>
+          </a:prstGeom>
+          <a:noFill/>
+        </p:spPr>
+        <p:txBody>
+          <a:bodyPr wrap="none" rtlCol="0">
+            <a:spAutoFit/>
+          </a:bodyPr>
+          <a:lstStyle/>
+          <a:p>
+            <a:r>
+              <a:rPr lang="en-US" dirty="0"/>
+              <a:t>Fourier Transform vs DFT &amp; QFT</a:t>
+            </a:r>
+          </a:p>
+        </p:txBody>
+      </p:sp>
+      <p:pic>
+        <p:nvPicPr>
+          <p:cNvPr id="6" name="Picture 5">
+            <a:extLst>
+              <a:ext uri="{FF2B5EF4-FFF2-40B4-BE49-F238E27FC236}">
+                <a16:creationId xmlns:a16="http://schemas.microsoft.com/office/drawing/2014/main" id="{ED409CCE-4296-487F-BD7E-C7ECFD66E8A8}"/>
+              </a:ext>
+            </a:extLst>
+          </p:cNvPr>
+          <p:cNvPicPr>
+            <a:picLocks noChangeAspect="1"/>
+          </p:cNvPicPr>
+          <p:nvPr/>
+        </p:nvPicPr>
+        <p:blipFill>
+          <a:blip r:embed="rId3"/>
+          <a:stretch>
+            <a:fillRect/>
+          </a:stretch>
+        </p:blipFill>
+        <p:spPr>
+          <a:xfrm>
+            <a:off x="988178" y="5428999"/>
+            <a:ext cx="2323361" cy="712687"/>
+          </a:xfrm>
+          <a:prstGeom prst="rect">
+            <a:avLst/>
+          </a:prstGeom>
+        </p:spPr>
+      </p:pic>
+      <p:pic>
+        <p:nvPicPr>
+          <p:cNvPr id="8" name="Picture 7">
+            <a:extLst>
+              <a:ext uri="{FF2B5EF4-FFF2-40B4-BE49-F238E27FC236}">
+                <a16:creationId xmlns:a16="http://schemas.microsoft.com/office/drawing/2014/main" id="{9888AE14-0BE9-4216-8F31-2E0DADA630D1}"/>
+              </a:ext>
+            </a:extLst>
+          </p:cNvPr>
+          <p:cNvPicPr>
+            <a:picLocks noChangeAspect="1"/>
+          </p:cNvPicPr>
+          <p:nvPr/>
+        </p:nvPicPr>
+        <p:blipFill>
+          <a:blip r:embed="rId4"/>
+          <a:stretch>
+            <a:fillRect/>
+          </a:stretch>
+        </p:blipFill>
+        <p:spPr>
+          <a:xfrm>
+            <a:off x="3485824" y="5401290"/>
+            <a:ext cx="2610176" cy="630548"/>
+          </a:xfrm>
+          <a:prstGeom prst="rect">
+            <a:avLst/>
+          </a:prstGeom>
+        </p:spPr>
+      </p:pic>
     </p:spTree>
     <p:extLst>
       <p:ext uri="{BB962C8B-B14F-4D97-AF65-F5344CB8AC3E}">
@@ -3867,6 +5898,472 @@
   <p:clrMapOvr>
     <a:masterClrMapping/>
   </p:clrMapOvr>
+  <p:timing>
+    <p:tnLst>
+      <p:par>
+        <p:cTn id="1" dur="indefinite" restart="never" nodeType="tmRoot">
+          <p:childTnLst>
+            <p:seq concurrent="1" nextAc="seek">
+              <p:cTn id="2" dur="indefinite" nodeType="mainSeq">
+                <p:childTnLst>
+                  <p:par>
+                    <p:cTn id="3" fill="hold">
+                      <p:stCondLst>
+                        <p:cond delay="indefinite"/>
+                      </p:stCondLst>
+                      <p:childTnLst>
+                        <p:par>
+                          <p:cTn id="4" fill="hold">
+                            <p:stCondLst>
+                              <p:cond delay="0"/>
+                            </p:stCondLst>
+                            <p:childTnLst>
+                              <p:par>
+                                <p:cTn id="5" presetID="1" presetClass="entr" presetSubtype="0" fill="hold" nodeType="clickEffect">
+                                  <p:stCondLst>
+                                    <p:cond delay="0"/>
+                                  </p:stCondLst>
+                                  <p:childTnLst>
+                                    <p:set>
+                                      <p:cBhvr>
+                                        <p:cTn id="6" dur="1" fill="hold">
+                                          <p:stCondLst>
+                                            <p:cond delay="0"/>
+                                          </p:stCondLst>
+                                        </p:cTn>
+                                        <p:tgtEl>
+                                          <p:spTgt spid="3">
+                                            <p:txEl>
+                                              <p:pRg st="0" end="0"/>
+                                            </p:txEl>
+                                          </p:spTgt>
+                                        </p:tgtEl>
+                                        <p:attrNameLst>
+                                          <p:attrName>style.visibility</p:attrName>
+                                        </p:attrNameLst>
+                                      </p:cBhvr>
+                                      <p:to>
+                                        <p:strVal val="visible"/>
+                                      </p:to>
+                                    </p:set>
+                                  </p:childTnLst>
+                                </p:cTn>
+                              </p:par>
+                            </p:childTnLst>
+                          </p:cTn>
+                        </p:par>
+                      </p:childTnLst>
+                    </p:cTn>
+                  </p:par>
+                  <p:par>
+                    <p:cTn id="7" fill="hold">
+                      <p:stCondLst>
+                        <p:cond delay="indefinite"/>
+                      </p:stCondLst>
+                      <p:childTnLst>
+                        <p:par>
+                          <p:cTn id="8" fill="hold">
+                            <p:stCondLst>
+                              <p:cond delay="0"/>
+                            </p:stCondLst>
+                            <p:childTnLst>
+                              <p:par>
+                                <p:cTn id="9" presetID="1" presetClass="entr" presetSubtype="0" fill="hold" nodeType="clickEffect">
+                                  <p:stCondLst>
+                                    <p:cond delay="0"/>
+                                  </p:stCondLst>
+                                  <p:childTnLst>
+                                    <p:set>
+                                      <p:cBhvr>
+                                        <p:cTn id="10" dur="1" fill="hold">
+                                          <p:stCondLst>
+                                            <p:cond delay="0"/>
+                                          </p:stCondLst>
+                                        </p:cTn>
+                                        <p:tgtEl>
+                                          <p:spTgt spid="3">
+                                            <p:txEl>
+                                              <p:pRg st="1" end="1"/>
+                                            </p:txEl>
+                                          </p:spTgt>
+                                        </p:tgtEl>
+                                        <p:attrNameLst>
+                                          <p:attrName>style.visibility</p:attrName>
+                                        </p:attrNameLst>
+                                      </p:cBhvr>
+                                      <p:to>
+                                        <p:strVal val="visible"/>
+                                      </p:to>
+                                    </p:set>
+                                  </p:childTnLst>
+                                </p:cTn>
+                              </p:par>
+                              <p:par>
+                                <p:cTn id="11" presetID="1" presetClass="entr" presetSubtype="0" fill="hold" nodeType="withEffect">
+                                  <p:stCondLst>
+                                    <p:cond delay="0"/>
+                                  </p:stCondLst>
+                                  <p:childTnLst>
+                                    <p:set>
+                                      <p:cBhvr>
+                                        <p:cTn id="12" dur="1" fill="hold">
+                                          <p:stCondLst>
+                                            <p:cond delay="0"/>
+                                          </p:stCondLst>
+                                        </p:cTn>
+                                        <p:tgtEl>
+                                          <p:spTgt spid="3">
+                                            <p:txEl>
+                                              <p:pRg st="2" end="2"/>
+                                            </p:txEl>
+                                          </p:spTgt>
+                                        </p:tgtEl>
+                                        <p:attrNameLst>
+                                          <p:attrName>style.visibility</p:attrName>
+                                        </p:attrNameLst>
+                                      </p:cBhvr>
+                                      <p:to>
+                                        <p:strVal val="visible"/>
+                                      </p:to>
+                                    </p:set>
+                                  </p:childTnLst>
+                                </p:cTn>
+                              </p:par>
+                              <p:par>
+                                <p:cTn id="13" presetID="1" presetClass="entr" presetSubtype="0" fill="hold" nodeType="withEffect">
+                                  <p:stCondLst>
+                                    <p:cond delay="0"/>
+                                  </p:stCondLst>
+                                  <p:childTnLst>
+                                    <p:set>
+                                      <p:cBhvr>
+                                        <p:cTn id="14" dur="1" fill="hold">
+                                          <p:stCondLst>
+                                            <p:cond delay="0"/>
+                                          </p:stCondLst>
+                                        </p:cTn>
+                                        <p:tgtEl>
+                                          <p:spTgt spid="3">
+                                            <p:txEl>
+                                              <p:pRg st="3" end="3"/>
+                                            </p:txEl>
+                                          </p:spTgt>
+                                        </p:tgtEl>
+                                        <p:attrNameLst>
+                                          <p:attrName>style.visibility</p:attrName>
+                                        </p:attrNameLst>
+                                      </p:cBhvr>
+                                      <p:to>
+                                        <p:strVal val="visible"/>
+                                      </p:to>
+                                    </p:set>
+                                  </p:childTnLst>
+                                </p:cTn>
+                              </p:par>
+                            </p:childTnLst>
+                          </p:cTn>
+                        </p:par>
+                      </p:childTnLst>
+                    </p:cTn>
+                  </p:par>
+                  <p:par>
+                    <p:cTn id="15" fill="hold">
+                      <p:stCondLst>
+                        <p:cond delay="indefinite"/>
+                      </p:stCondLst>
+                      <p:childTnLst>
+                        <p:par>
+                          <p:cTn id="16" fill="hold">
+                            <p:stCondLst>
+                              <p:cond delay="0"/>
+                            </p:stCondLst>
+                            <p:childTnLst>
+                              <p:par>
+                                <p:cTn id="17" presetID="1" presetClass="entr" presetSubtype="0" fill="hold" nodeType="clickEffect">
+                                  <p:stCondLst>
+                                    <p:cond delay="0"/>
+                                  </p:stCondLst>
+                                  <p:childTnLst>
+                                    <p:set>
+                                      <p:cBhvr>
+                                        <p:cTn id="18" dur="1" fill="hold">
+                                          <p:stCondLst>
+                                            <p:cond delay="0"/>
+                                          </p:stCondLst>
+                                        </p:cTn>
+                                        <p:tgtEl>
+                                          <p:spTgt spid="6"/>
+                                        </p:tgtEl>
+                                        <p:attrNameLst>
+                                          <p:attrName>style.visibility</p:attrName>
+                                        </p:attrNameLst>
+                                      </p:cBhvr>
+                                      <p:to>
+                                        <p:strVal val="visible"/>
+                                      </p:to>
+                                    </p:set>
+                                  </p:childTnLst>
+                                </p:cTn>
+                              </p:par>
+                            </p:childTnLst>
+                          </p:cTn>
+                        </p:par>
+                      </p:childTnLst>
+                    </p:cTn>
+                  </p:par>
+                  <p:par>
+                    <p:cTn id="19" fill="hold">
+                      <p:stCondLst>
+                        <p:cond delay="indefinite"/>
+                      </p:stCondLst>
+                      <p:childTnLst>
+                        <p:par>
+                          <p:cTn id="20" fill="hold">
+                            <p:stCondLst>
+                              <p:cond delay="0"/>
+                            </p:stCondLst>
+                            <p:childTnLst>
+                              <p:par>
+                                <p:cTn id="21" presetID="1" presetClass="entr" presetSubtype="0" fill="hold" nodeType="clickEffect">
+                                  <p:stCondLst>
+                                    <p:cond delay="0"/>
+                                  </p:stCondLst>
+                                  <p:childTnLst>
+                                    <p:set>
+                                      <p:cBhvr>
+                                        <p:cTn id="22" dur="1" fill="hold">
+                                          <p:stCondLst>
+                                            <p:cond delay="0"/>
+                                          </p:stCondLst>
+                                        </p:cTn>
+                                        <p:tgtEl>
+                                          <p:spTgt spid="3">
+                                            <p:txEl>
+                                              <p:pRg st="4" end="4"/>
+                                            </p:txEl>
+                                          </p:spTgt>
+                                        </p:tgtEl>
+                                        <p:attrNameLst>
+                                          <p:attrName>style.visibility</p:attrName>
+                                        </p:attrNameLst>
+                                      </p:cBhvr>
+                                      <p:to>
+                                        <p:strVal val="visible"/>
+                                      </p:to>
+                                    </p:set>
+                                  </p:childTnLst>
+                                </p:cTn>
+                              </p:par>
+                              <p:par>
+                                <p:cTn id="23" presetID="1" presetClass="entr" presetSubtype="0" fill="hold" nodeType="withEffect">
+                                  <p:stCondLst>
+                                    <p:cond delay="0"/>
+                                  </p:stCondLst>
+                                  <p:childTnLst>
+                                    <p:set>
+                                      <p:cBhvr>
+                                        <p:cTn id="24" dur="1" fill="hold">
+                                          <p:stCondLst>
+                                            <p:cond delay="0"/>
+                                          </p:stCondLst>
+                                        </p:cTn>
+                                        <p:tgtEl>
+                                          <p:spTgt spid="3">
+                                            <p:txEl>
+                                              <p:pRg st="5" end="5"/>
+                                            </p:txEl>
+                                          </p:spTgt>
+                                        </p:tgtEl>
+                                        <p:attrNameLst>
+                                          <p:attrName>style.visibility</p:attrName>
+                                        </p:attrNameLst>
+                                      </p:cBhvr>
+                                      <p:to>
+                                        <p:strVal val="visible"/>
+                                      </p:to>
+                                    </p:set>
+                                  </p:childTnLst>
+                                </p:cTn>
+                              </p:par>
+                              <p:par>
+                                <p:cTn id="25" presetID="1" presetClass="entr" presetSubtype="0" fill="hold" nodeType="withEffect">
+                                  <p:stCondLst>
+                                    <p:cond delay="0"/>
+                                  </p:stCondLst>
+                                  <p:childTnLst>
+                                    <p:set>
+                                      <p:cBhvr>
+                                        <p:cTn id="26" dur="1" fill="hold">
+                                          <p:stCondLst>
+                                            <p:cond delay="0"/>
+                                          </p:stCondLst>
+                                        </p:cTn>
+                                        <p:tgtEl>
+                                          <p:spTgt spid="3">
+                                            <p:txEl>
+                                              <p:pRg st="6" end="6"/>
+                                            </p:txEl>
+                                          </p:spTgt>
+                                        </p:tgtEl>
+                                        <p:attrNameLst>
+                                          <p:attrName>style.visibility</p:attrName>
+                                        </p:attrNameLst>
+                                      </p:cBhvr>
+                                      <p:to>
+                                        <p:strVal val="visible"/>
+                                      </p:to>
+                                    </p:set>
+                                  </p:childTnLst>
+                                </p:cTn>
+                              </p:par>
+                            </p:childTnLst>
+                          </p:cTn>
+                        </p:par>
+                      </p:childTnLst>
+                    </p:cTn>
+                  </p:par>
+                  <p:par>
+                    <p:cTn id="27" fill="hold">
+                      <p:stCondLst>
+                        <p:cond delay="indefinite"/>
+                      </p:stCondLst>
+                      <p:childTnLst>
+                        <p:par>
+                          <p:cTn id="28" fill="hold">
+                            <p:stCondLst>
+                              <p:cond delay="0"/>
+                            </p:stCondLst>
+                            <p:childTnLst>
+                              <p:par>
+                                <p:cTn id="29" presetID="1" presetClass="entr" presetSubtype="0" fill="hold" nodeType="clickEffect">
+                                  <p:stCondLst>
+                                    <p:cond delay="0"/>
+                                  </p:stCondLst>
+                                  <p:childTnLst>
+                                    <p:set>
+                                      <p:cBhvr>
+                                        <p:cTn id="30" dur="1" fill="hold">
+                                          <p:stCondLst>
+                                            <p:cond delay="0"/>
+                                          </p:stCondLst>
+                                        </p:cTn>
+                                        <p:tgtEl>
+                                          <p:spTgt spid="8"/>
+                                        </p:tgtEl>
+                                        <p:attrNameLst>
+                                          <p:attrName>style.visibility</p:attrName>
+                                        </p:attrNameLst>
+                                      </p:cBhvr>
+                                      <p:to>
+                                        <p:strVal val="visible"/>
+                                      </p:to>
+                                    </p:set>
+                                  </p:childTnLst>
+                                </p:cTn>
+                              </p:par>
+                            </p:childTnLst>
+                          </p:cTn>
+                        </p:par>
+                      </p:childTnLst>
+                    </p:cTn>
+                  </p:par>
+                  <p:par>
+                    <p:cTn id="31" fill="hold">
+                      <p:stCondLst>
+                        <p:cond delay="indefinite"/>
+                      </p:stCondLst>
+                      <p:childTnLst>
+                        <p:par>
+                          <p:cTn id="32" fill="hold">
+                            <p:stCondLst>
+                              <p:cond delay="0"/>
+                            </p:stCondLst>
+                            <p:childTnLst>
+                              <p:par>
+                                <p:cTn id="33" presetID="1" presetClass="entr" presetSubtype="0" fill="hold" grpId="0" nodeType="clickEffect">
+                                  <p:stCondLst>
+                                    <p:cond delay="0"/>
+                                  </p:stCondLst>
+                                  <p:childTnLst>
+                                    <p:set>
+                                      <p:cBhvr>
+                                        <p:cTn id="34" dur="1" fill="hold">
+                                          <p:stCondLst>
+                                            <p:cond delay="0"/>
+                                          </p:stCondLst>
+                                        </p:cTn>
+                                        <p:tgtEl>
+                                          <p:spTgt spid="4"/>
+                                        </p:tgtEl>
+                                        <p:attrNameLst>
+                                          <p:attrName>style.visibility</p:attrName>
+                                        </p:attrNameLst>
+                                      </p:cBhvr>
+                                      <p:to>
+                                        <p:strVal val="visible"/>
+                                      </p:to>
+                                    </p:set>
+                                  </p:childTnLst>
+                                </p:cTn>
+                              </p:par>
+                              <p:par>
+                                <p:cTn id="35" presetID="1" presetClass="entr" presetSubtype="0" fill="hold" nodeType="withEffect">
+                                  <p:stCondLst>
+                                    <p:cond delay="0"/>
+                                  </p:stCondLst>
+                                  <p:childTnLst>
+                                    <p:set>
+                                      <p:cBhvr>
+                                        <p:cTn id="36" dur="1" fill="hold">
+                                          <p:stCondLst>
+                                            <p:cond delay="0"/>
+                                          </p:stCondLst>
+                                        </p:cTn>
+                                        <p:tgtEl>
+                                          <p:spTgt spid="2050"/>
+                                        </p:tgtEl>
+                                        <p:attrNameLst>
+                                          <p:attrName>style.visibility</p:attrName>
+                                        </p:attrNameLst>
+                                      </p:cBhvr>
+                                      <p:to>
+                                        <p:strVal val="visible"/>
+                                      </p:to>
+                                    </p:set>
+                                  </p:childTnLst>
+                                </p:cTn>
+                              </p:par>
+                            </p:childTnLst>
+                          </p:cTn>
+                        </p:par>
+                      </p:childTnLst>
+                    </p:cTn>
+                  </p:par>
+                </p:childTnLst>
+              </p:cTn>
+              <p:prevCondLst>
+                <p:cond evt="onPrev" delay="0">
+                  <p:tgtEl>
+                    <p:sldTgt/>
+                  </p:tgtEl>
+                </p:cond>
+              </p:prevCondLst>
+              <p:nextCondLst>
+                <p:cond evt="onNext" delay="0">
+                  <p:tgtEl>
+                    <p:sldTgt/>
+                  </p:tgtEl>
+                </p:cond>
+              </p:nextCondLst>
+            </p:seq>
+          </p:childTnLst>
+        </p:cTn>
+      </p:par>
+    </p:tnLst>
+    <p:bldLst>
+      <p:bldP spid="4" grpId="0"/>
+    </p:bldLst>
+  </p:timing>
 </p:sld>
 </file>
 
@@ -3936,7 +6433,199 @@
           <a:bodyPr/>
           <a:lstStyle/>
           <a:p>
-            <a:endParaRPr lang="en-US"/>
+            <a:r>
+              <a:rPr lang="en-US" dirty="0"/>
+              <a:t>Produces Quantized Values</a:t>
+            </a:r>
+          </a:p>
+          <a:p>
+            <a:r>
+              <a:rPr lang="en-US" dirty="0"/>
+              <a:t>Can be Used on Quantized Data</a:t>
+            </a:r>
+          </a:p>
+          <a:p>
+            <a:pPr lvl="1"/>
+            <a:r>
+              <a:rPr lang="en-US" dirty="0"/>
+              <a:t>Important! </a:t>
+            </a:r>
+          </a:p>
+          <a:p>
+            <a:pPr lvl="1"/>
+            <a:r>
+              <a:rPr lang="en-US" dirty="0"/>
+              <a:t>Qubits </a:t>
+            </a:r>
+          </a:p>
+          <a:p>
+            <a:endParaRPr lang="en-US" dirty="0"/>
+          </a:p>
+          <a:p>
+            <a:endParaRPr lang="en-US" dirty="0"/>
+          </a:p>
+          <a:p>
+            <a:endParaRPr lang="en-US" dirty="0"/>
+          </a:p>
+        </p:txBody>
+      </p:sp>
+      <p:pic>
+        <p:nvPicPr>
+          <p:cNvPr id="5" name="Picture 4">
+            <a:extLst>
+              <a:ext uri="{FF2B5EF4-FFF2-40B4-BE49-F238E27FC236}">
+                <a16:creationId xmlns:a16="http://schemas.microsoft.com/office/drawing/2014/main" id="{4B793FD4-87FF-4CF1-B53F-CC021A0C3F10}"/>
+              </a:ext>
+            </a:extLst>
+          </p:cNvPr>
+          <p:cNvPicPr>
+            <a:picLocks noChangeAspect="1"/>
+          </p:cNvPicPr>
+          <p:nvPr/>
+        </p:nvPicPr>
+        <p:blipFill>
+          <a:blip r:embed="rId2"/>
+          <a:stretch>
+            <a:fillRect/>
+          </a:stretch>
+        </p:blipFill>
+        <p:spPr>
+          <a:xfrm>
+            <a:off x="3368920" y="4583943"/>
+            <a:ext cx="3781016" cy="1385124"/>
+          </a:xfrm>
+          <a:prstGeom prst="rect">
+            <a:avLst/>
+          </a:prstGeom>
+        </p:spPr>
+      </p:pic>
+      <p:sp>
+        <p:nvSpPr>
+          <p:cNvPr id="6" name="TextBox 5">
+            <a:extLst>
+              <a:ext uri="{FF2B5EF4-FFF2-40B4-BE49-F238E27FC236}">
+                <a16:creationId xmlns:a16="http://schemas.microsoft.com/office/drawing/2014/main" id="{2D7FA290-280C-41B5-8EA0-05B268781FB2}"/>
+              </a:ext>
+            </a:extLst>
+          </p:cNvPr>
+          <p:cNvSpPr txBox="1"/>
+          <p:nvPr/>
+        </p:nvSpPr>
+        <p:spPr>
+          <a:xfrm>
+            <a:off x="4000782" y="6214903"/>
+            <a:ext cx="2517292" cy="369332"/>
+          </a:xfrm>
+          <a:prstGeom prst="rect">
+            <a:avLst/>
+          </a:prstGeom>
+          <a:noFill/>
+        </p:spPr>
+        <p:txBody>
+          <a:bodyPr wrap="none" rtlCol="0">
+            <a:spAutoFit/>
+          </a:bodyPr>
+          <a:lstStyle/>
+          <a:p>
+            <a:r>
+              <a:rPr lang="en-US" dirty="0"/>
+              <a:t>Fourier Transform vs DFT</a:t>
+            </a:r>
+          </a:p>
+        </p:txBody>
+      </p:sp>
+      <p:pic>
+        <p:nvPicPr>
+          <p:cNvPr id="8" name="Picture 7">
+            <a:extLst>
+              <a:ext uri="{FF2B5EF4-FFF2-40B4-BE49-F238E27FC236}">
+                <a16:creationId xmlns:a16="http://schemas.microsoft.com/office/drawing/2014/main" id="{18063DAC-5BA2-40FF-BC45-37161AB12661}"/>
+              </a:ext>
+            </a:extLst>
+          </p:cNvPr>
+          <p:cNvPicPr>
+            <a:picLocks noChangeAspect="1"/>
+          </p:cNvPicPr>
+          <p:nvPr/>
+        </p:nvPicPr>
+        <p:blipFill>
+          <a:blip r:embed="rId3"/>
+          <a:stretch>
+            <a:fillRect/>
+          </a:stretch>
+        </p:blipFill>
+        <p:spPr>
+          <a:xfrm>
+            <a:off x="3453167" y="3012545"/>
+            <a:ext cx="3612522" cy="1325562"/>
+          </a:xfrm>
+          <a:prstGeom prst="rect">
+            <a:avLst/>
+          </a:prstGeom>
+        </p:spPr>
+      </p:pic>
+      <p:pic>
+        <p:nvPicPr>
+          <p:cNvPr id="10" name="Picture 9">
+            <a:extLst>
+              <a:ext uri="{FF2B5EF4-FFF2-40B4-BE49-F238E27FC236}">
+                <a16:creationId xmlns:a16="http://schemas.microsoft.com/office/drawing/2014/main" id="{8B4F3FA6-CB60-46E4-9A23-00D04BE183D3}"/>
+              </a:ext>
+            </a:extLst>
+          </p:cNvPr>
+          <p:cNvPicPr>
+            <a:picLocks noChangeAspect="1"/>
+          </p:cNvPicPr>
+          <p:nvPr/>
+        </p:nvPicPr>
+        <p:blipFill>
+          <a:blip r:embed="rId4"/>
+          <a:stretch>
+            <a:fillRect/>
+          </a:stretch>
+        </p:blipFill>
+        <p:spPr>
+          <a:xfrm>
+            <a:off x="7668240" y="681037"/>
+            <a:ext cx="3729102" cy="4148807"/>
+          </a:xfrm>
+          <a:prstGeom prst="rect">
+            <a:avLst/>
+          </a:prstGeom>
+        </p:spPr>
+      </p:pic>
+      <p:sp>
+        <p:nvSpPr>
+          <p:cNvPr id="11" name="TextBox 10">
+            <a:extLst>
+              <a:ext uri="{FF2B5EF4-FFF2-40B4-BE49-F238E27FC236}">
+                <a16:creationId xmlns:a16="http://schemas.microsoft.com/office/drawing/2014/main" id="{6F4873DA-F36B-4915-9B38-C719E111BD80}"/>
+              </a:ext>
+            </a:extLst>
+          </p:cNvPr>
+          <p:cNvSpPr txBox="1"/>
+          <p:nvPr/>
+        </p:nvSpPr>
+        <p:spPr>
+          <a:xfrm>
+            <a:off x="8098972" y="5028504"/>
+            <a:ext cx="3128100" cy="369332"/>
+          </a:xfrm>
+          <a:prstGeom prst="rect">
+            <a:avLst/>
+          </a:prstGeom>
+          <a:noFill/>
+        </p:spPr>
+        <p:txBody>
+          <a:bodyPr wrap="none" rtlCol="0">
+            <a:spAutoFit/>
+          </a:bodyPr>
+          <a:lstStyle/>
+          <a:p>
+            <a:r>
+              <a:rPr lang="en-US" dirty="0"/>
+              <a:t>DFT Applied to Quantized Data</a:t>
+            </a:r>
           </a:p>
         </p:txBody>
       </p:sp>
@@ -3950,6 +6639,371 @@
   <p:clrMapOvr>
     <a:masterClrMapping/>
   </p:clrMapOvr>
+  <p:timing>
+    <p:tnLst>
+      <p:par>
+        <p:cTn id="1" dur="indefinite" restart="never" nodeType="tmRoot">
+          <p:childTnLst>
+            <p:seq concurrent="1" nextAc="seek">
+              <p:cTn id="2" dur="indefinite" nodeType="mainSeq">
+                <p:childTnLst>
+                  <p:par>
+                    <p:cTn id="3" fill="hold">
+                      <p:stCondLst>
+                        <p:cond delay="indefinite"/>
+                      </p:stCondLst>
+                      <p:childTnLst>
+                        <p:par>
+                          <p:cTn id="4" fill="hold">
+                            <p:stCondLst>
+                              <p:cond delay="0"/>
+                            </p:stCondLst>
+                            <p:childTnLst>
+                              <p:par>
+                                <p:cTn id="5" presetID="1" presetClass="entr" presetSubtype="0" fill="hold" nodeType="clickEffect">
+                                  <p:stCondLst>
+                                    <p:cond delay="0"/>
+                                  </p:stCondLst>
+                                  <p:childTnLst>
+                                    <p:set>
+                                      <p:cBhvr>
+                                        <p:cTn id="6" dur="1" fill="hold">
+                                          <p:stCondLst>
+                                            <p:cond delay="0"/>
+                                          </p:stCondLst>
+                                        </p:cTn>
+                                        <p:tgtEl>
+                                          <p:spTgt spid="3">
+                                            <p:txEl>
+                                              <p:pRg st="0" end="0"/>
+                                            </p:txEl>
+                                          </p:spTgt>
+                                        </p:tgtEl>
+                                        <p:attrNameLst>
+                                          <p:attrName>style.visibility</p:attrName>
+                                        </p:attrNameLst>
+                                      </p:cBhvr>
+                                      <p:to>
+                                        <p:strVal val="visible"/>
+                                      </p:to>
+                                    </p:set>
+                                  </p:childTnLst>
+                                </p:cTn>
+                              </p:par>
+                            </p:childTnLst>
+                          </p:cTn>
+                        </p:par>
+                      </p:childTnLst>
+                    </p:cTn>
+                  </p:par>
+                  <p:par>
+                    <p:cTn id="7" fill="hold">
+                      <p:stCondLst>
+                        <p:cond delay="indefinite"/>
+                      </p:stCondLst>
+                      <p:childTnLst>
+                        <p:par>
+                          <p:cTn id="8" fill="hold">
+                            <p:stCondLst>
+                              <p:cond delay="0"/>
+                            </p:stCondLst>
+                            <p:childTnLst>
+                              <p:par>
+                                <p:cTn id="9" presetID="1" presetClass="entr" presetSubtype="0" fill="hold" nodeType="clickEffect">
+                                  <p:stCondLst>
+                                    <p:cond delay="0"/>
+                                  </p:stCondLst>
+                                  <p:childTnLst>
+                                    <p:set>
+                                      <p:cBhvr>
+                                        <p:cTn id="10" dur="1" fill="hold">
+                                          <p:stCondLst>
+                                            <p:cond delay="0"/>
+                                          </p:stCondLst>
+                                        </p:cTn>
+                                        <p:tgtEl>
+                                          <p:spTgt spid="8"/>
+                                        </p:tgtEl>
+                                        <p:attrNameLst>
+                                          <p:attrName>style.visibility</p:attrName>
+                                        </p:attrNameLst>
+                                      </p:cBhvr>
+                                      <p:to>
+                                        <p:strVal val="visible"/>
+                                      </p:to>
+                                    </p:set>
+                                  </p:childTnLst>
+                                </p:cTn>
+                              </p:par>
+                              <p:par>
+                                <p:cTn id="11" presetID="1" presetClass="entr" presetSubtype="0" fill="hold" nodeType="withEffect">
+                                  <p:stCondLst>
+                                    <p:cond delay="0"/>
+                                  </p:stCondLst>
+                                  <p:childTnLst>
+                                    <p:set>
+                                      <p:cBhvr>
+                                        <p:cTn id="12" dur="1" fill="hold">
+                                          <p:stCondLst>
+                                            <p:cond delay="0"/>
+                                          </p:stCondLst>
+                                        </p:cTn>
+                                        <p:tgtEl>
+                                          <p:spTgt spid="5"/>
+                                        </p:tgtEl>
+                                        <p:attrNameLst>
+                                          <p:attrName>style.visibility</p:attrName>
+                                        </p:attrNameLst>
+                                      </p:cBhvr>
+                                      <p:to>
+                                        <p:strVal val="visible"/>
+                                      </p:to>
+                                    </p:set>
+                                  </p:childTnLst>
+                                </p:cTn>
+                              </p:par>
+                              <p:par>
+                                <p:cTn id="13" presetID="1" presetClass="entr" presetSubtype="0" fill="hold" grpId="0" nodeType="withEffect">
+                                  <p:stCondLst>
+                                    <p:cond delay="0"/>
+                                  </p:stCondLst>
+                                  <p:childTnLst>
+                                    <p:set>
+                                      <p:cBhvr>
+                                        <p:cTn id="14" dur="1" fill="hold">
+                                          <p:stCondLst>
+                                            <p:cond delay="0"/>
+                                          </p:stCondLst>
+                                        </p:cTn>
+                                        <p:tgtEl>
+                                          <p:spTgt spid="6"/>
+                                        </p:tgtEl>
+                                        <p:attrNameLst>
+                                          <p:attrName>style.visibility</p:attrName>
+                                        </p:attrNameLst>
+                                      </p:cBhvr>
+                                      <p:to>
+                                        <p:strVal val="visible"/>
+                                      </p:to>
+                                    </p:set>
+                                  </p:childTnLst>
+                                </p:cTn>
+                              </p:par>
+                            </p:childTnLst>
+                          </p:cTn>
+                        </p:par>
+                      </p:childTnLst>
+                    </p:cTn>
+                  </p:par>
+                  <p:par>
+                    <p:cTn id="15" fill="hold">
+                      <p:stCondLst>
+                        <p:cond delay="indefinite"/>
+                      </p:stCondLst>
+                      <p:childTnLst>
+                        <p:par>
+                          <p:cTn id="16" fill="hold">
+                            <p:stCondLst>
+                              <p:cond delay="0"/>
+                            </p:stCondLst>
+                            <p:childTnLst>
+                              <p:par>
+                                <p:cTn id="17" presetID="1" presetClass="entr" presetSubtype="0" fill="hold" nodeType="clickEffect">
+                                  <p:stCondLst>
+                                    <p:cond delay="0"/>
+                                  </p:stCondLst>
+                                  <p:childTnLst>
+                                    <p:set>
+                                      <p:cBhvr>
+                                        <p:cTn id="18" dur="1" fill="hold">
+                                          <p:stCondLst>
+                                            <p:cond delay="0"/>
+                                          </p:stCondLst>
+                                        </p:cTn>
+                                        <p:tgtEl>
+                                          <p:spTgt spid="3">
+                                            <p:txEl>
+                                              <p:pRg st="1" end="1"/>
+                                            </p:txEl>
+                                          </p:spTgt>
+                                        </p:tgtEl>
+                                        <p:attrNameLst>
+                                          <p:attrName>style.visibility</p:attrName>
+                                        </p:attrNameLst>
+                                      </p:cBhvr>
+                                      <p:to>
+                                        <p:strVal val="visible"/>
+                                      </p:to>
+                                    </p:set>
+                                  </p:childTnLst>
+                                </p:cTn>
+                              </p:par>
+                              <p:par>
+                                <p:cTn id="19" presetID="1" presetClass="entr" presetSubtype="0" fill="hold" nodeType="withEffect">
+                                  <p:stCondLst>
+                                    <p:cond delay="0"/>
+                                  </p:stCondLst>
+                                  <p:childTnLst>
+                                    <p:set>
+                                      <p:cBhvr>
+                                        <p:cTn id="20" dur="1" fill="hold">
+                                          <p:stCondLst>
+                                            <p:cond delay="0"/>
+                                          </p:stCondLst>
+                                        </p:cTn>
+                                        <p:tgtEl>
+                                          <p:spTgt spid="3">
+                                            <p:txEl>
+                                              <p:pRg st="2" end="2"/>
+                                            </p:txEl>
+                                          </p:spTgt>
+                                        </p:tgtEl>
+                                        <p:attrNameLst>
+                                          <p:attrName>style.visibility</p:attrName>
+                                        </p:attrNameLst>
+                                      </p:cBhvr>
+                                      <p:to>
+                                        <p:strVal val="visible"/>
+                                      </p:to>
+                                    </p:set>
+                                  </p:childTnLst>
+                                </p:cTn>
+                              </p:par>
+                              <p:par>
+                                <p:cTn id="21" presetID="1" presetClass="entr" presetSubtype="0" fill="hold" nodeType="withEffect">
+                                  <p:stCondLst>
+                                    <p:cond delay="0"/>
+                                  </p:stCondLst>
+                                  <p:childTnLst>
+                                    <p:set>
+                                      <p:cBhvr>
+                                        <p:cTn id="22" dur="1" fill="hold">
+                                          <p:stCondLst>
+                                            <p:cond delay="0"/>
+                                          </p:stCondLst>
+                                        </p:cTn>
+                                        <p:tgtEl>
+                                          <p:spTgt spid="3">
+                                            <p:txEl>
+                                              <p:pRg st="3" end="3"/>
+                                            </p:txEl>
+                                          </p:spTgt>
+                                        </p:tgtEl>
+                                        <p:attrNameLst>
+                                          <p:attrName>style.visibility</p:attrName>
+                                        </p:attrNameLst>
+                                      </p:cBhvr>
+                                      <p:to>
+                                        <p:strVal val="visible"/>
+                                      </p:to>
+                                    </p:set>
+                                  </p:childTnLst>
+                                </p:cTn>
+                              </p:par>
+                            </p:childTnLst>
+                          </p:cTn>
+                        </p:par>
+                      </p:childTnLst>
+                    </p:cTn>
+                  </p:par>
+                  <p:par>
+                    <p:cTn id="23" fill="hold">
+                      <p:stCondLst>
+                        <p:cond delay="indefinite"/>
+                      </p:stCondLst>
+                      <p:childTnLst>
+                        <p:par>
+                          <p:cTn id="24" fill="hold">
+                            <p:stCondLst>
+                              <p:cond delay="0"/>
+                            </p:stCondLst>
+                            <p:childTnLst>
+                              <p:par>
+                                <p:cTn id="25" presetID="1" presetClass="entr" presetSubtype="0" fill="hold" nodeType="clickEffect">
+                                  <p:stCondLst>
+                                    <p:cond delay="0"/>
+                                  </p:stCondLst>
+                                  <p:childTnLst>
+                                    <p:set>
+                                      <p:cBhvr>
+                                        <p:cTn id="26" dur="1" fill="hold">
+                                          <p:stCondLst>
+                                            <p:cond delay="0"/>
+                                          </p:stCondLst>
+                                        </p:cTn>
+                                        <p:tgtEl>
+                                          <p:spTgt spid="10"/>
+                                        </p:tgtEl>
+                                        <p:attrNameLst>
+                                          <p:attrName>style.visibility</p:attrName>
+                                        </p:attrNameLst>
+                                      </p:cBhvr>
+                                      <p:to>
+                                        <p:strVal val="visible"/>
+                                      </p:to>
+                                    </p:set>
+                                  </p:childTnLst>
+                                </p:cTn>
+                              </p:par>
+                              <p:par>
+                                <p:cTn id="27" presetID="1" presetClass="entr" presetSubtype="0" fill="hold" grpId="0" nodeType="withEffect">
+                                  <p:stCondLst>
+                                    <p:cond delay="0"/>
+                                  </p:stCondLst>
+                                  <p:childTnLst>
+                                    <p:set>
+                                      <p:cBhvr>
+                                        <p:cTn id="28" dur="1" fill="hold">
+                                          <p:stCondLst>
+                                            <p:cond delay="0"/>
+                                          </p:stCondLst>
+                                        </p:cTn>
+                                        <p:tgtEl>
+                                          <p:spTgt spid="11"/>
+                                        </p:tgtEl>
+                                        <p:attrNameLst>
+                                          <p:attrName>style.visibility</p:attrName>
+                                        </p:attrNameLst>
+                                      </p:cBhvr>
+                                      <p:to>
+                                        <p:strVal val="visible"/>
+                                      </p:to>
+                                    </p:set>
+                                  </p:childTnLst>
+                                </p:cTn>
+                              </p:par>
+                            </p:childTnLst>
+                          </p:cTn>
+                        </p:par>
+                      </p:childTnLst>
+                    </p:cTn>
+                  </p:par>
+                </p:childTnLst>
+              </p:cTn>
+              <p:prevCondLst>
+                <p:cond evt="onPrev" delay="0">
+                  <p:tgtEl>
+                    <p:sldTgt/>
+                  </p:tgtEl>
+                </p:cond>
+              </p:prevCondLst>
+              <p:nextCondLst>
+                <p:cond evt="onNext" delay="0">
+                  <p:tgtEl>
+                    <p:sldTgt/>
+                  </p:tgtEl>
+                </p:cond>
+              </p:nextCondLst>
+            </p:seq>
+          </p:childTnLst>
+        </p:cTn>
+      </p:par>
+    </p:tnLst>
+    <p:bldLst>
+      <p:bldP spid="6" grpId="0"/>
+      <p:bldP spid="11" grpId="0"/>
+    </p:bldLst>
+  </p:timing>
 </p:sld>
 </file>
 
@@ -4019,7 +7073,319 @@
           <a:bodyPr/>
           <a:lstStyle/>
           <a:p>
-            <a:endParaRPr lang="en-US"/>
+            <a:r>
+              <a:rPr lang="en-US" dirty="0"/>
+              <a:t>Acts on Quantum State</a:t>
+            </a:r>
+          </a:p>
+          <a:p>
+            <a:pPr lvl="1"/>
+            <a:r>
+              <a:rPr lang="en-US" dirty="0"/>
+              <a:t>Opposed to a Vector </a:t>
+            </a:r>
+          </a:p>
+          <a:p>
+            <a:pPr lvl="1"/>
+            <a:r>
+              <a:rPr lang="en-US" dirty="0"/>
+              <a:t>Otherwise, the Same</a:t>
+            </a:r>
+          </a:p>
+          <a:p>
+            <a:r>
+              <a:rPr lang="en-US" dirty="0"/>
+              <a:t>Finds Patterns in Qubits </a:t>
+            </a:r>
+          </a:p>
+          <a:p>
+            <a:r>
+              <a:rPr lang="en-US" dirty="0"/>
+              <a:t>Unitary </a:t>
+            </a:r>
+          </a:p>
+          <a:p>
+            <a:endParaRPr lang="en-US" dirty="0"/>
+          </a:p>
+        </p:txBody>
+      </p:sp>
+      <p:pic>
+        <p:nvPicPr>
+          <p:cNvPr id="1026" name="Picture 2" descr="Quantum circuit for Quantum-Fourier-Transform with n qubits (without rearranging the order of output states). It uses the binary fraction notation introduced below.">
+            <a:extLst>
+              <a:ext uri="{FF2B5EF4-FFF2-40B4-BE49-F238E27FC236}">
+                <a16:creationId xmlns:a16="http://schemas.microsoft.com/office/drawing/2014/main" id="{D0E48792-1344-4869-95A7-D7229ADCC4F0}"/>
+              </a:ext>
+            </a:extLst>
+          </p:cNvPr>
+          <p:cNvPicPr>
+            <a:picLocks noChangeAspect="1" noChangeArrowheads="1"/>
+          </p:cNvPicPr>
+          <p:nvPr/>
+        </p:nvPicPr>
+        <p:blipFill>
+          <a:blip r:embed="rId2">
+            <a:extLst>
+              <a:ext uri="{28A0092B-C50C-407E-A947-70E740481C1C}">
+                <a14:useLocalDpi xmlns:a14="http://schemas.microsoft.com/office/drawing/2010/main" val="0"/>
+              </a:ext>
+            </a:extLst>
+          </a:blip>
+          <a:srcRect/>
+          <a:stretch>
+            <a:fillRect/>
+          </a:stretch>
+        </p:blipFill>
+        <p:spPr bwMode="auto">
+          <a:xfrm>
+            <a:off x="5344257" y="365125"/>
+            <a:ext cx="6412524" cy="2137508"/>
+          </a:xfrm>
+          <a:prstGeom prst="rect">
+            <a:avLst/>
+          </a:prstGeom>
+          <a:noFill/>
+          <a:extLst>
+            <a:ext uri="{909E8E84-426E-40DD-AFC4-6F175D3DCCD1}">
+              <a14:hiddenFill xmlns:a14="http://schemas.microsoft.com/office/drawing/2010/main">
+                <a:solidFill>
+                  <a:srgbClr val="FFFFFF"/>
+                </a:solidFill>
+              </a14:hiddenFill>
+            </a:ext>
+          </a:extLst>
+        </p:spPr>
+      </p:pic>
+      <p:pic>
+        <p:nvPicPr>
+          <p:cNvPr id="5" name="Picture 4">
+            <a:extLst>
+              <a:ext uri="{FF2B5EF4-FFF2-40B4-BE49-F238E27FC236}">
+                <a16:creationId xmlns:a16="http://schemas.microsoft.com/office/drawing/2014/main" id="{BF3633B7-BC2E-45E6-8494-908F07986B71}"/>
+              </a:ext>
+            </a:extLst>
+          </p:cNvPr>
+          <p:cNvPicPr>
+            <a:picLocks noChangeAspect="1"/>
+          </p:cNvPicPr>
+          <p:nvPr/>
+        </p:nvPicPr>
+        <p:blipFill>
+          <a:blip r:embed="rId3"/>
+          <a:stretch>
+            <a:fillRect/>
+          </a:stretch>
+        </p:blipFill>
+        <p:spPr>
+          <a:xfrm>
+            <a:off x="9077575" y="2751105"/>
+            <a:ext cx="1986814" cy="789022"/>
+          </a:xfrm>
+          <a:prstGeom prst="rect">
+            <a:avLst/>
+          </a:prstGeom>
+        </p:spPr>
+      </p:pic>
+      <p:pic>
+        <p:nvPicPr>
+          <p:cNvPr id="7" name="Picture 6">
+            <a:extLst>
+              <a:ext uri="{FF2B5EF4-FFF2-40B4-BE49-F238E27FC236}">
+                <a16:creationId xmlns:a16="http://schemas.microsoft.com/office/drawing/2014/main" id="{3C4C8C9D-09CE-4DC6-99F6-97CFA21D3B29}"/>
+              </a:ext>
+            </a:extLst>
+          </p:cNvPr>
+          <p:cNvPicPr>
+            <a:picLocks noChangeAspect="1"/>
+          </p:cNvPicPr>
+          <p:nvPr/>
+        </p:nvPicPr>
+        <p:blipFill>
+          <a:blip r:embed="rId4"/>
+          <a:stretch>
+            <a:fillRect/>
+          </a:stretch>
+        </p:blipFill>
+        <p:spPr>
+          <a:xfrm>
+            <a:off x="6663187" y="2745458"/>
+            <a:ext cx="1658429" cy="683542"/>
+          </a:xfrm>
+          <a:prstGeom prst="rect">
+            <a:avLst/>
+          </a:prstGeom>
+        </p:spPr>
+      </p:pic>
+      <p:sp>
+        <p:nvSpPr>
+          <p:cNvPr id="8" name="TextBox 7">
+            <a:extLst>
+              <a:ext uri="{FF2B5EF4-FFF2-40B4-BE49-F238E27FC236}">
+                <a16:creationId xmlns:a16="http://schemas.microsoft.com/office/drawing/2014/main" id="{96CCDC6B-B63A-4B40-A2F7-D2DF6FC1890E}"/>
+              </a:ext>
+            </a:extLst>
+          </p:cNvPr>
+          <p:cNvSpPr txBox="1"/>
+          <p:nvPr/>
+        </p:nvSpPr>
+        <p:spPr>
+          <a:xfrm>
+            <a:off x="9077575" y="3540127"/>
+            <a:ext cx="2319856" cy="369332"/>
+          </a:xfrm>
+          <a:prstGeom prst="rect">
+            <a:avLst/>
+          </a:prstGeom>
+          <a:noFill/>
+        </p:spPr>
+        <p:txBody>
+          <a:bodyPr wrap="square" rtlCol="0">
+            <a:spAutoFit/>
+          </a:bodyPr>
+          <a:lstStyle/>
+          <a:p>
+            <a:r>
+              <a:rPr lang="en-US" dirty="0"/>
+              <a:t>Controlled Phase Gate</a:t>
+            </a:r>
+          </a:p>
+        </p:txBody>
+      </p:sp>
+      <p:sp>
+        <p:nvSpPr>
+          <p:cNvPr id="9" name="TextBox 8">
+            <a:extLst>
+              <a:ext uri="{FF2B5EF4-FFF2-40B4-BE49-F238E27FC236}">
+                <a16:creationId xmlns:a16="http://schemas.microsoft.com/office/drawing/2014/main" id="{2E7CBDB7-08D0-43C6-B1E2-E5DB4EE5BF12}"/>
+              </a:ext>
+            </a:extLst>
+          </p:cNvPr>
+          <p:cNvSpPr txBox="1"/>
+          <p:nvPr/>
+        </p:nvSpPr>
+        <p:spPr>
+          <a:xfrm>
+            <a:off x="6754231" y="3538849"/>
+            <a:ext cx="1662891" cy="369332"/>
+          </a:xfrm>
+          <a:prstGeom prst="rect">
+            <a:avLst/>
+          </a:prstGeom>
+          <a:noFill/>
+        </p:spPr>
+        <p:txBody>
+          <a:bodyPr wrap="none" rtlCol="0">
+            <a:spAutoFit/>
+          </a:bodyPr>
+          <a:lstStyle/>
+          <a:p>
+            <a:r>
+              <a:rPr lang="en-US" dirty="0"/>
+              <a:t>Hadamard Gate</a:t>
+            </a:r>
+          </a:p>
+        </p:txBody>
+      </p:sp>
+      <p:pic>
+        <p:nvPicPr>
+          <p:cNvPr id="11" name="Picture 10">
+            <a:extLst>
+              <a:ext uri="{FF2B5EF4-FFF2-40B4-BE49-F238E27FC236}">
+                <a16:creationId xmlns:a16="http://schemas.microsoft.com/office/drawing/2014/main" id="{6ED56C6C-C069-4C39-9639-3C08A308B954}"/>
+              </a:ext>
+            </a:extLst>
+          </p:cNvPr>
+          <p:cNvPicPr>
+            <a:picLocks noChangeAspect="1"/>
+          </p:cNvPicPr>
+          <p:nvPr/>
+        </p:nvPicPr>
+        <p:blipFill>
+          <a:blip r:embed="rId5"/>
+          <a:stretch>
+            <a:fillRect/>
+          </a:stretch>
+        </p:blipFill>
+        <p:spPr>
+          <a:xfrm>
+            <a:off x="905494" y="5301268"/>
+            <a:ext cx="1941690" cy="832152"/>
+          </a:xfrm>
+          <a:prstGeom prst="rect">
+            <a:avLst/>
+          </a:prstGeom>
+        </p:spPr>
+      </p:pic>
+      <p:pic>
+        <p:nvPicPr>
+          <p:cNvPr id="13" name="Picture 12">
+            <a:extLst>
+              <a:ext uri="{FF2B5EF4-FFF2-40B4-BE49-F238E27FC236}">
+                <a16:creationId xmlns:a16="http://schemas.microsoft.com/office/drawing/2014/main" id="{E4AE750C-FA9B-4017-ABC8-B5690D1B7ACC}"/>
+              </a:ext>
+            </a:extLst>
+          </p:cNvPr>
+          <p:cNvPicPr>
+            <a:picLocks noChangeAspect="1"/>
+          </p:cNvPicPr>
+          <p:nvPr/>
+        </p:nvPicPr>
+        <p:blipFill>
+          <a:blip r:embed="rId6"/>
+          <a:stretch>
+            <a:fillRect/>
+          </a:stretch>
+        </p:blipFill>
+        <p:spPr>
+          <a:xfrm>
+            <a:off x="3045855" y="5241058"/>
+            <a:ext cx="2549158" cy="1039657"/>
+          </a:xfrm>
+          <a:prstGeom prst="rect">
+            <a:avLst/>
+          </a:prstGeom>
+        </p:spPr>
+      </p:pic>
+      <p:sp>
+        <p:nvSpPr>
+          <p:cNvPr id="14" name="TextBox 13">
+            <a:extLst>
+              <a:ext uri="{FF2B5EF4-FFF2-40B4-BE49-F238E27FC236}">
+                <a16:creationId xmlns:a16="http://schemas.microsoft.com/office/drawing/2014/main" id="{4C926A08-C659-4B0D-BAF8-151AAD4100C7}"/>
+              </a:ext>
+            </a:extLst>
+          </p:cNvPr>
+          <p:cNvSpPr txBox="1"/>
+          <p:nvPr/>
+        </p:nvSpPr>
+        <p:spPr>
+          <a:xfrm>
+            <a:off x="1967346" y="6235576"/>
+            <a:ext cx="2036007" cy="369332"/>
+          </a:xfrm>
+          <a:prstGeom prst="rect">
+            <a:avLst/>
+          </a:prstGeom>
+          <a:noFill/>
+        </p:spPr>
+        <p:txBody>
+          <a:bodyPr wrap="none" rtlCol="0">
+            <a:spAutoFit/>
+          </a:bodyPr>
+          <a:lstStyle/>
+          <a:p>
+            <a:r>
+              <a:rPr lang="en-US" dirty="0"/>
+              <a:t>Mapping onto </a:t>
+            </a:r>
+            <a:r>
+              <a:rPr lang="en-US" dirty="0" err="1"/>
+              <a:t>Ket</a:t>
+            </a:r>
+            <a:r>
+              <a:rPr lang="en-US" dirty="0"/>
+              <a:t> Y</a:t>
+            </a:r>
           </a:p>
         </p:txBody>
       </p:sp>
@@ -4033,6 +7399,484 @@
   <p:clrMapOvr>
     <a:masterClrMapping/>
   </p:clrMapOvr>
+  <p:timing>
+    <p:tnLst>
+      <p:par>
+        <p:cTn id="1" dur="indefinite" restart="never" nodeType="tmRoot">
+          <p:childTnLst>
+            <p:seq concurrent="1" nextAc="seek">
+              <p:cTn id="2" dur="indefinite" nodeType="mainSeq">
+                <p:childTnLst>
+                  <p:par>
+                    <p:cTn id="3" fill="hold">
+                      <p:stCondLst>
+                        <p:cond delay="indefinite"/>
+                      </p:stCondLst>
+                      <p:childTnLst>
+                        <p:par>
+                          <p:cTn id="4" fill="hold">
+                            <p:stCondLst>
+                              <p:cond delay="0"/>
+                            </p:stCondLst>
+                            <p:childTnLst>
+                              <p:par>
+                                <p:cTn id="5" presetID="1" presetClass="entr" presetSubtype="0" fill="hold" nodeType="clickEffect">
+                                  <p:stCondLst>
+                                    <p:cond delay="0"/>
+                                  </p:stCondLst>
+                                  <p:childTnLst>
+                                    <p:set>
+                                      <p:cBhvr>
+                                        <p:cTn id="6" dur="1" fill="hold">
+                                          <p:stCondLst>
+                                            <p:cond delay="0"/>
+                                          </p:stCondLst>
+                                        </p:cTn>
+                                        <p:tgtEl>
+                                          <p:spTgt spid="3">
+                                            <p:txEl>
+                                              <p:pRg st="0" end="0"/>
+                                            </p:txEl>
+                                          </p:spTgt>
+                                        </p:tgtEl>
+                                        <p:attrNameLst>
+                                          <p:attrName>style.visibility</p:attrName>
+                                        </p:attrNameLst>
+                                      </p:cBhvr>
+                                      <p:to>
+                                        <p:strVal val="visible"/>
+                                      </p:to>
+                                    </p:set>
+                                  </p:childTnLst>
+                                </p:cTn>
+                              </p:par>
+                              <p:par>
+                                <p:cTn id="7" presetID="1" presetClass="entr" presetSubtype="0" fill="hold" nodeType="withEffect">
+                                  <p:stCondLst>
+                                    <p:cond delay="0"/>
+                                  </p:stCondLst>
+                                  <p:childTnLst>
+                                    <p:set>
+                                      <p:cBhvr>
+                                        <p:cTn id="8" dur="1" fill="hold">
+                                          <p:stCondLst>
+                                            <p:cond delay="0"/>
+                                          </p:stCondLst>
+                                        </p:cTn>
+                                        <p:tgtEl>
+                                          <p:spTgt spid="3">
+                                            <p:txEl>
+                                              <p:pRg st="1" end="1"/>
+                                            </p:txEl>
+                                          </p:spTgt>
+                                        </p:tgtEl>
+                                        <p:attrNameLst>
+                                          <p:attrName>style.visibility</p:attrName>
+                                        </p:attrNameLst>
+                                      </p:cBhvr>
+                                      <p:to>
+                                        <p:strVal val="visible"/>
+                                      </p:to>
+                                    </p:set>
+                                  </p:childTnLst>
+                                </p:cTn>
+                              </p:par>
+                              <p:par>
+                                <p:cTn id="9" presetID="1" presetClass="entr" presetSubtype="0" fill="hold" nodeType="withEffect">
+                                  <p:stCondLst>
+                                    <p:cond delay="0"/>
+                                  </p:stCondLst>
+                                  <p:childTnLst>
+                                    <p:set>
+                                      <p:cBhvr>
+                                        <p:cTn id="10" dur="1" fill="hold">
+                                          <p:stCondLst>
+                                            <p:cond delay="0"/>
+                                          </p:stCondLst>
+                                        </p:cTn>
+                                        <p:tgtEl>
+                                          <p:spTgt spid="3">
+                                            <p:txEl>
+                                              <p:pRg st="2" end="2"/>
+                                            </p:txEl>
+                                          </p:spTgt>
+                                        </p:tgtEl>
+                                        <p:attrNameLst>
+                                          <p:attrName>style.visibility</p:attrName>
+                                        </p:attrNameLst>
+                                      </p:cBhvr>
+                                      <p:to>
+                                        <p:strVal val="visible"/>
+                                      </p:to>
+                                    </p:set>
+                                  </p:childTnLst>
+                                </p:cTn>
+                              </p:par>
+                            </p:childTnLst>
+                          </p:cTn>
+                        </p:par>
+                      </p:childTnLst>
+                    </p:cTn>
+                  </p:par>
+                  <p:par>
+                    <p:cTn id="11" fill="hold">
+                      <p:stCondLst>
+                        <p:cond delay="indefinite"/>
+                      </p:stCondLst>
+                      <p:childTnLst>
+                        <p:par>
+                          <p:cTn id="12" fill="hold">
+                            <p:stCondLst>
+                              <p:cond delay="0"/>
+                            </p:stCondLst>
+                            <p:childTnLst>
+                              <p:par>
+                                <p:cTn id="13" presetID="1" presetClass="entr" presetSubtype="0" fill="hold" nodeType="clickEffect">
+                                  <p:stCondLst>
+                                    <p:cond delay="0"/>
+                                  </p:stCondLst>
+                                  <p:childTnLst>
+                                    <p:set>
+                                      <p:cBhvr>
+                                        <p:cTn id="14" dur="1" fill="hold">
+                                          <p:stCondLst>
+                                            <p:cond delay="0"/>
+                                          </p:stCondLst>
+                                        </p:cTn>
+                                        <p:tgtEl>
+                                          <p:spTgt spid="13"/>
+                                        </p:tgtEl>
+                                        <p:attrNameLst>
+                                          <p:attrName>style.visibility</p:attrName>
+                                        </p:attrNameLst>
+                                      </p:cBhvr>
+                                      <p:to>
+                                        <p:strVal val="visible"/>
+                                      </p:to>
+                                    </p:set>
+                                  </p:childTnLst>
+                                </p:cTn>
+                              </p:par>
+                              <p:par>
+                                <p:cTn id="15" presetID="1" presetClass="entr" presetSubtype="0" fill="hold" nodeType="withEffect">
+                                  <p:stCondLst>
+                                    <p:cond delay="0"/>
+                                  </p:stCondLst>
+                                  <p:childTnLst>
+                                    <p:set>
+                                      <p:cBhvr>
+                                        <p:cTn id="16" dur="1" fill="hold">
+                                          <p:stCondLst>
+                                            <p:cond delay="0"/>
+                                          </p:stCondLst>
+                                        </p:cTn>
+                                        <p:tgtEl>
+                                          <p:spTgt spid="11"/>
+                                        </p:tgtEl>
+                                        <p:attrNameLst>
+                                          <p:attrName>style.visibility</p:attrName>
+                                        </p:attrNameLst>
+                                      </p:cBhvr>
+                                      <p:to>
+                                        <p:strVal val="visible"/>
+                                      </p:to>
+                                    </p:set>
+                                  </p:childTnLst>
+                                </p:cTn>
+                              </p:par>
+                              <p:par>
+                                <p:cTn id="17" presetID="1" presetClass="entr" presetSubtype="0" fill="hold" grpId="0" nodeType="withEffect">
+                                  <p:stCondLst>
+                                    <p:cond delay="0"/>
+                                  </p:stCondLst>
+                                  <p:childTnLst>
+                                    <p:set>
+                                      <p:cBhvr>
+                                        <p:cTn id="18" dur="1" fill="hold">
+                                          <p:stCondLst>
+                                            <p:cond delay="0"/>
+                                          </p:stCondLst>
+                                        </p:cTn>
+                                        <p:tgtEl>
+                                          <p:spTgt spid="14"/>
+                                        </p:tgtEl>
+                                        <p:attrNameLst>
+                                          <p:attrName>style.visibility</p:attrName>
+                                        </p:attrNameLst>
+                                      </p:cBhvr>
+                                      <p:to>
+                                        <p:strVal val="visible"/>
+                                      </p:to>
+                                    </p:set>
+                                  </p:childTnLst>
+                                </p:cTn>
+                              </p:par>
+                            </p:childTnLst>
+                          </p:cTn>
+                        </p:par>
+                      </p:childTnLst>
+                    </p:cTn>
+                  </p:par>
+                  <p:par>
+                    <p:cTn id="19" fill="hold">
+                      <p:stCondLst>
+                        <p:cond delay="indefinite"/>
+                      </p:stCondLst>
+                      <p:childTnLst>
+                        <p:par>
+                          <p:cTn id="20" fill="hold">
+                            <p:stCondLst>
+                              <p:cond delay="0"/>
+                            </p:stCondLst>
+                            <p:childTnLst>
+                              <p:par>
+                                <p:cTn id="21" presetID="1" presetClass="entr" presetSubtype="0" fill="hold" nodeType="clickEffect">
+                                  <p:stCondLst>
+                                    <p:cond delay="0"/>
+                                  </p:stCondLst>
+                                  <p:childTnLst>
+                                    <p:set>
+                                      <p:cBhvr>
+                                        <p:cTn id="22" dur="1" fill="hold">
+                                          <p:stCondLst>
+                                            <p:cond delay="0"/>
+                                          </p:stCondLst>
+                                        </p:cTn>
+                                        <p:tgtEl>
+                                          <p:spTgt spid="3">
+                                            <p:txEl>
+                                              <p:pRg st="3" end="3"/>
+                                            </p:txEl>
+                                          </p:spTgt>
+                                        </p:tgtEl>
+                                        <p:attrNameLst>
+                                          <p:attrName>style.visibility</p:attrName>
+                                        </p:attrNameLst>
+                                      </p:cBhvr>
+                                      <p:to>
+                                        <p:strVal val="visible"/>
+                                      </p:to>
+                                    </p:set>
+                                  </p:childTnLst>
+                                </p:cTn>
+                              </p:par>
+                              <p:par>
+                                <p:cTn id="23" presetID="1" presetClass="entr" presetSubtype="0" fill="hold" nodeType="withEffect">
+                                  <p:stCondLst>
+                                    <p:cond delay="0"/>
+                                  </p:stCondLst>
+                                  <p:childTnLst>
+                                    <p:set>
+                                      <p:cBhvr>
+                                        <p:cTn id="24" dur="1" fill="hold">
+                                          <p:stCondLst>
+                                            <p:cond delay="0"/>
+                                          </p:stCondLst>
+                                        </p:cTn>
+                                        <p:tgtEl>
+                                          <p:spTgt spid="3">
+                                            <p:txEl>
+                                              <p:pRg st="4" end="4"/>
+                                            </p:txEl>
+                                          </p:spTgt>
+                                        </p:tgtEl>
+                                        <p:attrNameLst>
+                                          <p:attrName>style.visibility</p:attrName>
+                                        </p:attrNameLst>
+                                      </p:cBhvr>
+                                      <p:to>
+                                        <p:strVal val="visible"/>
+                                      </p:to>
+                                    </p:set>
+                                  </p:childTnLst>
+                                </p:cTn>
+                              </p:par>
+                            </p:childTnLst>
+                          </p:cTn>
+                        </p:par>
+                      </p:childTnLst>
+                    </p:cTn>
+                  </p:par>
+                  <p:par>
+                    <p:cTn id="25" fill="hold">
+                      <p:stCondLst>
+                        <p:cond delay="indefinite"/>
+                      </p:stCondLst>
+                      <p:childTnLst>
+                        <p:par>
+                          <p:cTn id="26" fill="hold">
+                            <p:stCondLst>
+                              <p:cond delay="0"/>
+                            </p:stCondLst>
+                            <p:childTnLst>
+                              <p:par>
+                                <p:cTn id="27" presetID="1" presetClass="entr" presetSubtype="0" fill="hold" nodeType="clickEffect">
+                                  <p:stCondLst>
+                                    <p:cond delay="0"/>
+                                  </p:stCondLst>
+                                  <p:childTnLst>
+                                    <p:set>
+                                      <p:cBhvr>
+                                        <p:cTn id="28" dur="1" fill="hold">
+                                          <p:stCondLst>
+                                            <p:cond delay="0"/>
+                                          </p:stCondLst>
+                                        </p:cTn>
+                                        <p:tgtEl>
+                                          <p:spTgt spid="1026"/>
+                                        </p:tgtEl>
+                                        <p:attrNameLst>
+                                          <p:attrName>style.visibility</p:attrName>
+                                        </p:attrNameLst>
+                                      </p:cBhvr>
+                                      <p:to>
+                                        <p:strVal val="visible"/>
+                                      </p:to>
+                                    </p:set>
+                                  </p:childTnLst>
+                                </p:cTn>
+                              </p:par>
+                              <p:par>
+                                <p:cTn id="29" presetID="1" presetClass="entr" presetSubtype="0" fill="hold" nodeType="withEffect">
+                                  <p:stCondLst>
+                                    <p:cond delay="0"/>
+                                  </p:stCondLst>
+                                  <p:childTnLst>
+                                    <p:set>
+                                      <p:cBhvr>
+                                        <p:cTn id="30" dur="1" fill="hold">
+                                          <p:stCondLst>
+                                            <p:cond delay="0"/>
+                                          </p:stCondLst>
+                                        </p:cTn>
+                                        <p:tgtEl>
+                                          <p:spTgt spid="7"/>
+                                        </p:tgtEl>
+                                        <p:attrNameLst>
+                                          <p:attrName>style.visibility</p:attrName>
+                                        </p:attrNameLst>
+                                      </p:cBhvr>
+                                      <p:to>
+                                        <p:strVal val="visible"/>
+                                      </p:to>
+                                    </p:set>
+                                  </p:childTnLst>
+                                </p:cTn>
+                              </p:par>
+                              <p:par>
+                                <p:cTn id="31" presetID="1" presetClass="entr" presetSubtype="0" fill="hold" nodeType="withEffect">
+                                  <p:stCondLst>
+                                    <p:cond delay="0"/>
+                                  </p:stCondLst>
+                                  <p:childTnLst>
+                                    <p:set>
+                                      <p:cBhvr>
+                                        <p:cTn id="32" dur="1" fill="hold">
+                                          <p:stCondLst>
+                                            <p:cond delay="0"/>
+                                          </p:stCondLst>
+                                        </p:cTn>
+                                        <p:tgtEl>
+                                          <p:spTgt spid="5"/>
+                                        </p:tgtEl>
+                                        <p:attrNameLst>
+                                          <p:attrName>style.visibility</p:attrName>
+                                        </p:attrNameLst>
+                                      </p:cBhvr>
+                                      <p:to>
+                                        <p:strVal val="visible"/>
+                                      </p:to>
+                                    </p:set>
+                                  </p:childTnLst>
+                                </p:cTn>
+                              </p:par>
+                              <p:par>
+                                <p:cTn id="33" presetID="1" presetClass="entr" presetSubtype="0" fill="hold" grpId="0" nodeType="withEffect">
+                                  <p:stCondLst>
+                                    <p:cond delay="0"/>
+                                  </p:stCondLst>
+                                  <p:childTnLst>
+                                    <p:set>
+                                      <p:cBhvr>
+                                        <p:cTn id="34" dur="1" fill="hold">
+                                          <p:stCondLst>
+                                            <p:cond delay="0"/>
+                                          </p:stCondLst>
+                                        </p:cTn>
+                                        <p:tgtEl>
+                                          <p:spTgt spid="8"/>
+                                        </p:tgtEl>
+                                        <p:attrNameLst>
+                                          <p:attrName>style.visibility</p:attrName>
+                                        </p:attrNameLst>
+                                      </p:cBhvr>
+                                      <p:to>
+                                        <p:strVal val="visible"/>
+                                      </p:to>
+                                    </p:set>
+                                  </p:childTnLst>
+                                </p:cTn>
+                              </p:par>
+                              <p:par>
+                                <p:cTn id="35" presetID="1" presetClass="entr" presetSubtype="0" fill="hold" grpId="0" nodeType="withEffect">
+                                  <p:stCondLst>
+                                    <p:cond delay="0"/>
+                                  </p:stCondLst>
+                                  <p:childTnLst>
+                                    <p:set>
+                                      <p:cBhvr>
+                                        <p:cTn id="36" dur="1" fill="hold">
+                                          <p:stCondLst>
+                                            <p:cond delay="0"/>
+                                          </p:stCondLst>
+                                        </p:cTn>
+                                        <p:tgtEl>
+                                          <p:spTgt spid="9"/>
+                                        </p:tgtEl>
+                                        <p:attrNameLst>
+                                          <p:attrName>style.visibility</p:attrName>
+                                        </p:attrNameLst>
+                                      </p:cBhvr>
+                                      <p:to>
+                                        <p:strVal val="visible"/>
+                                      </p:to>
+                                    </p:set>
+                                  </p:childTnLst>
+                                </p:cTn>
+                              </p:par>
+                            </p:childTnLst>
+                          </p:cTn>
+                        </p:par>
+                      </p:childTnLst>
+                    </p:cTn>
+                  </p:par>
+                </p:childTnLst>
+              </p:cTn>
+              <p:prevCondLst>
+                <p:cond evt="onPrev" delay="0">
+                  <p:tgtEl>
+                    <p:sldTgt/>
+                  </p:tgtEl>
+                </p:cond>
+              </p:prevCondLst>
+              <p:nextCondLst>
+                <p:cond evt="onNext" delay="0">
+                  <p:tgtEl>
+                    <p:sldTgt/>
+                  </p:tgtEl>
+                </p:cond>
+              </p:nextCondLst>
+            </p:seq>
+          </p:childTnLst>
+        </p:cTn>
+      </p:par>
+    </p:tnLst>
+    <p:bldLst>
+      <p:bldP spid="8" grpId="0"/>
+      <p:bldP spid="9" grpId="0"/>
+      <p:bldP spid="14" grpId="0"/>
+    </p:bldLst>
+  </p:timing>
 </p:sld>
 </file>
 
@@ -4102,7 +7946,190 @@
           <a:bodyPr/>
           <a:lstStyle/>
           <a:p>
-            <a:endParaRPr lang="en-US"/>
+            <a:r>
+              <a:rPr lang="en-US" dirty="0"/>
+              <a:t>Quantum Phase Estimation </a:t>
+            </a:r>
+          </a:p>
+          <a:p>
+            <a:pPr lvl="1"/>
+            <a:r>
+              <a:rPr lang="en-US" dirty="0"/>
+              <a:t>Shor’s Algorithm</a:t>
+            </a:r>
+          </a:p>
+          <a:p>
+            <a:r>
+              <a:rPr lang="en-US" dirty="0"/>
+              <a:t>Hidden Subgroup Problem</a:t>
+            </a:r>
+          </a:p>
+          <a:p>
+            <a:pPr lvl="1"/>
+            <a:r>
+              <a:rPr lang="en-US" dirty="0"/>
+              <a:t>Finite Abelian Groups </a:t>
+            </a:r>
+          </a:p>
+        </p:txBody>
+      </p:sp>
+      <p:pic>
+        <p:nvPicPr>
+          <p:cNvPr id="5" name="Picture 4">
+            <a:extLst>
+              <a:ext uri="{FF2B5EF4-FFF2-40B4-BE49-F238E27FC236}">
+                <a16:creationId xmlns:a16="http://schemas.microsoft.com/office/drawing/2014/main" id="{1B0F5621-C0BA-4E39-87D3-6932A1DB2644}"/>
+              </a:ext>
+            </a:extLst>
+          </p:cNvPr>
+          <p:cNvPicPr>
+            <a:picLocks noChangeAspect="1"/>
+          </p:cNvPicPr>
+          <p:nvPr/>
+        </p:nvPicPr>
+        <p:blipFill>
+          <a:blip r:embed="rId2"/>
+          <a:stretch>
+            <a:fillRect/>
+          </a:stretch>
+        </p:blipFill>
+        <p:spPr>
+          <a:xfrm>
+            <a:off x="6914686" y="844961"/>
+            <a:ext cx="3524431" cy="2171812"/>
+          </a:xfrm>
+          <a:prstGeom prst="rect">
+            <a:avLst/>
+          </a:prstGeom>
+        </p:spPr>
+      </p:pic>
+      <p:pic>
+        <p:nvPicPr>
+          <p:cNvPr id="7" name="Picture 6">
+            <a:extLst>
+              <a:ext uri="{FF2B5EF4-FFF2-40B4-BE49-F238E27FC236}">
+                <a16:creationId xmlns:a16="http://schemas.microsoft.com/office/drawing/2014/main" id="{F2246588-E212-4B3C-BA0D-4A281980A669}"/>
+              </a:ext>
+            </a:extLst>
+          </p:cNvPr>
+          <p:cNvPicPr>
+            <a:picLocks noChangeAspect="1"/>
+          </p:cNvPicPr>
+          <p:nvPr/>
+        </p:nvPicPr>
+        <p:blipFill>
+          <a:blip r:embed="rId3"/>
+          <a:stretch>
+            <a:fillRect/>
+          </a:stretch>
+        </p:blipFill>
+        <p:spPr>
+          <a:xfrm>
+            <a:off x="7099151" y="3091543"/>
+            <a:ext cx="3155503" cy="1956412"/>
+          </a:xfrm>
+          <a:prstGeom prst="rect">
+            <a:avLst/>
+          </a:prstGeom>
+        </p:spPr>
+      </p:pic>
+      <p:sp>
+        <p:nvSpPr>
+          <p:cNvPr id="8" name="TextBox 7">
+            <a:extLst>
+              <a:ext uri="{FF2B5EF4-FFF2-40B4-BE49-F238E27FC236}">
+                <a16:creationId xmlns:a16="http://schemas.microsoft.com/office/drawing/2014/main" id="{6B28B77D-3AD2-4B74-B958-6E396D9AAC3C}"/>
+              </a:ext>
+            </a:extLst>
+          </p:cNvPr>
+          <p:cNvSpPr txBox="1"/>
+          <p:nvPr/>
+        </p:nvSpPr>
+        <p:spPr>
+          <a:xfrm>
+            <a:off x="7309316" y="5258961"/>
+            <a:ext cx="2735172" cy="369332"/>
+          </a:xfrm>
+          <a:prstGeom prst="rect">
+            <a:avLst/>
+          </a:prstGeom>
+          <a:noFill/>
+        </p:spPr>
+        <p:txBody>
+          <a:bodyPr wrap="none" rtlCol="0">
+            <a:spAutoFit/>
+          </a:bodyPr>
+          <a:lstStyle/>
+          <a:p>
+            <a:r>
+              <a:rPr lang="en-US" dirty="0"/>
+              <a:t>Quantum Phase Estimation</a:t>
+            </a:r>
+          </a:p>
+        </p:txBody>
+      </p:sp>
+      <p:pic>
+        <p:nvPicPr>
+          <p:cNvPr id="11" name="Picture 10">
+            <a:extLst>
+              <a:ext uri="{FF2B5EF4-FFF2-40B4-BE49-F238E27FC236}">
+                <a16:creationId xmlns:a16="http://schemas.microsoft.com/office/drawing/2014/main" id="{679C6F9B-AE8A-409E-BCD1-9E9D73E38B3E}"/>
+              </a:ext>
+            </a:extLst>
+          </p:cNvPr>
+          <p:cNvPicPr>
+            <a:picLocks noChangeAspect="1"/>
+          </p:cNvPicPr>
+          <p:nvPr/>
+        </p:nvPicPr>
+        <p:blipFill>
+          <a:blip r:embed="rId4"/>
+          <a:stretch>
+            <a:fillRect/>
+          </a:stretch>
+        </p:blipFill>
+        <p:spPr>
+          <a:xfrm>
+            <a:off x="1996464" y="4668464"/>
+            <a:ext cx="1327218" cy="558829"/>
+          </a:xfrm>
+          <a:prstGeom prst="rect">
+            <a:avLst/>
+          </a:prstGeom>
+        </p:spPr>
+      </p:pic>
+      <p:sp>
+        <p:nvSpPr>
+          <p:cNvPr id="12" name="TextBox 11">
+            <a:extLst>
+              <a:ext uri="{FF2B5EF4-FFF2-40B4-BE49-F238E27FC236}">
+                <a16:creationId xmlns:a16="http://schemas.microsoft.com/office/drawing/2014/main" id="{9F9C9830-3077-4D3C-A732-03ED799EB7BB}"/>
+              </a:ext>
+            </a:extLst>
+          </p:cNvPr>
+          <p:cNvSpPr txBox="1"/>
+          <p:nvPr/>
+        </p:nvSpPr>
+        <p:spPr>
+          <a:xfrm>
+            <a:off x="1469992" y="5202042"/>
+            <a:ext cx="2585708" cy="369332"/>
+          </a:xfrm>
+          <a:prstGeom prst="rect">
+            <a:avLst/>
+          </a:prstGeom>
+          <a:noFill/>
+        </p:spPr>
+        <p:txBody>
+          <a:bodyPr wrap="none" rtlCol="0">
+            <a:spAutoFit/>
+          </a:bodyPr>
+          <a:lstStyle/>
+          <a:p>
+            <a:r>
+              <a:rPr lang="en-US" dirty="0"/>
+              <a:t>Period Formula From QFT</a:t>
+            </a:r>
           </a:p>
         </p:txBody>
       </p:sp>
@@ -4116,6 +8143,371 @@
   <p:clrMapOvr>
     <a:masterClrMapping/>
   </p:clrMapOvr>
+  <p:timing>
+    <p:tnLst>
+      <p:par>
+        <p:cTn id="1" dur="indefinite" restart="never" nodeType="tmRoot">
+          <p:childTnLst>
+            <p:seq concurrent="1" nextAc="seek">
+              <p:cTn id="2" dur="indefinite" nodeType="mainSeq">
+                <p:childTnLst>
+                  <p:par>
+                    <p:cTn id="3" fill="hold">
+                      <p:stCondLst>
+                        <p:cond delay="indefinite"/>
+                      </p:stCondLst>
+                      <p:childTnLst>
+                        <p:par>
+                          <p:cTn id="4" fill="hold">
+                            <p:stCondLst>
+                              <p:cond delay="0"/>
+                            </p:stCondLst>
+                            <p:childTnLst>
+                              <p:par>
+                                <p:cTn id="5" presetID="1" presetClass="entr" presetSubtype="0" fill="hold" nodeType="clickEffect">
+                                  <p:stCondLst>
+                                    <p:cond delay="0"/>
+                                  </p:stCondLst>
+                                  <p:childTnLst>
+                                    <p:set>
+                                      <p:cBhvr>
+                                        <p:cTn id="6" dur="1" fill="hold">
+                                          <p:stCondLst>
+                                            <p:cond delay="0"/>
+                                          </p:stCondLst>
+                                        </p:cTn>
+                                        <p:tgtEl>
+                                          <p:spTgt spid="3">
+                                            <p:txEl>
+                                              <p:pRg st="0" end="0"/>
+                                            </p:txEl>
+                                          </p:spTgt>
+                                        </p:tgtEl>
+                                        <p:attrNameLst>
+                                          <p:attrName>style.visibility</p:attrName>
+                                        </p:attrNameLst>
+                                      </p:cBhvr>
+                                      <p:to>
+                                        <p:strVal val="visible"/>
+                                      </p:to>
+                                    </p:set>
+                                  </p:childTnLst>
+                                </p:cTn>
+                              </p:par>
+                              <p:par>
+                                <p:cTn id="7" presetID="1" presetClass="entr" presetSubtype="0" fill="hold" nodeType="withEffect">
+                                  <p:stCondLst>
+                                    <p:cond delay="0"/>
+                                  </p:stCondLst>
+                                  <p:childTnLst>
+                                    <p:set>
+                                      <p:cBhvr>
+                                        <p:cTn id="8" dur="1" fill="hold">
+                                          <p:stCondLst>
+                                            <p:cond delay="0"/>
+                                          </p:stCondLst>
+                                        </p:cTn>
+                                        <p:tgtEl>
+                                          <p:spTgt spid="3">
+                                            <p:txEl>
+                                              <p:pRg st="1" end="1"/>
+                                            </p:txEl>
+                                          </p:spTgt>
+                                        </p:tgtEl>
+                                        <p:attrNameLst>
+                                          <p:attrName>style.visibility</p:attrName>
+                                        </p:attrNameLst>
+                                      </p:cBhvr>
+                                      <p:to>
+                                        <p:strVal val="visible"/>
+                                      </p:to>
+                                    </p:set>
+                                  </p:childTnLst>
+                                </p:cTn>
+                              </p:par>
+                            </p:childTnLst>
+                          </p:cTn>
+                        </p:par>
+                      </p:childTnLst>
+                    </p:cTn>
+                  </p:par>
+                  <p:par>
+                    <p:cTn id="9" fill="hold">
+                      <p:stCondLst>
+                        <p:cond delay="indefinite"/>
+                      </p:stCondLst>
+                      <p:childTnLst>
+                        <p:par>
+                          <p:cTn id="10" fill="hold">
+                            <p:stCondLst>
+                              <p:cond delay="0"/>
+                            </p:stCondLst>
+                            <p:childTnLst>
+                              <p:par>
+                                <p:cTn id="11" presetID="1" presetClass="entr" presetSubtype="0" fill="hold" nodeType="clickEffect">
+                                  <p:stCondLst>
+                                    <p:cond delay="0"/>
+                                  </p:stCondLst>
+                                  <p:childTnLst>
+                                    <p:set>
+                                      <p:cBhvr>
+                                        <p:cTn id="12" dur="1" fill="hold">
+                                          <p:stCondLst>
+                                            <p:cond delay="0"/>
+                                          </p:stCondLst>
+                                        </p:cTn>
+                                        <p:tgtEl>
+                                          <p:spTgt spid="7"/>
+                                        </p:tgtEl>
+                                        <p:attrNameLst>
+                                          <p:attrName>style.visibility</p:attrName>
+                                        </p:attrNameLst>
+                                      </p:cBhvr>
+                                      <p:to>
+                                        <p:strVal val="visible"/>
+                                      </p:to>
+                                    </p:set>
+                                  </p:childTnLst>
+                                </p:cTn>
+                              </p:par>
+                              <p:par>
+                                <p:cTn id="13" presetID="1" presetClass="entr" presetSubtype="0" fill="hold" nodeType="withEffect">
+                                  <p:stCondLst>
+                                    <p:cond delay="0"/>
+                                  </p:stCondLst>
+                                  <p:childTnLst>
+                                    <p:set>
+                                      <p:cBhvr>
+                                        <p:cTn id="14" dur="1" fill="hold">
+                                          <p:stCondLst>
+                                            <p:cond delay="0"/>
+                                          </p:stCondLst>
+                                        </p:cTn>
+                                        <p:tgtEl>
+                                          <p:spTgt spid="5"/>
+                                        </p:tgtEl>
+                                        <p:attrNameLst>
+                                          <p:attrName>style.visibility</p:attrName>
+                                        </p:attrNameLst>
+                                      </p:cBhvr>
+                                      <p:to>
+                                        <p:strVal val="visible"/>
+                                      </p:to>
+                                    </p:set>
+                                  </p:childTnLst>
+                                </p:cTn>
+                              </p:par>
+                              <p:par>
+                                <p:cTn id="15" presetID="1" presetClass="entr" presetSubtype="0" fill="hold" grpId="0" nodeType="withEffect">
+                                  <p:stCondLst>
+                                    <p:cond delay="0"/>
+                                  </p:stCondLst>
+                                  <p:childTnLst>
+                                    <p:set>
+                                      <p:cBhvr>
+                                        <p:cTn id="16" dur="1" fill="hold">
+                                          <p:stCondLst>
+                                            <p:cond delay="0"/>
+                                          </p:stCondLst>
+                                        </p:cTn>
+                                        <p:tgtEl>
+                                          <p:spTgt spid="8"/>
+                                        </p:tgtEl>
+                                        <p:attrNameLst>
+                                          <p:attrName>style.visibility</p:attrName>
+                                        </p:attrNameLst>
+                                      </p:cBhvr>
+                                      <p:to>
+                                        <p:strVal val="visible"/>
+                                      </p:to>
+                                    </p:set>
+                                  </p:childTnLst>
+                                </p:cTn>
+                              </p:par>
+                            </p:childTnLst>
+                          </p:cTn>
+                        </p:par>
+                      </p:childTnLst>
+                    </p:cTn>
+                  </p:par>
+                  <p:par>
+                    <p:cTn id="17" fill="hold">
+                      <p:stCondLst>
+                        <p:cond delay="indefinite"/>
+                      </p:stCondLst>
+                      <p:childTnLst>
+                        <p:par>
+                          <p:cTn id="18" fill="hold">
+                            <p:stCondLst>
+                              <p:cond delay="0"/>
+                            </p:stCondLst>
+                            <p:childTnLst>
+                              <p:par>
+                                <p:cTn id="19" presetID="1" presetClass="entr" presetSubtype="0" fill="hold" nodeType="clickEffect">
+                                  <p:stCondLst>
+                                    <p:cond delay="0"/>
+                                  </p:stCondLst>
+                                  <p:childTnLst>
+                                    <p:set>
+                                      <p:cBhvr>
+                                        <p:cTn id="20" dur="1" fill="hold">
+                                          <p:stCondLst>
+                                            <p:cond delay="0"/>
+                                          </p:stCondLst>
+                                        </p:cTn>
+                                        <p:tgtEl>
+                                          <p:spTgt spid="11"/>
+                                        </p:tgtEl>
+                                        <p:attrNameLst>
+                                          <p:attrName>style.visibility</p:attrName>
+                                        </p:attrNameLst>
+                                      </p:cBhvr>
+                                      <p:to>
+                                        <p:strVal val="visible"/>
+                                      </p:to>
+                                    </p:set>
+                                  </p:childTnLst>
+                                </p:cTn>
+                              </p:par>
+                              <p:par>
+                                <p:cTn id="21" presetID="1" presetClass="entr" presetSubtype="0" fill="hold" grpId="0" nodeType="withEffect">
+                                  <p:stCondLst>
+                                    <p:cond delay="0"/>
+                                  </p:stCondLst>
+                                  <p:childTnLst>
+                                    <p:set>
+                                      <p:cBhvr>
+                                        <p:cTn id="22" dur="1" fill="hold">
+                                          <p:stCondLst>
+                                            <p:cond delay="0"/>
+                                          </p:stCondLst>
+                                        </p:cTn>
+                                        <p:tgtEl>
+                                          <p:spTgt spid="12"/>
+                                        </p:tgtEl>
+                                        <p:attrNameLst>
+                                          <p:attrName>style.visibility</p:attrName>
+                                        </p:attrNameLst>
+                                      </p:cBhvr>
+                                      <p:to>
+                                        <p:strVal val="visible"/>
+                                      </p:to>
+                                    </p:set>
+                                  </p:childTnLst>
+                                </p:cTn>
+                              </p:par>
+                            </p:childTnLst>
+                          </p:cTn>
+                        </p:par>
+                      </p:childTnLst>
+                    </p:cTn>
+                  </p:par>
+                  <p:par>
+                    <p:cTn id="23" fill="hold">
+                      <p:stCondLst>
+                        <p:cond delay="indefinite"/>
+                      </p:stCondLst>
+                      <p:childTnLst>
+                        <p:par>
+                          <p:cTn id="24" fill="hold">
+                            <p:stCondLst>
+                              <p:cond delay="0"/>
+                            </p:stCondLst>
+                            <p:childTnLst>
+                              <p:par>
+                                <p:cTn id="25" presetID="1" presetClass="entr" presetSubtype="0" fill="hold" nodeType="clickEffect">
+                                  <p:stCondLst>
+                                    <p:cond delay="0"/>
+                                  </p:stCondLst>
+                                  <p:childTnLst>
+                                    <p:set>
+                                      <p:cBhvr>
+                                        <p:cTn id="26" dur="1" fill="hold">
+                                          <p:stCondLst>
+                                            <p:cond delay="0"/>
+                                          </p:stCondLst>
+                                        </p:cTn>
+                                        <p:tgtEl>
+                                          <p:spTgt spid="3">
+                                            <p:txEl>
+                                              <p:pRg st="2" end="2"/>
+                                            </p:txEl>
+                                          </p:spTgt>
+                                        </p:tgtEl>
+                                        <p:attrNameLst>
+                                          <p:attrName>style.visibility</p:attrName>
+                                        </p:attrNameLst>
+                                      </p:cBhvr>
+                                      <p:to>
+                                        <p:strVal val="visible"/>
+                                      </p:to>
+                                    </p:set>
+                                  </p:childTnLst>
+                                </p:cTn>
+                              </p:par>
+                              <p:par>
+                                <p:cTn id="27" presetID="1" presetClass="entr" presetSubtype="0" fill="hold" nodeType="withEffect">
+                                  <p:stCondLst>
+                                    <p:cond delay="0"/>
+                                  </p:stCondLst>
+                                  <p:childTnLst>
+                                    <p:set>
+                                      <p:cBhvr>
+                                        <p:cTn id="28" dur="1" fill="hold">
+                                          <p:stCondLst>
+                                            <p:cond delay="0"/>
+                                          </p:stCondLst>
+                                        </p:cTn>
+                                        <p:tgtEl>
+                                          <p:spTgt spid="3">
+                                            <p:txEl>
+                                              <p:pRg st="3" end="3"/>
+                                            </p:txEl>
+                                          </p:spTgt>
+                                        </p:tgtEl>
+                                        <p:attrNameLst>
+                                          <p:attrName>style.visibility</p:attrName>
+                                        </p:attrNameLst>
+                                      </p:cBhvr>
+                                      <p:to>
+                                        <p:strVal val="visible"/>
+                                      </p:to>
+                                    </p:set>
+                                  </p:childTnLst>
+                                </p:cTn>
+                              </p:par>
+                            </p:childTnLst>
+                          </p:cTn>
+                        </p:par>
+                      </p:childTnLst>
+                    </p:cTn>
+                  </p:par>
+                </p:childTnLst>
+              </p:cTn>
+              <p:prevCondLst>
+                <p:cond evt="onPrev" delay="0">
+                  <p:tgtEl>
+                    <p:sldTgt/>
+                  </p:tgtEl>
+                </p:cond>
+              </p:prevCondLst>
+              <p:nextCondLst>
+                <p:cond evt="onNext" delay="0">
+                  <p:tgtEl>
+                    <p:sldTgt/>
+                  </p:tgtEl>
+                </p:cond>
+              </p:nextCondLst>
+            </p:seq>
+          </p:childTnLst>
+        </p:cTn>
+      </p:par>
+    </p:tnLst>
+    <p:bldLst>
+      <p:bldP spid="8" grpId="0"/>
+      <p:bldP spid="12" grpId="0"/>
+    </p:bldLst>
+  </p:timing>
 </p:sld>
 </file>
 
@@ -4141,7 +8533,7 @@
           <p:cNvPr id="2" name="Title 1">
             <a:extLst>
               <a:ext uri="{FF2B5EF4-FFF2-40B4-BE49-F238E27FC236}">
-                <a16:creationId xmlns:a16="http://schemas.microsoft.com/office/drawing/2014/main" id="{C8D34871-379F-4BD5-9AF8-40C961D301A3}"/>
+                <a16:creationId xmlns:a16="http://schemas.microsoft.com/office/drawing/2014/main" id="{9643BEFF-E73E-4D98-834F-C51BCF02E9C4}"/>
               </a:ext>
             </a:extLst>
           </p:cNvPr>
@@ -4159,46 +8551,486 @@
           <a:p>
             <a:r>
               <a:rPr lang="en-US" dirty="0"/>
-              <a:t>Brief Introduction to Asymptotic Complexity Classes</a:t>
-            </a:r>
-          </a:p>
-        </p:txBody>
-      </p:sp>
-      <p:sp>
-        <p:nvSpPr>
-          <p:cNvPr id="3" name="Content Placeholder 2">
-            <a:extLst>
-              <a:ext uri="{FF2B5EF4-FFF2-40B4-BE49-F238E27FC236}">
-                <a16:creationId xmlns:a16="http://schemas.microsoft.com/office/drawing/2014/main" id="{B8514437-8113-4C75-A826-8AD619B1744A}"/>
-              </a:ext>
-            </a:extLst>
-          </p:cNvPr>
-          <p:cNvSpPr>
-            <a:spLocks noGrp="1"/>
-          </p:cNvSpPr>
-          <p:nvPr>
-            <p:ph idx="1"/>
-          </p:nvPr>
-        </p:nvSpPr>
-        <p:spPr/>
-        <p:txBody>
-          <a:bodyPr/>
+              <a:t>QFT Example</a:t>
+            </a:r>
+          </a:p>
+        </p:txBody>
+      </p:sp>
+      <p:pic>
+        <p:nvPicPr>
+          <p:cNvPr id="5" name="Picture 4">
+            <a:extLst>
+              <a:ext uri="{FF2B5EF4-FFF2-40B4-BE49-F238E27FC236}">
+                <a16:creationId xmlns:a16="http://schemas.microsoft.com/office/drawing/2014/main" id="{1266CD63-23E8-4E83-8187-77C80990ECB3}"/>
+              </a:ext>
+            </a:extLst>
+          </p:cNvPr>
+          <p:cNvPicPr>
+            <a:picLocks noChangeAspect="1"/>
+          </p:cNvPicPr>
+          <p:nvPr/>
+        </p:nvPicPr>
+        <p:blipFill>
+          <a:blip r:embed="rId2"/>
+          <a:stretch>
+            <a:fillRect/>
+          </a:stretch>
+        </p:blipFill>
+        <p:spPr>
+          <a:xfrm>
+            <a:off x="413822" y="2207193"/>
+            <a:ext cx="4116901" cy="2562729"/>
+          </a:xfrm>
+          <a:prstGeom prst="rect">
+            <a:avLst/>
+          </a:prstGeom>
+        </p:spPr>
+      </p:pic>
+      <p:sp>
+        <p:nvSpPr>
+          <p:cNvPr id="6" name="TextBox 5">
+            <a:extLst>
+              <a:ext uri="{FF2B5EF4-FFF2-40B4-BE49-F238E27FC236}">
+                <a16:creationId xmlns:a16="http://schemas.microsoft.com/office/drawing/2014/main" id="{17676531-36AC-444E-B271-3AA1B60EF289}"/>
+              </a:ext>
+            </a:extLst>
+          </p:cNvPr>
+          <p:cNvSpPr txBox="1"/>
+          <p:nvPr/>
+        </p:nvSpPr>
+        <p:spPr>
+          <a:xfrm>
+            <a:off x="1597673" y="4643252"/>
+            <a:ext cx="1749197" cy="369332"/>
+          </a:xfrm>
+          <a:prstGeom prst="rect">
+            <a:avLst/>
+          </a:prstGeom>
+          <a:noFill/>
+        </p:spPr>
+        <p:txBody>
+          <a:bodyPr wrap="none" rtlCol="0">
+            <a:spAutoFit/>
+          </a:bodyPr>
           <a:lstStyle/>
           <a:p>
-            <a:endParaRPr lang="en-US" dirty="0"/>
+            <a:r>
+              <a:rPr lang="en-US" dirty="0"/>
+              <a:t>Sample Function</a:t>
+            </a:r>
+          </a:p>
+        </p:txBody>
+      </p:sp>
+      <p:pic>
+        <p:nvPicPr>
+          <p:cNvPr id="8" name="Picture 7">
+            <a:extLst>
+              <a:ext uri="{FF2B5EF4-FFF2-40B4-BE49-F238E27FC236}">
+                <a16:creationId xmlns:a16="http://schemas.microsoft.com/office/drawing/2014/main" id="{0E43DC0F-D3A7-4D11-B9D6-13C90ECEFC24}"/>
+              </a:ext>
+            </a:extLst>
+          </p:cNvPr>
+          <p:cNvPicPr>
+            <a:picLocks noChangeAspect="1"/>
+          </p:cNvPicPr>
+          <p:nvPr/>
+        </p:nvPicPr>
+        <p:blipFill>
+          <a:blip r:embed="rId3"/>
+          <a:stretch>
+            <a:fillRect/>
+          </a:stretch>
+        </p:blipFill>
+        <p:spPr>
+          <a:xfrm>
+            <a:off x="5477221" y="365125"/>
+            <a:ext cx="2406774" cy="5791498"/>
+          </a:xfrm>
+          <a:prstGeom prst="rect">
+            <a:avLst/>
+          </a:prstGeom>
+        </p:spPr>
+      </p:pic>
+      <p:sp>
+        <p:nvSpPr>
+          <p:cNvPr id="9" name="Rectangle 8">
+            <a:extLst>
+              <a:ext uri="{FF2B5EF4-FFF2-40B4-BE49-F238E27FC236}">
+                <a16:creationId xmlns:a16="http://schemas.microsoft.com/office/drawing/2014/main" id="{F0EEA87F-83C0-45D6-998A-96CD33387231}"/>
+              </a:ext>
+            </a:extLst>
+          </p:cNvPr>
+          <p:cNvSpPr/>
+          <p:nvPr/>
+        </p:nvSpPr>
+        <p:spPr>
+          <a:xfrm>
+            <a:off x="7663543" y="1761131"/>
+            <a:ext cx="300842" cy="375618"/>
+          </a:xfrm>
+          <a:prstGeom prst="rect">
+            <a:avLst/>
+          </a:prstGeom>
+          <a:solidFill>
+            <a:schemeClr val="bg1"/>
+          </a:solidFill>
+          <a:ln>
+            <a:solidFill>
+              <a:schemeClr val="bg1"/>
+            </a:solidFill>
+          </a:ln>
+        </p:spPr>
+        <p:style>
+          <a:lnRef idx="2">
+            <a:schemeClr val="accent1">
+              <a:shade val="50000"/>
+            </a:schemeClr>
+          </a:lnRef>
+          <a:fillRef idx="1">
+            <a:schemeClr val="accent1"/>
+          </a:fillRef>
+          <a:effectRef idx="0">
+            <a:schemeClr val="accent1"/>
+          </a:effectRef>
+          <a:fontRef idx="minor">
+            <a:schemeClr val="lt1"/>
+          </a:fontRef>
+        </p:style>
+        <p:txBody>
+          <a:bodyPr rtlCol="0" anchor="ctr"/>
+          <a:lstStyle/>
+          <a:p>
+            <a:pPr algn="ctr"/>
+            <a:endParaRPr lang="en-US"/>
+          </a:p>
+        </p:txBody>
+      </p:sp>
+      <p:pic>
+        <p:nvPicPr>
+          <p:cNvPr id="11" name="Picture 10">
+            <a:extLst>
+              <a:ext uri="{FF2B5EF4-FFF2-40B4-BE49-F238E27FC236}">
+                <a16:creationId xmlns:a16="http://schemas.microsoft.com/office/drawing/2014/main" id="{4CAB079E-A81E-4055-B088-A26F421B52FA}"/>
+              </a:ext>
+            </a:extLst>
+          </p:cNvPr>
+          <p:cNvPicPr>
+            <a:picLocks noChangeAspect="1"/>
+          </p:cNvPicPr>
+          <p:nvPr/>
+        </p:nvPicPr>
+        <p:blipFill>
+          <a:blip r:embed="rId4"/>
+          <a:stretch>
+            <a:fillRect/>
+          </a:stretch>
+        </p:blipFill>
+        <p:spPr>
+          <a:xfrm>
+            <a:off x="9132582" y="3180566"/>
+            <a:ext cx="1447874" cy="615982"/>
+          </a:xfrm>
+          <a:prstGeom prst="rect">
+            <a:avLst/>
+          </a:prstGeom>
+        </p:spPr>
+      </p:pic>
+      <p:sp>
+        <p:nvSpPr>
+          <p:cNvPr id="12" name="TextBox 11">
+            <a:extLst>
+              <a:ext uri="{FF2B5EF4-FFF2-40B4-BE49-F238E27FC236}">
+                <a16:creationId xmlns:a16="http://schemas.microsoft.com/office/drawing/2014/main" id="{63F90549-2D79-4E98-814A-A8A4384C34AC}"/>
+              </a:ext>
+            </a:extLst>
+          </p:cNvPr>
+          <p:cNvSpPr txBox="1"/>
+          <p:nvPr/>
+        </p:nvSpPr>
+        <p:spPr>
+          <a:xfrm>
+            <a:off x="9434672" y="4013860"/>
+            <a:ext cx="843693" cy="369332"/>
+          </a:xfrm>
+          <a:prstGeom prst="rect">
+            <a:avLst/>
+          </a:prstGeom>
+          <a:noFill/>
+        </p:spPr>
+        <p:txBody>
+          <a:bodyPr wrap="none" rtlCol="0">
+            <a:spAutoFit/>
+          </a:bodyPr>
+          <a:lstStyle/>
+          <a:p>
+            <a:r>
+              <a:rPr lang="en-US" dirty="0"/>
+              <a:t>Period </a:t>
+            </a:r>
           </a:p>
         </p:txBody>
       </p:sp>
     </p:spTree>
     <p:extLst>
       <p:ext uri="{BB962C8B-B14F-4D97-AF65-F5344CB8AC3E}">
-        <p14:creationId xmlns:p14="http://schemas.microsoft.com/office/powerpoint/2010/main" val="1436784047"/>
+        <p14:creationId xmlns:p14="http://schemas.microsoft.com/office/powerpoint/2010/main" val="2539387300"/>
       </p:ext>
     </p:extLst>
   </p:cSld>
   <p:clrMapOvr>
     <a:masterClrMapping/>
   </p:clrMapOvr>
+  <p:timing>
+    <p:tnLst>
+      <p:par>
+        <p:cTn id="1" dur="indefinite" restart="never" nodeType="tmRoot">
+          <p:childTnLst>
+            <p:seq concurrent="1" nextAc="seek">
+              <p:cTn id="2" dur="indefinite" nodeType="mainSeq">
+                <p:childTnLst>
+                  <p:par>
+                    <p:cTn id="3" fill="hold">
+                      <p:stCondLst>
+                        <p:cond delay="indefinite"/>
+                      </p:stCondLst>
+                      <p:childTnLst>
+                        <p:par>
+                          <p:cTn id="4" fill="hold">
+                            <p:stCondLst>
+                              <p:cond delay="0"/>
+                            </p:stCondLst>
+                            <p:childTnLst>
+                              <p:par>
+                                <p:cTn id="5" presetID="1" presetClass="entr" presetSubtype="0" fill="hold" nodeType="clickEffect">
+                                  <p:stCondLst>
+                                    <p:cond delay="0"/>
+                                  </p:stCondLst>
+                                  <p:childTnLst>
+                                    <p:set>
+                                      <p:cBhvr>
+                                        <p:cTn id="6" dur="1" fill="hold">
+                                          <p:stCondLst>
+                                            <p:cond delay="0"/>
+                                          </p:stCondLst>
+                                        </p:cTn>
+                                        <p:tgtEl>
+                                          <p:spTgt spid="5"/>
+                                        </p:tgtEl>
+                                        <p:attrNameLst>
+                                          <p:attrName>style.visibility</p:attrName>
+                                        </p:attrNameLst>
+                                      </p:cBhvr>
+                                      <p:to>
+                                        <p:strVal val="visible"/>
+                                      </p:to>
+                                    </p:set>
+                                  </p:childTnLst>
+                                </p:cTn>
+                              </p:par>
+                              <p:par>
+                                <p:cTn id="7" presetID="1" presetClass="entr" presetSubtype="0" fill="hold" grpId="0" nodeType="withEffect">
+                                  <p:stCondLst>
+                                    <p:cond delay="0"/>
+                                  </p:stCondLst>
+                                  <p:childTnLst>
+                                    <p:set>
+                                      <p:cBhvr>
+                                        <p:cTn id="8" dur="1" fill="hold">
+                                          <p:stCondLst>
+                                            <p:cond delay="0"/>
+                                          </p:stCondLst>
+                                        </p:cTn>
+                                        <p:tgtEl>
+                                          <p:spTgt spid="6"/>
+                                        </p:tgtEl>
+                                        <p:attrNameLst>
+                                          <p:attrName>style.visibility</p:attrName>
+                                        </p:attrNameLst>
+                                      </p:cBhvr>
+                                      <p:to>
+                                        <p:strVal val="visible"/>
+                                      </p:to>
+                                    </p:set>
+                                  </p:childTnLst>
+                                </p:cTn>
+                              </p:par>
+                            </p:childTnLst>
+                          </p:cTn>
+                        </p:par>
+                      </p:childTnLst>
+                    </p:cTn>
+                  </p:par>
+                  <p:par>
+                    <p:cTn id="9" fill="hold">
+                      <p:stCondLst>
+                        <p:cond delay="indefinite"/>
+                      </p:stCondLst>
+                      <p:childTnLst>
+                        <p:par>
+                          <p:cTn id="10" fill="hold">
+                            <p:stCondLst>
+                              <p:cond delay="0"/>
+                            </p:stCondLst>
+                            <p:childTnLst>
+                              <p:par>
+                                <p:cTn id="11" presetID="1" presetClass="entr" presetSubtype="0" fill="hold" grpId="0" nodeType="clickEffect">
+                                  <p:stCondLst>
+                                    <p:cond delay="0"/>
+                                  </p:stCondLst>
+                                  <p:childTnLst>
+                                    <p:set>
+                                      <p:cBhvr>
+                                        <p:cTn id="12" dur="1" fill="hold">
+                                          <p:stCondLst>
+                                            <p:cond delay="0"/>
+                                          </p:stCondLst>
+                                        </p:cTn>
+                                        <p:tgtEl>
+                                          <p:spTgt spid="9"/>
+                                        </p:tgtEl>
+                                        <p:attrNameLst>
+                                          <p:attrName>style.visibility</p:attrName>
+                                        </p:attrNameLst>
+                                      </p:cBhvr>
+                                      <p:to>
+                                        <p:strVal val="visible"/>
+                                      </p:to>
+                                    </p:set>
+                                  </p:childTnLst>
+                                </p:cTn>
+                              </p:par>
+                              <p:par>
+                                <p:cTn id="13" presetID="1" presetClass="entr" presetSubtype="0" fill="hold" nodeType="withEffect">
+                                  <p:stCondLst>
+                                    <p:cond delay="0"/>
+                                  </p:stCondLst>
+                                  <p:childTnLst>
+                                    <p:set>
+                                      <p:cBhvr>
+                                        <p:cTn id="14" dur="1" fill="hold">
+                                          <p:stCondLst>
+                                            <p:cond delay="0"/>
+                                          </p:stCondLst>
+                                        </p:cTn>
+                                        <p:tgtEl>
+                                          <p:spTgt spid="8"/>
+                                        </p:tgtEl>
+                                        <p:attrNameLst>
+                                          <p:attrName>style.visibility</p:attrName>
+                                        </p:attrNameLst>
+                                      </p:cBhvr>
+                                      <p:to>
+                                        <p:strVal val="visible"/>
+                                      </p:to>
+                                    </p:set>
+                                  </p:childTnLst>
+                                </p:cTn>
+                              </p:par>
+                            </p:childTnLst>
+                          </p:cTn>
+                        </p:par>
+                      </p:childTnLst>
+                    </p:cTn>
+                  </p:par>
+                  <p:par>
+                    <p:cTn id="15" fill="hold">
+                      <p:stCondLst>
+                        <p:cond delay="indefinite"/>
+                      </p:stCondLst>
+                      <p:childTnLst>
+                        <p:par>
+                          <p:cTn id="16" fill="hold">
+                            <p:stCondLst>
+                              <p:cond delay="0"/>
+                            </p:stCondLst>
+                            <p:childTnLst>
+                              <p:par>
+                                <p:cTn id="17" presetID="1" presetClass="entr" presetSubtype="0" fill="hold" nodeType="clickEffect">
+                                  <p:stCondLst>
+                                    <p:cond delay="0"/>
+                                  </p:stCondLst>
+                                  <p:childTnLst>
+                                    <p:set>
+                                      <p:cBhvr>
+                                        <p:cTn id="18" dur="1" fill="hold">
+                                          <p:stCondLst>
+                                            <p:cond delay="0"/>
+                                          </p:stCondLst>
+                                        </p:cTn>
+                                        <p:tgtEl>
+                                          <p:spTgt spid="11"/>
+                                        </p:tgtEl>
+                                        <p:attrNameLst>
+                                          <p:attrName>style.visibility</p:attrName>
+                                        </p:attrNameLst>
+                                      </p:cBhvr>
+                                      <p:to>
+                                        <p:strVal val="visible"/>
+                                      </p:to>
+                                    </p:set>
+                                  </p:childTnLst>
+                                </p:cTn>
+                              </p:par>
+                              <p:par>
+                                <p:cTn id="19" presetID="1" presetClass="entr" presetSubtype="0" fill="hold" grpId="0" nodeType="withEffect">
+                                  <p:stCondLst>
+                                    <p:cond delay="0"/>
+                                  </p:stCondLst>
+                                  <p:childTnLst>
+                                    <p:set>
+                                      <p:cBhvr>
+                                        <p:cTn id="20" dur="1" fill="hold">
+                                          <p:stCondLst>
+                                            <p:cond delay="0"/>
+                                          </p:stCondLst>
+                                        </p:cTn>
+                                        <p:tgtEl>
+                                          <p:spTgt spid="12"/>
+                                        </p:tgtEl>
+                                        <p:attrNameLst>
+                                          <p:attrName>style.visibility</p:attrName>
+                                        </p:attrNameLst>
+                                      </p:cBhvr>
+                                      <p:to>
+                                        <p:strVal val="visible"/>
+                                      </p:to>
+                                    </p:set>
+                                  </p:childTnLst>
+                                </p:cTn>
+                              </p:par>
+                            </p:childTnLst>
+                          </p:cTn>
+                        </p:par>
+                      </p:childTnLst>
+                    </p:cTn>
+                  </p:par>
+                </p:childTnLst>
+              </p:cTn>
+              <p:prevCondLst>
+                <p:cond evt="onPrev" delay="0">
+                  <p:tgtEl>
+                    <p:sldTgt/>
+                  </p:tgtEl>
+                </p:cond>
+              </p:prevCondLst>
+              <p:nextCondLst>
+                <p:cond evt="onNext" delay="0">
+                  <p:tgtEl>
+                    <p:sldTgt/>
+                  </p:tgtEl>
+                </p:cond>
+              </p:nextCondLst>
+            </p:seq>
+          </p:childTnLst>
+        </p:cTn>
+      </p:par>
+    </p:tnLst>
+    <p:bldLst>
+      <p:bldP spid="6" grpId="0"/>
+      <p:bldP spid="9" grpId="0" animBg="1"/>
+      <p:bldP spid="12" grpId="0"/>
+    </p:bldLst>
+  </p:timing>
 </p:sld>
 </file>
 
@@ -4224,7 +9056,7 @@
           <p:cNvPr id="2" name="Title 1">
             <a:extLst>
               <a:ext uri="{FF2B5EF4-FFF2-40B4-BE49-F238E27FC236}">
-                <a16:creationId xmlns:a16="http://schemas.microsoft.com/office/drawing/2014/main" id="{BF1C6982-38AC-41D7-8919-4801309BD8B6}"/>
+                <a16:creationId xmlns:a16="http://schemas.microsoft.com/office/drawing/2014/main" id="{C8D34871-379F-4BD5-9AF8-40C961D301A3}"/>
               </a:ext>
             </a:extLst>
           </p:cNvPr>
@@ -4242,7 +9074,7 @@
           <a:p>
             <a:r>
               <a:rPr lang="en-US" dirty="0"/>
-              <a:t>Shor’s Algorithm</a:t>
+              <a:t>Brief Introduction to Asymptotic Complexity Classes</a:t>
             </a:r>
           </a:p>
         </p:txBody>
@@ -4252,7 +9084,7 @@
           <p:cNvPr id="3" name="Content Placeholder 2">
             <a:extLst>
               <a:ext uri="{FF2B5EF4-FFF2-40B4-BE49-F238E27FC236}">
-                <a16:creationId xmlns:a16="http://schemas.microsoft.com/office/drawing/2014/main" id="{B6364E1C-1EDD-403F-B1EB-E7D0BAFB602E}"/>
+                <a16:creationId xmlns:a16="http://schemas.microsoft.com/office/drawing/2014/main" id="{B8514437-8113-4C75-A826-8AD619B1744A}"/>
               </a:ext>
             </a:extLst>
           </p:cNvPr>
@@ -4268,20 +9100,562 @@
           <a:bodyPr/>
           <a:lstStyle/>
           <a:p>
+            <a:r>
+              <a:rPr lang="en-US" dirty="0"/>
+              <a:t>Computational Problems with Bounded Resource </a:t>
+            </a:r>
+          </a:p>
+          <a:p>
+            <a:pPr lvl="1"/>
+            <a:r>
+              <a:rPr lang="en-US" dirty="0"/>
+              <a:t>Time</a:t>
+            </a:r>
+          </a:p>
+          <a:p>
+            <a:pPr lvl="1"/>
+            <a:r>
+              <a:rPr lang="en-US" dirty="0"/>
+              <a:t>Memory </a:t>
+            </a:r>
+          </a:p>
+          <a:p>
+            <a:r>
+              <a:rPr lang="en-US" dirty="0"/>
+              <a:t>Asymptotic Relations</a:t>
+            </a:r>
+          </a:p>
+          <a:p>
+            <a:r>
+              <a:rPr lang="en-US" dirty="0"/>
+              <a:t>P=NP ? </a:t>
+            </a:r>
+          </a:p>
+          <a:p>
+            <a:pPr lvl="1"/>
+            <a:r>
+              <a:rPr lang="en-US" dirty="0"/>
+              <a:t>Polynomial </a:t>
+            </a:r>
+          </a:p>
+          <a:p>
+            <a:pPr lvl="1"/>
+            <a:r>
+              <a:rPr lang="en-US" dirty="0"/>
+              <a:t>Non-Deterministic Polynomial Time</a:t>
+            </a:r>
+          </a:p>
+          <a:p>
+            <a:pPr lvl="1"/>
+            <a:r>
+              <a:rPr lang="en-US" dirty="0"/>
+              <a:t>Very Important Problem!!!</a:t>
+            </a:r>
+          </a:p>
+          <a:p>
             <a:endParaRPr lang="en-US" dirty="0"/>
+          </a:p>
+        </p:txBody>
+      </p:sp>
+      <p:pic>
+        <p:nvPicPr>
+          <p:cNvPr id="2050" name="Picture 2">
+            <a:extLst>
+              <a:ext uri="{FF2B5EF4-FFF2-40B4-BE49-F238E27FC236}">
+                <a16:creationId xmlns:a16="http://schemas.microsoft.com/office/drawing/2014/main" id="{778D5195-F8C5-4EEA-BC63-E99C7EABEA0B}"/>
+              </a:ext>
+            </a:extLst>
+          </p:cNvPr>
+          <p:cNvPicPr>
+            <a:picLocks noChangeAspect="1" noChangeArrowheads="1"/>
+          </p:cNvPicPr>
+          <p:nvPr/>
+        </p:nvPicPr>
+        <p:blipFill>
+          <a:blip r:embed="rId2">
+            <a:extLst>
+              <a:ext uri="{28A0092B-C50C-407E-A947-70E740481C1C}">
+                <a14:useLocalDpi xmlns:a14="http://schemas.microsoft.com/office/drawing/2010/main" val="0"/>
+              </a:ext>
+            </a:extLst>
+          </a:blip>
+          <a:srcRect/>
+          <a:stretch>
+            <a:fillRect/>
+          </a:stretch>
+        </p:blipFill>
+        <p:spPr bwMode="auto">
+          <a:xfrm>
+            <a:off x="8078024" y="2521343"/>
+            <a:ext cx="3458752" cy="3144982"/>
+          </a:xfrm>
+          <a:prstGeom prst="rect">
+            <a:avLst/>
+          </a:prstGeom>
+          <a:noFill/>
+          <a:extLst>
+            <a:ext uri="{909E8E84-426E-40DD-AFC4-6F175D3DCCD1}">
+              <a14:hiddenFill xmlns:a14="http://schemas.microsoft.com/office/drawing/2010/main">
+                <a:solidFill>
+                  <a:srgbClr val="FFFFFF"/>
+                </a:solidFill>
+              </a14:hiddenFill>
+            </a:ext>
+          </a:extLst>
+        </p:spPr>
+      </p:pic>
+      <p:sp>
+        <p:nvSpPr>
+          <p:cNvPr id="4" name="TextBox 3">
+            <a:extLst>
+              <a:ext uri="{FF2B5EF4-FFF2-40B4-BE49-F238E27FC236}">
+                <a16:creationId xmlns:a16="http://schemas.microsoft.com/office/drawing/2014/main" id="{48349E54-CDAF-45D8-8162-CC10C9390466}"/>
+              </a:ext>
+            </a:extLst>
+          </p:cNvPr>
+          <p:cNvSpPr txBox="1"/>
+          <p:nvPr/>
+        </p:nvSpPr>
+        <p:spPr>
+          <a:xfrm>
+            <a:off x="8827933" y="5736978"/>
+            <a:ext cx="1958934" cy="369332"/>
+          </a:xfrm>
+          <a:prstGeom prst="rect">
+            <a:avLst/>
+          </a:prstGeom>
+          <a:noFill/>
+        </p:spPr>
+        <p:txBody>
+          <a:bodyPr wrap="none" rtlCol="0">
+            <a:spAutoFit/>
+          </a:bodyPr>
+          <a:lstStyle/>
+          <a:p>
+            <a:r>
+              <a:rPr lang="en-US" dirty="0"/>
+              <a:t>Complexity Classes</a:t>
+            </a:r>
           </a:p>
         </p:txBody>
       </p:sp>
     </p:spTree>
     <p:extLst>
       <p:ext uri="{BB962C8B-B14F-4D97-AF65-F5344CB8AC3E}">
-        <p14:creationId xmlns:p14="http://schemas.microsoft.com/office/powerpoint/2010/main" val="4165188779"/>
+        <p14:creationId xmlns:p14="http://schemas.microsoft.com/office/powerpoint/2010/main" val="1436784047"/>
       </p:ext>
     </p:extLst>
   </p:cSld>
   <p:clrMapOvr>
     <a:masterClrMapping/>
   </p:clrMapOvr>
+  <p:timing>
+    <p:tnLst>
+      <p:par>
+        <p:cTn id="1" dur="indefinite" restart="never" nodeType="tmRoot">
+          <p:childTnLst>
+            <p:seq concurrent="1" nextAc="seek">
+              <p:cTn id="2" dur="indefinite" nodeType="mainSeq">
+                <p:childTnLst>
+                  <p:par>
+                    <p:cTn id="3" fill="hold">
+                      <p:stCondLst>
+                        <p:cond delay="indefinite"/>
+                      </p:stCondLst>
+                      <p:childTnLst>
+                        <p:par>
+                          <p:cTn id="4" fill="hold">
+                            <p:stCondLst>
+                              <p:cond delay="0"/>
+                            </p:stCondLst>
+                            <p:childTnLst>
+                              <p:par>
+                                <p:cTn id="5" presetID="1" presetClass="entr" presetSubtype="0" fill="hold" nodeType="clickEffect">
+                                  <p:stCondLst>
+                                    <p:cond delay="0"/>
+                                  </p:stCondLst>
+                                  <p:childTnLst>
+                                    <p:set>
+                                      <p:cBhvr>
+                                        <p:cTn id="6" dur="1" fill="hold">
+                                          <p:stCondLst>
+                                            <p:cond delay="0"/>
+                                          </p:stCondLst>
+                                        </p:cTn>
+                                        <p:tgtEl>
+                                          <p:spTgt spid="3">
+                                            <p:txEl>
+                                              <p:pRg st="0" end="0"/>
+                                            </p:txEl>
+                                          </p:spTgt>
+                                        </p:tgtEl>
+                                        <p:attrNameLst>
+                                          <p:attrName>style.visibility</p:attrName>
+                                        </p:attrNameLst>
+                                      </p:cBhvr>
+                                      <p:to>
+                                        <p:strVal val="visible"/>
+                                      </p:to>
+                                    </p:set>
+                                  </p:childTnLst>
+                                </p:cTn>
+                              </p:par>
+                              <p:par>
+                                <p:cTn id="7" presetID="1" presetClass="entr" presetSubtype="0" fill="hold" nodeType="withEffect">
+                                  <p:stCondLst>
+                                    <p:cond delay="0"/>
+                                  </p:stCondLst>
+                                  <p:childTnLst>
+                                    <p:set>
+                                      <p:cBhvr>
+                                        <p:cTn id="8" dur="1" fill="hold">
+                                          <p:stCondLst>
+                                            <p:cond delay="0"/>
+                                          </p:stCondLst>
+                                        </p:cTn>
+                                        <p:tgtEl>
+                                          <p:spTgt spid="3">
+                                            <p:txEl>
+                                              <p:pRg st="1" end="1"/>
+                                            </p:txEl>
+                                          </p:spTgt>
+                                        </p:tgtEl>
+                                        <p:attrNameLst>
+                                          <p:attrName>style.visibility</p:attrName>
+                                        </p:attrNameLst>
+                                      </p:cBhvr>
+                                      <p:to>
+                                        <p:strVal val="visible"/>
+                                      </p:to>
+                                    </p:set>
+                                  </p:childTnLst>
+                                </p:cTn>
+                              </p:par>
+                              <p:par>
+                                <p:cTn id="9" presetID="1" presetClass="entr" presetSubtype="0" fill="hold" nodeType="withEffect">
+                                  <p:stCondLst>
+                                    <p:cond delay="0"/>
+                                  </p:stCondLst>
+                                  <p:childTnLst>
+                                    <p:set>
+                                      <p:cBhvr>
+                                        <p:cTn id="10" dur="1" fill="hold">
+                                          <p:stCondLst>
+                                            <p:cond delay="0"/>
+                                          </p:stCondLst>
+                                        </p:cTn>
+                                        <p:tgtEl>
+                                          <p:spTgt spid="3">
+                                            <p:txEl>
+                                              <p:pRg st="2" end="2"/>
+                                            </p:txEl>
+                                          </p:spTgt>
+                                        </p:tgtEl>
+                                        <p:attrNameLst>
+                                          <p:attrName>style.visibility</p:attrName>
+                                        </p:attrNameLst>
+                                      </p:cBhvr>
+                                      <p:to>
+                                        <p:strVal val="visible"/>
+                                      </p:to>
+                                    </p:set>
+                                  </p:childTnLst>
+                                </p:cTn>
+                              </p:par>
+                            </p:childTnLst>
+                          </p:cTn>
+                        </p:par>
+                      </p:childTnLst>
+                    </p:cTn>
+                  </p:par>
+                  <p:par>
+                    <p:cTn id="11" fill="hold">
+                      <p:stCondLst>
+                        <p:cond delay="indefinite"/>
+                      </p:stCondLst>
+                      <p:childTnLst>
+                        <p:par>
+                          <p:cTn id="12" fill="hold">
+                            <p:stCondLst>
+                              <p:cond delay="0"/>
+                            </p:stCondLst>
+                            <p:childTnLst>
+                              <p:par>
+                                <p:cTn id="13" presetID="1" presetClass="entr" presetSubtype="0" fill="hold" nodeType="clickEffect">
+                                  <p:stCondLst>
+                                    <p:cond delay="0"/>
+                                  </p:stCondLst>
+                                  <p:childTnLst>
+                                    <p:set>
+                                      <p:cBhvr>
+                                        <p:cTn id="14" dur="1" fill="hold">
+                                          <p:stCondLst>
+                                            <p:cond delay="0"/>
+                                          </p:stCondLst>
+                                        </p:cTn>
+                                        <p:tgtEl>
+                                          <p:spTgt spid="2050"/>
+                                        </p:tgtEl>
+                                        <p:attrNameLst>
+                                          <p:attrName>style.visibility</p:attrName>
+                                        </p:attrNameLst>
+                                      </p:cBhvr>
+                                      <p:to>
+                                        <p:strVal val="visible"/>
+                                      </p:to>
+                                    </p:set>
+                                  </p:childTnLst>
+                                </p:cTn>
+                              </p:par>
+                              <p:par>
+                                <p:cTn id="15" presetID="1" presetClass="entr" presetSubtype="0" fill="hold" grpId="0" nodeType="withEffect">
+                                  <p:stCondLst>
+                                    <p:cond delay="0"/>
+                                  </p:stCondLst>
+                                  <p:childTnLst>
+                                    <p:set>
+                                      <p:cBhvr>
+                                        <p:cTn id="16" dur="1" fill="hold">
+                                          <p:stCondLst>
+                                            <p:cond delay="0"/>
+                                          </p:stCondLst>
+                                        </p:cTn>
+                                        <p:tgtEl>
+                                          <p:spTgt spid="4"/>
+                                        </p:tgtEl>
+                                        <p:attrNameLst>
+                                          <p:attrName>style.visibility</p:attrName>
+                                        </p:attrNameLst>
+                                      </p:cBhvr>
+                                      <p:to>
+                                        <p:strVal val="visible"/>
+                                      </p:to>
+                                    </p:set>
+                                  </p:childTnLst>
+                                </p:cTn>
+                              </p:par>
+                            </p:childTnLst>
+                          </p:cTn>
+                        </p:par>
+                      </p:childTnLst>
+                    </p:cTn>
+                  </p:par>
+                  <p:par>
+                    <p:cTn id="17" fill="hold">
+                      <p:stCondLst>
+                        <p:cond delay="indefinite"/>
+                      </p:stCondLst>
+                      <p:childTnLst>
+                        <p:par>
+                          <p:cTn id="18" fill="hold">
+                            <p:stCondLst>
+                              <p:cond delay="0"/>
+                            </p:stCondLst>
+                            <p:childTnLst>
+                              <p:par>
+                                <p:cTn id="19" presetID="1" presetClass="entr" presetSubtype="0" fill="hold" nodeType="clickEffect">
+                                  <p:stCondLst>
+                                    <p:cond delay="0"/>
+                                  </p:stCondLst>
+                                  <p:childTnLst>
+                                    <p:set>
+                                      <p:cBhvr>
+                                        <p:cTn id="20" dur="1" fill="hold">
+                                          <p:stCondLst>
+                                            <p:cond delay="0"/>
+                                          </p:stCondLst>
+                                        </p:cTn>
+                                        <p:tgtEl>
+                                          <p:spTgt spid="3">
+                                            <p:txEl>
+                                              <p:pRg st="3" end="3"/>
+                                            </p:txEl>
+                                          </p:spTgt>
+                                        </p:tgtEl>
+                                        <p:attrNameLst>
+                                          <p:attrName>style.visibility</p:attrName>
+                                        </p:attrNameLst>
+                                      </p:cBhvr>
+                                      <p:to>
+                                        <p:strVal val="visible"/>
+                                      </p:to>
+                                    </p:set>
+                                  </p:childTnLst>
+                                </p:cTn>
+                              </p:par>
+                            </p:childTnLst>
+                          </p:cTn>
+                        </p:par>
+                      </p:childTnLst>
+                    </p:cTn>
+                  </p:par>
+                  <p:par>
+                    <p:cTn id="21" fill="hold">
+                      <p:stCondLst>
+                        <p:cond delay="indefinite"/>
+                      </p:stCondLst>
+                      <p:childTnLst>
+                        <p:par>
+                          <p:cTn id="22" fill="hold">
+                            <p:stCondLst>
+                              <p:cond delay="0"/>
+                            </p:stCondLst>
+                            <p:childTnLst>
+                              <p:par>
+                                <p:cTn id="23" presetID="1" presetClass="entr" presetSubtype="0" fill="hold" nodeType="clickEffect">
+                                  <p:stCondLst>
+                                    <p:cond delay="0"/>
+                                  </p:stCondLst>
+                                  <p:childTnLst>
+                                    <p:set>
+                                      <p:cBhvr>
+                                        <p:cTn id="24" dur="1" fill="hold">
+                                          <p:stCondLst>
+                                            <p:cond delay="0"/>
+                                          </p:stCondLst>
+                                        </p:cTn>
+                                        <p:tgtEl>
+                                          <p:spTgt spid="3">
+                                            <p:txEl>
+                                              <p:pRg st="4" end="4"/>
+                                            </p:txEl>
+                                          </p:spTgt>
+                                        </p:tgtEl>
+                                        <p:attrNameLst>
+                                          <p:attrName>style.visibility</p:attrName>
+                                        </p:attrNameLst>
+                                      </p:cBhvr>
+                                      <p:to>
+                                        <p:strVal val="visible"/>
+                                      </p:to>
+                                    </p:set>
+                                  </p:childTnLst>
+                                </p:cTn>
+                              </p:par>
+                              <p:par>
+                                <p:cTn id="25" presetID="1" presetClass="entr" presetSubtype="0" fill="hold" nodeType="withEffect">
+                                  <p:stCondLst>
+                                    <p:cond delay="0"/>
+                                  </p:stCondLst>
+                                  <p:childTnLst>
+                                    <p:set>
+                                      <p:cBhvr>
+                                        <p:cTn id="26" dur="1" fill="hold">
+                                          <p:stCondLst>
+                                            <p:cond delay="0"/>
+                                          </p:stCondLst>
+                                        </p:cTn>
+                                        <p:tgtEl>
+                                          <p:spTgt spid="3">
+                                            <p:txEl>
+                                              <p:pRg st="5" end="5"/>
+                                            </p:txEl>
+                                          </p:spTgt>
+                                        </p:tgtEl>
+                                        <p:attrNameLst>
+                                          <p:attrName>style.visibility</p:attrName>
+                                        </p:attrNameLst>
+                                      </p:cBhvr>
+                                      <p:to>
+                                        <p:strVal val="visible"/>
+                                      </p:to>
+                                    </p:set>
+                                  </p:childTnLst>
+                                </p:cTn>
+                              </p:par>
+                              <p:par>
+                                <p:cTn id="27" presetID="1" presetClass="entr" presetSubtype="0" fill="hold" nodeType="withEffect">
+                                  <p:stCondLst>
+                                    <p:cond delay="0"/>
+                                  </p:stCondLst>
+                                  <p:childTnLst>
+                                    <p:set>
+                                      <p:cBhvr>
+                                        <p:cTn id="28" dur="1" fill="hold">
+                                          <p:stCondLst>
+                                            <p:cond delay="0"/>
+                                          </p:stCondLst>
+                                        </p:cTn>
+                                        <p:tgtEl>
+                                          <p:spTgt spid="3">
+                                            <p:txEl>
+                                              <p:pRg st="6" end="6"/>
+                                            </p:txEl>
+                                          </p:spTgt>
+                                        </p:tgtEl>
+                                        <p:attrNameLst>
+                                          <p:attrName>style.visibility</p:attrName>
+                                        </p:attrNameLst>
+                                      </p:cBhvr>
+                                      <p:to>
+                                        <p:strVal val="visible"/>
+                                      </p:to>
+                                    </p:set>
+                                  </p:childTnLst>
+                                </p:cTn>
+                              </p:par>
+                              <p:par>
+                                <p:cTn id="29" presetID="1" presetClass="entr" presetSubtype="0" fill="hold" nodeType="withEffect">
+                                  <p:stCondLst>
+                                    <p:cond delay="0"/>
+                                  </p:stCondLst>
+                                  <p:childTnLst>
+                                    <p:set>
+                                      <p:cBhvr>
+                                        <p:cTn id="30" dur="1" fill="hold">
+                                          <p:stCondLst>
+                                            <p:cond delay="0"/>
+                                          </p:stCondLst>
+                                        </p:cTn>
+                                        <p:tgtEl>
+                                          <p:spTgt spid="3">
+                                            <p:txEl>
+                                              <p:pRg st="7" end="7"/>
+                                            </p:txEl>
+                                          </p:spTgt>
+                                        </p:tgtEl>
+                                        <p:attrNameLst>
+                                          <p:attrName>style.visibility</p:attrName>
+                                        </p:attrNameLst>
+                                      </p:cBhvr>
+                                      <p:to>
+                                        <p:strVal val="visible"/>
+                                      </p:to>
+                                    </p:set>
+                                  </p:childTnLst>
+                                </p:cTn>
+                              </p:par>
+                            </p:childTnLst>
+                          </p:cTn>
+                        </p:par>
+                      </p:childTnLst>
+                    </p:cTn>
+                  </p:par>
+                </p:childTnLst>
+              </p:cTn>
+              <p:prevCondLst>
+                <p:cond evt="onPrev" delay="0">
+                  <p:tgtEl>
+                    <p:sldTgt/>
+                  </p:tgtEl>
+                </p:cond>
+              </p:prevCondLst>
+              <p:nextCondLst>
+                <p:cond evt="onNext" delay="0">
+                  <p:tgtEl>
+                    <p:sldTgt/>
+                  </p:tgtEl>
+                </p:cond>
+              </p:nextCondLst>
+            </p:seq>
+          </p:childTnLst>
+        </p:cTn>
+      </p:par>
+    </p:tnLst>
+    <p:bldLst>
+      <p:bldP spid="4" grpId="0"/>
+    </p:bldLst>
+  </p:timing>
 </p:sld>
 </file>
 
